--- a/S1_Containers.pptx
+++ b/S1_Containers.pptx
@@ -15,56 +15,56 @@
     <p:sldId id="258" r:id="rId6"/>
     <p:sldId id="259" r:id="rId7"/>
     <p:sldId id="260" r:id="rId8"/>
-    <p:sldId id="261" r:id="rId9"/>
-    <p:sldId id="262" r:id="rId10"/>
-    <p:sldId id="263" r:id="rId11"/>
-    <p:sldId id="264" r:id="rId12"/>
-    <p:sldId id="265" r:id="rId13"/>
-    <p:sldId id="266" r:id="rId14"/>
-    <p:sldId id="267" r:id="rId15"/>
-    <p:sldId id="268" r:id="rId16"/>
-    <p:sldId id="269" r:id="rId17"/>
-    <p:sldId id="270" r:id="rId18"/>
-    <p:sldId id="271" r:id="rId19"/>
-    <p:sldId id="272" r:id="rId20"/>
-    <p:sldId id="273" r:id="rId21"/>
-    <p:sldId id="274" r:id="rId22"/>
-    <p:sldId id="275" r:id="rId23"/>
-    <p:sldId id="276" r:id="rId24"/>
-    <p:sldId id="277" r:id="rId25"/>
-    <p:sldId id="278" r:id="rId26"/>
-    <p:sldId id="279" r:id="rId27"/>
-    <p:sldId id="280" r:id="rId28"/>
-    <p:sldId id="281" r:id="rId29"/>
-    <p:sldId id="282" r:id="rId30"/>
-    <p:sldId id="283" r:id="rId31"/>
-    <p:sldId id="284" r:id="rId32"/>
-    <p:sldId id="285" r:id="rId33"/>
-    <p:sldId id="286" r:id="rId34"/>
-    <p:sldId id="287" r:id="rId35"/>
-    <p:sldId id="288" r:id="rId36"/>
-    <p:sldId id="289" r:id="rId37"/>
-    <p:sldId id="290" r:id="rId38"/>
-    <p:sldId id="291" r:id="rId39"/>
-    <p:sldId id="292" r:id="rId40"/>
-    <p:sldId id="293" r:id="rId41"/>
-    <p:sldId id="294" r:id="rId42"/>
-    <p:sldId id="295" r:id="rId43"/>
-    <p:sldId id="296" r:id="rId44"/>
-    <p:sldId id="297" r:id="rId45"/>
-    <p:sldId id="298" r:id="rId46"/>
-    <p:sldId id="299" r:id="rId47"/>
-    <p:sldId id="300" r:id="rId48"/>
-    <p:sldId id="301" r:id="rId49"/>
-    <p:sldId id="302" r:id="rId50"/>
-    <p:sldId id="303" r:id="rId51"/>
-    <p:sldId id="304" r:id="rId52"/>
-    <p:sldId id="305" r:id="rId53"/>
-    <p:sldId id="306" r:id="rId54"/>
-    <p:sldId id="307" r:id="rId55"/>
-    <p:sldId id="308" r:id="rId56"/>
-    <p:sldId id="309" r:id="rId57"/>
-    <p:sldId id="310" r:id="rId58"/>
+    <p:sldId id="262" r:id="rId9"/>
+    <p:sldId id="263" r:id="rId10"/>
+    <p:sldId id="264" r:id="rId11"/>
+    <p:sldId id="265" r:id="rId12"/>
+    <p:sldId id="266" r:id="rId13"/>
+    <p:sldId id="267" r:id="rId14"/>
+    <p:sldId id="268" r:id="rId15"/>
+    <p:sldId id="269" r:id="rId16"/>
+    <p:sldId id="270" r:id="rId17"/>
+    <p:sldId id="271" r:id="rId18"/>
+    <p:sldId id="272" r:id="rId19"/>
+    <p:sldId id="273" r:id="rId20"/>
+    <p:sldId id="274" r:id="rId21"/>
+    <p:sldId id="275" r:id="rId22"/>
+    <p:sldId id="276" r:id="rId23"/>
+    <p:sldId id="277" r:id="rId24"/>
+    <p:sldId id="278" r:id="rId25"/>
+    <p:sldId id="279" r:id="rId26"/>
+    <p:sldId id="280" r:id="rId27"/>
+    <p:sldId id="281" r:id="rId28"/>
+    <p:sldId id="282" r:id="rId29"/>
+    <p:sldId id="283" r:id="rId30"/>
+    <p:sldId id="284" r:id="rId31"/>
+    <p:sldId id="285" r:id="rId32"/>
+    <p:sldId id="286" r:id="rId33"/>
+    <p:sldId id="287" r:id="rId34"/>
+    <p:sldId id="288" r:id="rId35"/>
+    <p:sldId id="289" r:id="rId36"/>
+    <p:sldId id="290" r:id="rId37"/>
+    <p:sldId id="291" r:id="rId38"/>
+    <p:sldId id="292" r:id="rId39"/>
+    <p:sldId id="293" r:id="rId40"/>
+    <p:sldId id="294" r:id="rId41"/>
+    <p:sldId id="295" r:id="rId42"/>
+    <p:sldId id="296" r:id="rId43"/>
+    <p:sldId id="297" r:id="rId44"/>
+    <p:sldId id="298" r:id="rId45"/>
+    <p:sldId id="299" r:id="rId46"/>
+    <p:sldId id="300" r:id="rId47"/>
+    <p:sldId id="301" r:id="rId48"/>
+    <p:sldId id="302" r:id="rId49"/>
+    <p:sldId id="310" r:id="rId50"/>
+    <p:sldId id="311" r:id="rId51"/>
+    <p:sldId id="303" r:id="rId52"/>
+    <p:sldId id="304" r:id="rId53"/>
+    <p:sldId id="305" r:id="rId54"/>
+    <p:sldId id="306" r:id="rId55"/>
+    <p:sldId id="307" r:id="rId56"/>
+    <p:sldId id="308" r:id="rId57"/>
+    <p:sldId id="309" r:id="rId58"/>
   </p:sldIdLst>
   <p:sldSz cx="9144000" cy="5143500" type="screen16x9"/>
   <p:notesSz cx="6858000" cy="9144000"/>
@@ -169,510 +169,9 @@
 <file path=ppt/revisionInfo.xml><?xml version="1.0" encoding="utf-8"?>
 <p1510:revInfo xmlns:a="http://schemas.openxmlformats.org/drawingml/2006/main" xmlns:r="http://schemas.openxmlformats.org/officeDocument/2006/relationships" xmlns:p1510="http://schemas.microsoft.com/office/powerpoint/2015/10/main">
   <p1510:revLst>
-    <p1510:client id="{59BB08AD-0765-A8B5-D366-6A452292B4A3}" v="12" dt="2025-08-18T12:15:52.972"/>
-    <p1510:client id="{6C2B83EA-9697-8ED6-9DF9-1F1D61B0BC26}" v="28" dt="2025-08-18T12:13:20.691"/>
-    <p1510:client id="{A1DDE310-AA43-348F-BA18-DAC85C6AD862}" v="11" dt="2025-08-18T12:11:11.084"/>
-    <p1510:client id="{BC370041-2D8E-B0D9-3803-445A916DEB93}" v="1" dt="2025-08-18T12:11:51.807"/>
+    <p1510:client id="{685ABB2D-0F25-9B59-0D2A-F81BEA775595}" v="825" dt="2025-08-26T10:43:48.082"/>
   </p1510:revLst>
 </p1510:revInfo>
-</file>
-
-<file path=ppt/changesInfos/changesInfo1.xml><?xml version="1.0" encoding="utf-8"?>
-<pc:chgInfo xmlns:a="http://schemas.openxmlformats.org/drawingml/2006/main" xmlns:r="http://schemas.openxmlformats.org/officeDocument/2006/relationships" xmlns:ac="http://schemas.microsoft.com/office/drawing/2013/main/command" xmlns:pc="http://schemas.microsoft.com/office/powerpoint/2013/main/command">
-  <pc:docChgLst>
-    <pc:chgData name="Zoran Krleza" userId="S::zoran.krleza@true-north.hr::33541fcb-12cd-4fc8-b554-7a6f9fce95f2" providerId="AD" clId="Web-{A1DDE310-AA43-348F-BA18-DAC85C6AD862}"/>
-    <pc:docChg chg="modSld delMainMaster">
-      <pc:chgData name="Zoran Krleza" userId="S::zoran.krleza@true-north.hr::33541fcb-12cd-4fc8-b554-7a6f9fce95f2" providerId="AD" clId="Web-{A1DDE310-AA43-348F-BA18-DAC85C6AD862}" dt="2025-08-18T12:11:11.084" v="10"/>
-      <pc:docMkLst>
-        <pc:docMk/>
-      </pc:docMkLst>
-      <pc:sldChg chg="addSp delSp modSp">
-        <pc:chgData name="Zoran Krleza" userId="S::zoran.krleza@true-north.hr::33541fcb-12cd-4fc8-b554-7a6f9fce95f2" providerId="AD" clId="Web-{A1DDE310-AA43-348F-BA18-DAC85C6AD862}" dt="2025-08-18T12:10:11.144" v="8" actId="1076"/>
-        <pc:sldMkLst>
-          <pc:docMk/>
-          <pc:sldMk cId="0" sldId="256"/>
-        </pc:sldMkLst>
-        <pc:spChg chg="del">
-          <ac:chgData name="Zoran Krleza" userId="S::zoran.krleza@true-north.hr::33541fcb-12cd-4fc8-b554-7a6f9fce95f2" providerId="AD" clId="Web-{A1DDE310-AA43-348F-BA18-DAC85C6AD862}" dt="2025-08-18T12:09:08.173" v="0"/>
-          <ac:spMkLst>
-            <pc:docMk/>
-            <pc:sldMk cId="0" sldId="256"/>
-            <ac:spMk id="169" creationId="{00000000-0000-0000-0000-000000000000}"/>
-          </ac:spMkLst>
-        </pc:spChg>
-        <pc:picChg chg="add del mod">
-          <ac:chgData name="Zoran Krleza" userId="S::zoran.krleza@true-north.hr::33541fcb-12cd-4fc8-b554-7a6f9fce95f2" providerId="AD" clId="Web-{A1DDE310-AA43-348F-BA18-DAC85C6AD862}" dt="2025-08-18T12:09:40.377" v="4"/>
-          <ac:picMkLst>
-            <pc:docMk/>
-            <pc:sldMk cId="0" sldId="256"/>
-            <ac:picMk id="2" creationId="{2AE30429-11BA-FCC7-09B9-7E7C64705ADC}"/>
-          </ac:picMkLst>
-        </pc:picChg>
-        <pc:picChg chg="add mod">
-          <ac:chgData name="Zoran Krleza" userId="S::zoran.krleza@true-north.hr::33541fcb-12cd-4fc8-b554-7a6f9fce95f2" providerId="AD" clId="Web-{A1DDE310-AA43-348F-BA18-DAC85C6AD862}" dt="2025-08-18T12:09:47.346" v="6" actId="1076"/>
-          <ac:picMkLst>
-            <pc:docMk/>
-            <pc:sldMk cId="0" sldId="256"/>
-            <ac:picMk id="3" creationId="{22130D82-FA90-8396-3C25-688F62C45331}"/>
-          </ac:picMkLst>
-        </pc:picChg>
-        <pc:picChg chg="add mod">
-          <ac:chgData name="Zoran Krleza" userId="S::zoran.krleza@true-north.hr::33541fcb-12cd-4fc8-b554-7a6f9fce95f2" providerId="AD" clId="Web-{A1DDE310-AA43-348F-BA18-DAC85C6AD862}" dt="2025-08-18T12:10:11.144" v="8" actId="1076"/>
-          <ac:picMkLst>
-            <pc:docMk/>
-            <pc:sldMk cId="0" sldId="256"/>
-            <ac:picMk id="4" creationId="{A091DB22-9D23-B196-DCD9-656170B203DF}"/>
-          </ac:picMkLst>
-        </pc:picChg>
-      </pc:sldChg>
-      <pc:sldChg chg="mod setBg">
-        <pc:chgData name="Zoran Krleza" userId="S::zoran.krleza@true-north.hr::33541fcb-12cd-4fc8-b554-7a6f9fce95f2" providerId="AD" clId="Web-{A1DDE310-AA43-348F-BA18-DAC85C6AD862}" dt="2025-08-18T12:11:11.084" v="10"/>
-        <pc:sldMkLst>
-          <pc:docMk/>
-          <pc:sldMk cId="0" sldId="258"/>
-        </pc:sldMkLst>
-      </pc:sldChg>
-      <pc:sldMasterChg chg="del delSldLayout">
-        <pc:chgData name="Zoran Krleza" userId="S::zoran.krleza@true-north.hr::33541fcb-12cd-4fc8-b554-7a6f9fce95f2" providerId="AD" clId="Web-{A1DDE310-AA43-348F-BA18-DAC85C6AD862}" dt="2025-08-18T12:09:08.674" v="1"/>
-        <pc:sldMasterMkLst>
-          <pc:docMk/>
-          <pc:sldMasterMk cId="0" sldId="2147483650"/>
-        </pc:sldMasterMkLst>
-        <pc:sldLayoutChg chg="del">
-          <pc:chgData name="Zoran Krleza" userId="S::zoran.krleza@true-north.hr::33541fcb-12cd-4fc8-b554-7a6f9fce95f2" providerId="AD" clId="Web-{A1DDE310-AA43-348F-BA18-DAC85C6AD862}" dt="2025-08-18T12:09:08.674" v="1"/>
-          <pc:sldLayoutMkLst>
-            <pc:docMk/>
-            <pc:sldMasterMk cId="0" sldId="2147483650"/>
-            <pc:sldLayoutMk cId="0" sldId="2147483651"/>
-          </pc:sldLayoutMkLst>
-        </pc:sldLayoutChg>
-      </pc:sldMasterChg>
-      <pc:sldMasterChg chg="del delSldLayout">
-        <pc:chgData name="Zoran Krleza" userId="S::zoran.krleza@true-north.hr::33541fcb-12cd-4fc8-b554-7a6f9fce95f2" providerId="AD" clId="Web-{A1DDE310-AA43-348F-BA18-DAC85C6AD862}" dt="2025-08-18T12:09:08.674" v="1"/>
-        <pc:sldMasterMkLst>
-          <pc:docMk/>
-          <pc:sldMasterMk cId="0" sldId="2147483652"/>
-        </pc:sldMasterMkLst>
-        <pc:sldLayoutChg chg="del">
-          <pc:chgData name="Zoran Krleza" userId="S::zoran.krleza@true-north.hr::33541fcb-12cd-4fc8-b554-7a6f9fce95f2" providerId="AD" clId="Web-{A1DDE310-AA43-348F-BA18-DAC85C6AD862}" dt="2025-08-18T12:09:08.674" v="1"/>
-          <pc:sldLayoutMkLst>
-            <pc:docMk/>
-            <pc:sldMasterMk cId="0" sldId="2147483652"/>
-            <pc:sldLayoutMk cId="0" sldId="2147483653"/>
-          </pc:sldLayoutMkLst>
-        </pc:sldLayoutChg>
-      </pc:sldMasterChg>
-      <pc:sldMasterChg chg="del delSldLayout">
-        <pc:chgData name="Zoran Krleza" userId="S::zoran.krleza@true-north.hr::33541fcb-12cd-4fc8-b554-7a6f9fce95f2" providerId="AD" clId="Web-{A1DDE310-AA43-348F-BA18-DAC85C6AD862}" dt="2025-08-18T12:09:08.674" v="1"/>
-        <pc:sldMasterMkLst>
-          <pc:docMk/>
-          <pc:sldMasterMk cId="0" sldId="2147483654"/>
-        </pc:sldMasterMkLst>
-        <pc:sldLayoutChg chg="del">
-          <pc:chgData name="Zoran Krleza" userId="S::zoran.krleza@true-north.hr::33541fcb-12cd-4fc8-b554-7a6f9fce95f2" providerId="AD" clId="Web-{A1DDE310-AA43-348F-BA18-DAC85C6AD862}" dt="2025-08-18T12:09:08.674" v="1"/>
-          <pc:sldLayoutMkLst>
-            <pc:docMk/>
-            <pc:sldMasterMk cId="0" sldId="2147483654"/>
-            <pc:sldLayoutMk cId="0" sldId="2147483655"/>
-          </pc:sldLayoutMkLst>
-        </pc:sldLayoutChg>
-      </pc:sldMasterChg>
-      <pc:sldMasterChg chg="del delSldLayout">
-        <pc:chgData name="Zoran Krleza" userId="S::zoran.krleza@true-north.hr::33541fcb-12cd-4fc8-b554-7a6f9fce95f2" providerId="AD" clId="Web-{A1DDE310-AA43-348F-BA18-DAC85C6AD862}" dt="2025-08-18T12:09:08.674" v="1"/>
-        <pc:sldMasterMkLst>
-          <pc:docMk/>
-          <pc:sldMasterMk cId="0" sldId="2147483656"/>
-        </pc:sldMasterMkLst>
-        <pc:sldLayoutChg chg="del">
-          <pc:chgData name="Zoran Krleza" userId="S::zoran.krleza@true-north.hr::33541fcb-12cd-4fc8-b554-7a6f9fce95f2" providerId="AD" clId="Web-{A1DDE310-AA43-348F-BA18-DAC85C6AD862}" dt="2025-08-18T12:09:08.674" v="1"/>
-          <pc:sldLayoutMkLst>
-            <pc:docMk/>
-            <pc:sldMasterMk cId="0" sldId="2147483656"/>
-            <pc:sldLayoutMk cId="0" sldId="2147483657"/>
-          </pc:sldLayoutMkLst>
-        </pc:sldLayoutChg>
-      </pc:sldMasterChg>
-      <pc:sldMasterChg chg="del delSldLayout">
-        <pc:chgData name="Zoran Krleza" userId="S::zoran.krleza@true-north.hr::33541fcb-12cd-4fc8-b554-7a6f9fce95f2" providerId="AD" clId="Web-{A1DDE310-AA43-348F-BA18-DAC85C6AD862}" dt="2025-08-18T12:09:08.674" v="1"/>
-        <pc:sldMasterMkLst>
-          <pc:docMk/>
-          <pc:sldMasterMk cId="0" sldId="2147483658"/>
-        </pc:sldMasterMkLst>
-        <pc:sldLayoutChg chg="del">
-          <pc:chgData name="Zoran Krleza" userId="S::zoran.krleza@true-north.hr::33541fcb-12cd-4fc8-b554-7a6f9fce95f2" providerId="AD" clId="Web-{A1DDE310-AA43-348F-BA18-DAC85C6AD862}" dt="2025-08-18T12:09:08.674" v="1"/>
-          <pc:sldLayoutMkLst>
-            <pc:docMk/>
-            <pc:sldMasterMk cId="0" sldId="2147483658"/>
-            <pc:sldLayoutMk cId="0" sldId="2147483659"/>
-          </pc:sldLayoutMkLst>
-        </pc:sldLayoutChg>
-      </pc:sldMasterChg>
-      <pc:sldMasterChg chg="del delSldLayout">
-        <pc:chgData name="Zoran Krleza" userId="S::zoran.krleza@true-north.hr::33541fcb-12cd-4fc8-b554-7a6f9fce95f2" providerId="AD" clId="Web-{A1DDE310-AA43-348F-BA18-DAC85C6AD862}" dt="2025-08-18T12:09:08.674" v="1"/>
-        <pc:sldMasterMkLst>
-          <pc:docMk/>
-          <pc:sldMasterMk cId="0" sldId="2147483662"/>
-        </pc:sldMasterMkLst>
-        <pc:sldLayoutChg chg="del">
-          <pc:chgData name="Zoran Krleza" userId="S::zoran.krleza@true-north.hr::33541fcb-12cd-4fc8-b554-7a6f9fce95f2" providerId="AD" clId="Web-{A1DDE310-AA43-348F-BA18-DAC85C6AD862}" dt="2025-08-18T12:09:08.674" v="1"/>
-          <pc:sldLayoutMkLst>
-            <pc:docMk/>
-            <pc:sldMasterMk cId="0" sldId="2147483662"/>
-            <pc:sldLayoutMk cId="0" sldId="2147483663"/>
-          </pc:sldLayoutMkLst>
-        </pc:sldLayoutChg>
-      </pc:sldMasterChg>
-      <pc:sldMasterChg chg="del delSldLayout">
-        <pc:chgData name="Zoran Krleza" userId="S::zoran.krleza@true-north.hr::33541fcb-12cd-4fc8-b554-7a6f9fce95f2" providerId="AD" clId="Web-{A1DDE310-AA43-348F-BA18-DAC85C6AD862}" dt="2025-08-18T12:09:08.674" v="1"/>
-        <pc:sldMasterMkLst>
-          <pc:docMk/>
-          <pc:sldMasterMk cId="0" sldId="2147483664"/>
-        </pc:sldMasterMkLst>
-        <pc:sldLayoutChg chg="del">
-          <pc:chgData name="Zoran Krleza" userId="S::zoran.krleza@true-north.hr::33541fcb-12cd-4fc8-b554-7a6f9fce95f2" providerId="AD" clId="Web-{A1DDE310-AA43-348F-BA18-DAC85C6AD862}" dt="2025-08-18T12:09:08.674" v="1"/>
-          <pc:sldLayoutMkLst>
-            <pc:docMk/>
-            <pc:sldMasterMk cId="0" sldId="2147483664"/>
-            <pc:sldLayoutMk cId="0" sldId="2147483665"/>
-          </pc:sldLayoutMkLst>
-        </pc:sldLayoutChg>
-      </pc:sldMasterChg>
-      <pc:sldMasterChg chg="del delSldLayout">
-        <pc:chgData name="Zoran Krleza" userId="S::zoran.krleza@true-north.hr::33541fcb-12cd-4fc8-b554-7a6f9fce95f2" providerId="AD" clId="Web-{A1DDE310-AA43-348F-BA18-DAC85C6AD862}" dt="2025-08-18T12:09:08.674" v="1"/>
-        <pc:sldMasterMkLst>
-          <pc:docMk/>
-          <pc:sldMasterMk cId="0" sldId="2147483666"/>
-        </pc:sldMasterMkLst>
-        <pc:sldLayoutChg chg="del">
-          <pc:chgData name="Zoran Krleza" userId="S::zoran.krleza@true-north.hr::33541fcb-12cd-4fc8-b554-7a6f9fce95f2" providerId="AD" clId="Web-{A1DDE310-AA43-348F-BA18-DAC85C6AD862}" dt="2025-08-18T12:09:08.674" v="1"/>
-          <pc:sldLayoutMkLst>
-            <pc:docMk/>
-            <pc:sldMasterMk cId="0" sldId="2147483666"/>
-            <pc:sldLayoutMk cId="0" sldId="2147483667"/>
-          </pc:sldLayoutMkLst>
-        </pc:sldLayoutChg>
-      </pc:sldMasterChg>
-      <pc:sldMasterChg chg="del delSldLayout">
-        <pc:chgData name="Zoran Krleza" userId="S::zoran.krleza@true-north.hr::33541fcb-12cd-4fc8-b554-7a6f9fce95f2" providerId="AD" clId="Web-{A1DDE310-AA43-348F-BA18-DAC85C6AD862}" dt="2025-08-18T12:09:08.674" v="1"/>
-        <pc:sldMasterMkLst>
-          <pc:docMk/>
-          <pc:sldMasterMk cId="0" sldId="2147483668"/>
-        </pc:sldMasterMkLst>
-        <pc:sldLayoutChg chg="del">
-          <pc:chgData name="Zoran Krleza" userId="S::zoran.krleza@true-north.hr::33541fcb-12cd-4fc8-b554-7a6f9fce95f2" providerId="AD" clId="Web-{A1DDE310-AA43-348F-BA18-DAC85C6AD862}" dt="2025-08-18T12:09:08.674" v="1"/>
-          <pc:sldLayoutMkLst>
-            <pc:docMk/>
-            <pc:sldMasterMk cId="0" sldId="2147483668"/>
-            <pc:sldLayoutMk cId="0" sldId="2147483669"/>
-          </pc:sldLayoutMkLst>
-        </pc:sldLayoutChg>
-      </pc:sldMasterChg>
-      <pc:sldMasterChg chg="del delSldLayout">
-        <pc:chgData name="Zoran Krleza" userId="S::zoran.krleza@true-north.hr::33541fcb-12cd-4fc8-b554-7a6f9fce95f2" providerId="AD" clId="Web-{A1DDE310-AA43-348F-BA18-DAC85C6AD862}" dt="2025-08-18T12:09:08.674" v="1"/>
-        <pc:sldMasterMkLst>
-          <pc:docMk/>
-          <pc:sldMasterMk cId="0" sldId="2147483670"/>
-        </pc:sldMasterMkLst>
-        <pc:sldLayoutChg chg="del">
-          <pc:chgData name="Zoran Krleza" userId="S::zoran.krleza@true-north.hr::33541fcb-12cd-4fc8-b554-7a6f9fce95f2" providerId="AD" clId="Web-{A1DDE310-AA43-348F-BA18-DAC85C6AD862}" dt="2025-08-18T12:09:08.674" v="1"/>
-          <pc:sldLayoutMkLst>
-            <pc:docMk/>
-            <pc:sldMasterMk cId="0" sldId="2147483670"/>
-            <pc:sldLayoutMk cId="0" sldId="2147483671"/>
-          </pc:sldLayoutMkLst>
-        </pc:sldLayoutChg>
-      </pc:sldMasterChg>
-      <pc:sldMasterChg chg="del delSldLayout">
-        <pc:chgData name="Zoran Krleza" userId="S::zoran.krleza@true-north.hr::33541fcb-12cd-4fc8-b554-7a6f9fce95f2" providerId="AD" clId="Web-{A1DDE310-AA43-348F-BA18-DAC85C6AD862}" dt="2025-08-18T12:09:08.674" v="1"/>
-        <pc:sldMasterMkLst>
-          <pc:docMk/>
-          <pc:sldMasterMk cId="0" sldId="2147483672"/>
-        </pc:sldMasterMkLst>
-        <pc:sldLayoutChg chg="del">
-          <pc:chgData name="Zoran Krleza" userId="S::zoran.krleza@true-north.hr::33541fcb-12cd-4fc8-b554-7a6f9fce95f2" providerId="AD" clId="Web-{A1DDE310-AA43-348F-BA18-DAC85C6AD862}" dt="2025-08-18T12:09:08.674" v="1"/>
-          <pc:sldLayoutMkLst>
-            <pc:docMk/>
-            <pc:sldMasterMk cId="0" sldId="2147483672"/>
-            <pc:sldLayoutMk cId="0" sldId="2147483673"/>
-          </pc:sldLayoutMkLst>
-        </pc:sldLayoutChg>
-      </pc:sldMasterChg>
-      <pc:sldMasterChg chg="del delSldLayout">
-        <pc:chgData name="Zoran Krleza" userId="S::zoran.krleza@true-north.hr::33541fcb-12cd-4fc8-b554-7a6f9fce95f2" providerId="AD" clId="Web-{A1DDE310-AA43-348F-BA18-DAC85C6AD862}" dt="2025-08-18T12:09:08.674" v="1"/>
-        <pc:sldMasterMkLst>
-          <pc:docMk/>
-          <pc:sldMasterMk cId="0" sldId="2147483674"/>
-        </pc:sldMasterMkLst>
-        <pc:sldLayoutChg chg="del">
-          <pc:chgData name="Zoran Krleza" userId="S::zoran.krleza@true-north.hr::33541fcb-12cd-4fc8-b554-7a6f9fce95f2" providerId="AD" clId="Web-{A1DDE310-AA43-348F-BA18-DAC85C6AD862}" dt="2025-08-18T12:09:08.674" v="1"/>
-          <pc:sldLayoutMkLst>
-            <pc:docMk/>
-            <pc:sldMasterMk cId="0" sldId="2147483674"/>
-            <pc:sldLayoutMk cId="0" sldId="2147483675"/>
-          </pc:sldLayoutMkLst>
-        </pc:sldLayoutChg>
-      </pc:sldMasterChg>
-      <pc:sldMasterChg chg="del delSldLayout">
-        <pc:chgData name="Zoran Krleza" userId="S::zoran.krleza@true-north.hr::33541fcb-12cd-4fc8-b554-7a6f9fce95f2" providerId="AD" clId="Web-{A1DDE310-AA43-348F-BA18-DAC85C6AD862}" dt="2025-08-18T12:09:08.674" v="1"/>
-        <pc:sldMasterMkLst>
-          <pc:docMk/>
-          <pc:sldMasterMk cId="0" sldId="2147483676"/>
-        </pc:sldMasterMkLst>
-        <pc:sldLayoutChg chg="del">
-          <pc:chgData name="Zoran Krleza" userId="S::zoran.krleza@true-north.hr::33541fcb-12cd-4fc8-b554-7a6f9fce95f2" providerId="AD" clId="Web-{A1DDE310-AA43-348F-BA18-DAC85C6AD862}" dt="2025-08-18T12:09:08.674" v="1"/>
-          <pc:sldLayoutMkLst>
-            <pc:docMk/>
-            <pc:sldMasterMk cId="0" sldId="2147483676"/>
-            <pc:sldLayoutMk cId="0" sldId="2147483677"/>
-          </pc:sldLayoutMkLst>
-        </pc:sldLayoutChg>
-      </pc:sldMasterChg>
-      <pc:sldMasterChg chg="del delSldLayout">
-        <pc:chgData name="Zoran Krleza" userId="S::zoran.krleza@true-north.hr::33541fcb-12cd-4fc8-b554-7a6f9fce95f2" providerId="AD" clId="Web-{A1DDE310-AA43-348F-BA18-DAC85C6AD862}" dt="2025-08-18T12:09:08.674" v="1"/>
-        <pc:sldMasterMkLst>
-          <pc:docMk/>
-          <pc:sldMasterMk cId="0" sldId="2147483678"/>
-        </pc:sldMasterMkLst>
-        <pc:sldLayoutChg chg="del">
-          <pc:chgData name="Zoran Krleza" userId="S::zoran.krleza@true-north.hr::33541fcb-12cd-4fc8-b554-7a6f9fce95f2" providerId="AD" clId="Web-{A1DDE310-AA43-348F-BA18-DAC85C6AD862}" dt="2025-08-18T12:09:08.674" v="1"/>
-          <pc:sldLayoutMkLst>
-            <pc:docMk/>
-            <pc:sldMasterMk cId="0" sldId="2147483678"/>
-            <pc:sldLayoutMk cId="0" sldId="2147483679"/>
-          </pc:sldLayoutMkLst>
-        </pc:sldLayoutChg>
-      </pc:sldMasterChg>
-      <pc:sldMasterChg chg="del delSldLayout">
-        <pc:chgData name="Zoran Krleza" userId="S::zoran.krleza@true-north.hr::33541fcb-12cd-4fc8-b554-7a6f9fce95f2" providerId="AD" clId="Web-{A1DDE310-AA43-348F-BA18-DAC85C6AD862}" dt="2025-08-18T12:09:08.674" v="1"/>
-        <pc:sldMasterMkLst>
-          <pc:docMk/>
-          <pc:sldMasterMk cId="0" sldId="2147483682"/>
-        </pc:sldMasterMkLst>
-        <pc:sldLayoutChg chg="del">
-          <pc:chgData name="Zoran Krleza" userId="S::zoran.krleza@true-north.hr::33541fcb-12cd-4fc8-b554-7a6f9fce95f2" providerId="AD" clId="Web-{A1DDE310-AA43-348F-BA18-DAC85C6AD862}" dt="2025-08-18T12:09:08.674" v="1"/>
-          <pc:sldLayoutMkLst>
-            <pc:docMk/>
-            <pc:sldMasterMk cId="0" sldId="2147483682"/>
-            <pc:sldLayoutMk cId="0" sldId="2147483683"/>
-          </pc:sldLayoutMkLst>
-        </pc:sldLayoutChg>
-      </pc:sldMasterChg>
-      <pc:sldMasterChg chg="del delSldLayout">
-        <pc:chgData name="Zoran Krleza" userId="S::zoran.krleza@true-north.hr::33541fcb-12cd-4fc8-b554-7a6f9fce95f2" providerId="AD" clId="Web-{A1DDE310-AA43-348F-BA18-DAC85C6AD862}" dt="2025-08-18T12:09:08.674" v="1"/>
-        <pc:sldMasterMkLst>
-          <pc:docMk/>
-          <pc:sldMasterMk cId="0" sldId="2147483684"/>
-        </pc:sldMasterMkLst>
-        <pc:sldLayoutChg chg="del">
-          <pc:chgData name="Zoran Krleza" userId="S::zoran.krleza@true-north.hr::33541fcb-12cd-4fc8-b554-7a6f9fce95f2" providerId="AD" clId="Web-{A1DDE310-AA43-348F-BA18-DAC85C6AD862}" dt="2025-08-18T12:09:08.674" v="1"/>
-          <pc:sldLayoutMkLst>
-            <pc:docMk/>
-            <pc:sldMasterMk cId="0" sldId="2147483684"/>
-            <pc:sldLayoutMk cId="0" sldId="2147483685"/>
-          </pc:sldLayoutMkLst>
-        </pc:sldLayoutChg>
-      </pc:sldMasterChg>
-      <pc:sldMasterChg chg="del delSldLayout">
-        <pc:chgData name="Zoran Krleza" userId="S::zoran.krleza@true-north.hr::33541fcb-12cd-4fc8-b554-7a6f9fce95f2" providerId="AD" clId="Web-{A1DDE310-AA43-348F-BA18-DAC85C6AD862}" dt="2025-08-18T12:09:08.674" v="1"/>
-        <pc:sldMasterMkLst>
-          <pc:docMk/>
-          <pc:sldMasterMk cId="0" sldId="2147483686"/>
-        </pc:sldMasterMkLst>
-        <pc:sldLayoutChg chg="del">
-          <pc:chgData name="Zoran Krleza" userId="S::zoran.krleza@true-north.hr::33541fcb-12cd-4fc8-b554-7a6f9fce95f2" providerId="AD" clId="Web-{A1DDE310-AA43-348F-BA18-DAC85C6AD862}" dt="2025-08-18T12:09:08.674" v="1"/>
-          <pc:sldLayoutMkLst>
-            <pc:docMk/>
-            <pc:sldMasterMk cId="0" sldId="2147483686"/>
-            <pc:sldLayoutMk cId="0" sldId="2147483687"/>
-          </pc:sldLayoutMkLst>
-        </pc:sldLayoutChg>
-      </pc:sldMasterChg>
-      <pc:sldMasterChg chg="del delSldLayout">
-        <pc:chgData name="Zoran Krleza" userId="S::zoran.krleza@true-north.hr::33541fcb-12cd-4fc8-b554-7a6f9fce95f2" providerId="AD" clId="Web-{A1DDE310-AA43-348F-BA18-DAC85C6AD862}" dt="2025-08-18T12:09:08.674" v="1"/>
-        <pc:sldMasterMkLst>
-          <pc:docMk/>
-          <pc:sldMasterMk cId="0" sldId="2147483688"/>
-        </pc:sldMasterMkLst>
-        <pc:sldLayoutChg chg="del">
-          <pc:chgData name="Zoran Krleza" userId="S::zoran.krleza@true-north.hr::33541fcb-12cd-4fc8-b554-7a6f9fce95f2" providerId="AD" clId="Web-{A1DDE310-AA43-348F-BA18-DAC85C6AD862}" dt="2025-08-18T12:09:08.674" v="1"/>
-          <pc:sldLayoutMkLst>
-            <pc:docMk/>
-            <pc:sldMasterMk cId="0" sldId="2147483688"/>
-            <pc:sldLayoutMk cId="0" sldId="2147483689"/>
-          </pc:sldLayoutMkLst>
-        </pc:sldLayoutChg>
-      </pc:sldMasterChg>
-      <pc:sldMasterChg chg="del delSldLayout">
-        <pc:chgData name="Zoran Krleza" userId="S::zoran.krleza@true-north.hr::33541fcb-12cd-4fc8-b554-7a6f9fce95f2" providerId="AD" clId="Web-{A1DDE310-AA43-348F-BA18-DAC85C6AD862}" dt="2025-08-18T12:09:08.674" v="1"/>
-        <pc:sldMasterMkLst>
-          <pc:docMk/>
-          <pc:sldMasterMk cId="0" sldId="2147483690"/>
-        </pc:sldMasterMkLst>
-        <pc:sldLayoutChg chg="del">
-          <pc:chgData name="Zoran Krleza" userId="S::zoran.krleza@true-north.hr::33541fcb-12cd-4fc8-b554-7a6f9fce95f2" providerId="AD" clId="Web-{A1DDE310-AA43-348F-BA18-DAC85C6AD862}" dt="2025-08-18T12:09:08.674" v="1"/>
-          <pc:sldLayoutMkLst>
-            <pc:docMk/>
-            <pc:sldMasterMk cId="0" sldId="2147483690"/>
-            <pc:sldLayoutMk cId="0" sldId="2147483691"/>
-          </pc:sldLayoutMkLst>
-        </pc:sldLayoutChg>
-      </pc:sldMasterChg>
-      <pc:sldMasterChg chg="del delSldLayout">
-        <pc:chgData name="Zoran Krleza" userId="S::zoran.krleza@true-north.hr::33541fcb-12cd-4fc8-b554-7a6f9fce95f2" providerId="AD" clId="Web-{A1DDE310-AA43-348F-BA18-DAC85C6AD862}" dt="2025-08-18T12:09:08.674" v="1"/>
-        <pc:sldMasterMkLst>
-          <pc:docMk/>
-          <pc:sldMasterMk cId="0" sldId="2147483692"/>
-        </pc:sldMasterMkLst>
-        <pc:sldLayoutChg chg="del">
-          <pc:chgData name="Zoran Krleza" userId="S::zoran.krleza@true-north.hr::33541fcb-12cd-4fc8-b554-7a6f9fce95f2" providerId="AD" clId="Web-{A1DDE310-AA43-348F-BA18-DAC85C6AD862}" dt="2025-08-18T12:09:08.674" v="1"/>
-          <pc:sldLayoutMkLst>
-            <pc:docMk/>
-            <pc:sldMasterMk cId="0" sldId="2147483692"/>
-            <pc:sldLayoutMk cId="0" sldId="2147483693"/>
-          </pc:sldLayoutMkLst>
-        </pc:sldLayoutChg>
-      </pc:sldMasterChg>
-      <pc:sldMasterChg chg="del delSldLayout">
-        <pc:chgData name="Zoran Krleza" userId="S::zoran.krleza@true-north.hr::33541fcb-12cd-4fc8-b554-7a6f9fce95f2" providerId="AD" clId="Web-{A1DDE310-AA43-348F-BA18-DAC85C6AD862}" dt="2025-08-18T12:09:08.674" v="1"/>
-        <pc:sldMasterMkLst>
-          <pc:docMk/>
-          <pc:sldMasterMk cId="0" sldId="2147483694"/>
-        </pc:sldMasterMkLst>
-        <pc:sldLayoutChg chg="del">
-          <pc:chgData name="Zoran Krleza" userId="S::zoran.krleza@true-north.hr::33541fcb-12cd-4fc8-b554-7a6f9fce95f2" providerId="AD" clId="Web-{A1DDE310-AA43-348F-BA18-DAC85C6AD862}" dt="2025-08-18T12:09:08.674" v="1"/>
-          <pc:sldLayoutMkLst>
-            <pc:docMk/>
-            <pc:sldMasterMk cId="0" sldId="2147483694"/>
-            <pc:sldLayoutMk cId="0" sldId="2147483695"/>
-          </pc:sldLayoutMkLst>
-        </pc:sldLayoutChg>
-      </pc:sldMasterChg>
-    </pc:docChg>
-  </pc:docChgLst>
-  <pc:docChgLst>
-    <pc:chgData name="Zoran Krleza" userId="S::zoran.krleza@true-north.hr::33541fcb-12cd-4fc8-b554-7a6f9fce95f2" providerId="AD" clId="Web-{59BB08AD-0765-A8B5-D366-6A452292B4A3}"/>
-    <pc:docChg chg="modSld">
-      <pc:chgData name="Zoran Krleza" userId="S::zoran.krleza@true-north.hr::33541fcb-12cd-4fc8-b554-7a6f9fce95f2" providerId="AD" clId="Web-{59BB08AD-0765-A8B5-D366-6A452292B4A3}" dt="2025-08-18T12:15:52.972" v="10"/>
-      <pc:docMkLst>
-        <pc:docMk/>
-      </pc:docMkLst>
-      <pc:sldChg chg="addSp delSp modSp mod setBg">
-        <pc:chgData name="Zoran Krleza" userId="S::zoran.krleza@true-north.hr::33541fcb-12cd-4fc8-b554-7a6f9fce95f2" providerId="AD" clId="Web-{59BB08AD-0765-A8B5-D366-6A452292B4A3}" dt="2025-08-18T12:15:12.736" v="5"/>
-        <pc:sldMkLst>
-          <pc:docMk/>
-          <pc:sldMk cId="0" sldId="258"/>
-        </pc:sldMkLst>
-        <pc:picChg chg="add del mod">
-          <ac:chgData name="Zoran Krleza" userId="S::zoran.krleza@true-north.hr::33541fcb-12cd-4fc8-b554-7a6f9fce95f2" providerId="AD" clId="Web-{59BB08AD-0765-A8B5-D366-6A452292B4A3}" dt="2025-08-18T12:15:03.001" v="4"/>
-          <ac:picMkLst>
-            <pc:docMk/>
-            <pc:sldMk cId="0" sldId="258"/>
-            <ac:picMk id="2" creationId="{A4896BD3-5224-9540-EC59-1CAAF4B6A14B}"/>
-          </ac:picMkLst>
-        </pc:picChg>
-        <pc:picChg chg="del mod">
-          <ac:chgData name="Zoran Krleza" userId="S::zoran.krleza@true-north.hr::33541fcb-12cd-4fc8-b554-7a6f9fce95f2" providerId="AD" clId="Web-{59BB08AD-0765-A8B5-D366-6A452292B4A3}" dt="2025-08-18T12:14:59.173" v="1"/>
-          <ac:picMkLst>
-            <pc:docMk/>
-            <pc:sldMk cId="0" sldId="258"/>
-            <ac:picMk id="3" creationId="{BD159927-86CC-71C9-DBDB-8A18ABF9711B}"/>
-          </ac:picMkLst>
-        </pc:picChg>
-      </pc:sldChg>
-      <pc:sldChg chg="mod setBg">
-        <pc:chgData name="Zoran Krleza" userId="S::zoran.krleza@true-north.hr::33541fcb-12cd-4fc8-b554-7a6f9fce95f2" providerId="AD" clId="Web-{59BB08AD-0765-A8B5-D366-6A452292B4A3}" dt="2025-08-18T12:15:29.612" v="6"/>
-        <pc:sldMkLst>
-          <pc:docMk/>
-          <pc:sldMk cId="0" sldId="264"/>
-        </pc:sldMkLst>
-      </pc:sldChg>
-      <pc:sldChg chg="mod setBg">
-        <pc:chgData name="Zoran Krleza" userId="S::zoran.krleza@true-north.hr::33541fcb-12cd-4fc8-b554-7a6f9fce95f2" providerId="AD" clId="Web-{59BB08AD-0765-A8B5-D366-6A452292B4A3}" dt="2025-08-18T12:15:36.096" v="7"/>
-        <pc:sldMkLst>
-          <pc:docMk/>
-          <pc:sldMk cId="0" sldId="275"/>
-        </pc:sldMkLst>
-      </pc:sldChg>
-      <pc:sldChg chg="mod setBg">
-        <pc:chgData name="Zoran Krleza" userId="S::zoran.krleza@true-north.hr::33541fcb-12cd-4fc8-b554-7a6f9fce95f2" providerId="AD" clId="Web-{59BB08AD-0765-A8B5-D366-6A452292B4A3}" dt="2025-08-18T12:15:42.925" v="8"/>
-        <pc:sldMkLst>
-          <pc:docMk/>
-          <pc:sldMk cId="0" sldId="291"/>
-        </pc:sldMkLst>
-      </pc:sldChg>
-      <pc:sldChg chg="mod setBg">
-        <pc:chgData name="Zoran Krleza" userId="S::zoran.krleza@true-north.hr::33541fcb-12cd-4fc8-b554-7a6f9fce95f2" providerId="AD" clId="Web-{59BB08AD-0765-A8B5-D366-6A452292B4A3}" dt="2025-08-18T12:15:48.644" v="9"/>
-        <pc:sldMkLst>
-          <pc:docMk/>
-          <pc:sldMk cId="0" sldId="299"/>
-        </pc:sldMkLst>
-      </pc:sldChg>
-      <pc:sldChg chg="mod setBg">
-        <pc:chgData name="Zoran Krleza" userId="S::zoran.krleza@true-north.hr::33541fcb-12cd-4fc8-b554-7a6f9fce95f2" providerId="AD" clId="Web-{59BB08AD-0765-A8B5-D366-6A452292B4A3}" dt="2025-08-18T12:15:52.972" v="10"/>
-        <pc:sldMkLst>
-          <pc:docMk/>
-          <pc:sldMk cId="0" sldId="303"/>
-        </pc:sldMkLst>
-      </pc:sldChg>
-    </pc:docChg>
-  </pc:docChgLst>
-  <pc:docChgLst>
-    <pc:chgData name="Zoran Krleza" userId="S::zoran.krleza@true-north.hr::33541fcb-12cd-4fc8-b554-7a6f9fce95f2" providerId="AD" clId="Web-{BC370041-2D8E-B0D9-3803-445A916DEB93}"/>
-    <pc:docChg chg="modSld">
-      <pc:chgData name="Zoran Krleza" userId="S::zoran.krleza@true-north.hr::33541fcb-12cd-4fc8-b554-7a6f9fce95f2" providerId="AD" clId="Web-{BC370041-2D8E-B0D9-3803-445A916DEB93}" dt="2025-08-18T12:11:51.807" v="0"/>
-      <pc:docMkLst>
-        <pc:docMk/>
-      </pc:docMkLst>
-      <pc:sldChg chg="addSp modSp">
-        <pc:chgData name="Zoran Krleza" userId="S::zoran.krleza@true-north.hr::33541fcb-12cd-4fc8-b554-7a6f9fce95f2" providerId="AD" clId="Web-{BC370041-2D8E-B0D9-3803-445A916DEB93}" dt="2025-08-18T12:11:51.807" v="0"/>
-        <pc:sldMkLst>
-          <pc:docMk/>
-          <pc:sldMk cId="0" sldId="258"/>
-        </pc:sldMkLst>
-        <pc:picChg chg="add mod">
-          <ac:chgData name="Zoran Krleza" userId="S::zoran.krleza@true-north.hr::33541fcb-12cd-4fc8-b554-7a6f9fce95f2" providerId="AD" clId="Web-{BC370041-2D8E-B0D9-3803-445A916DEB93}" dt="2025-08-18T12:11:51.807" v="0"/>
-          <ac:picMkLst>
-            <pc:docMk/>
-            <pc:sldMk cId="0" sldId="258"/>
-            <ac:picMk id="2" creationId="{823C1047-2AE2-067A-5534-C67662D695F2}"/>
-          </ac:picMkLst>
-        </pc:picChg>
-      </pc:sldChg>
-    </pc:docChg>
-  </pc:docChgLst>
-  <pc:docChgLst>
-    <pc:chgData name="Zoran Krleza" userId="S::zoran.krleza@true-north.hr::33541fcb-12cd-4fc8-b554-7a6f9fce95f2" providerId="AD" clId="Web-{6C2B83EA-9697-8ED6-9DF9-1F1D61B0BC26}"/>
-    <pc:docChg chg="modSld">
-      <pc:chgData name="Zoran Krleza" userId="S::zoran.krleza@true-north.hr::33541fcb-12cd-4fc8-b554-7a6f9fce95f2" providerId="AD" clId="Web-{6C2B83EA-9697-8ED6-9DF9-1F1D61B0BC26}" dt="2025-08-18T12:13:16.534" v="6" actId="1076"/>
-      <pc:docMkLst>
-        <pc:docMk/>
-      </pc:docMkLst>
-      <pc:sldChg chg="addSp delSp modSp">
-        <pc:chgData name="Zoran Krleza" userId="S::zoran.krleza@true-north.hr::33541fcb-12cd-4fc8-b554-7a6f9fce95f2" providerId="AD" clId="Web-{6C2B83EA-9697-8ED6-9DF9-1F1D61B0BC26}" dt="2025-08-18T12:13:16.534" v="6" actId="1076"/>
-        <pc:sldMkLst>
-          <pc:docMk/>
-          <pc:sldMk cId="0" sldId="258"/>
-        </pc:sldMkLst>
-        <pc:picChg chg="del mod">
-          <ac:chgData name="Zoran Krleza" userId="S::zoran.krleza@true-north.hr::33541fcb-12cd-4fc8-b554-7a6f9fce95f2" providerId="AD" clId="Web-{6C2B83EA-9697-8ED6-9DF9-1F1D61B0BC26}" dt="2025-08-18T12:12:55.784" v="2"/>
-          <ac:picMkLst>
-            <pc:docMk/>
-            <pc:sldMk cId="0" sldId="258"/>
-            <ac:picMk id="2" creationId="{823C1047-2AE2-067A-5534-C67662D695F2}"/>
-          </ac:picMkLst>
-        </pc:picChg>
-        <pc:picChg chg="add mod">
-          <ac:chgData name="Zoran Krleza" userId="S::zoran.krleza@true-north.hr::33541fcb-12cd-4fc8-b554-7a6f9fce95f2" providerId="AD" clId="Web-{6C2B83EA-9697-8ED6-9DF9-1F1D61B0BC26}" dt="2025-08-18T12:13:16.534" v="6" actId="1076"/>
-          <ac:picMkLst>
-            <pc:docMk/>
-            <pc:sldMk cId="0" sldId="258"/>
-            <ac:picMk id="3" creationId="{BD159927-86CC-71C9-DBDB-8A18ABF9711B}"/>
-          </ac:picMkLst>
-        </pc:picChg>
-      </pc:sldChg>
-    </pc:docChg>
-  </pc:docChgLst>
-</pc:chgInfo>
 </file>
 
 <file path=ppt/notesMasters/notesMaster1.xml><?xml version="1.0" encoding="utf-8"?>
@@ -1256,6 +755,169 @@
 </p:notes>
 </file>
 
+<file path=ppt/notesSlides/notesSlide10.xml><?xml version="1.0" encoding="utf-8"?>
+<p:notes xmlns:a="http://schemas.openxmlformats.org/drawingml/2006/main" xmlns:r="http://schemas.openxmlformats.org/officeDocument/2006/relationships" xmlns:p="http://schemas.openxmlformats.org/presentationml/2006/main">
+  <p:cSld>
+    <p:spTree>
+      <p:nvGrpSpPr>
+        <p:cNvPr id="1" name=""/>
+        <p:cNvGrpSpPr/>
+        <p:nvPr/>
+      </p:nvGrpSpPr>
+      <p:grpSpPr>
+        <a:xfrm>
+          <a:off x="0" y="0"/>
+          <a:ext cx="0" cy="0"/>
+          <a:chOff x="0" y="0"/>
+          <a:chExt cx="0" cy="0"/>
+        </a:xfrm>
+      </p:grpSpPr>
+      <p:sp>
+        <p:nvSpPr>
+          <p:cNvPr id="458" name="PlaceHolder 1"/>
+          <p:cNvSpPr>
+            <a:spLocks noGrp="1" noRot="1" noChangeAspect="1"/>
+          </p:cNvSpPr>
+          <p:nvPr>
+            <p:ph type="sldImg"/>
+          </p:nvPr>
+        </p:nvSpPr>
+        <p:spPr>
+          <a:xfrm>
+            <a:off x="685800" y="1143000"/>
+            <a:ext cx="5484600" cy="3084480"/>
+          </a:xfrm>
+          <a:prstGeom prst="rect">
+            <a:avLst/>
+          </a:prstGeom>
+          <a:ln w="0">
+            <a:noFill/>
+          </a:ln>
+        </p:spPr>
+      </p:sp>
+      <p:sp>
+        <p:nvSpPr>
+          <p:cNvPr id="459" name="PlaceHolder 2"/>
+          <p:cNvSpPr>
+            <a:spLocks noGrp="1"/>
+          </p:cNvSpPr>
+          <p:nvPr>
+            <p:ph type="body"/>
+          </p:nvPr>
+        </p:nvSpPr>
+        <p:spPr>
+          <a:xfrm>
+            <a:off x="685800" y="4400640"/>
+            <a:ext cx="5484600" cy="3598920"/>
+          </a:xfrm>
+          <a:prstGeom prst="rect">
+            <a:avLst/>
+          </a:prstGeom>
+          <a:noFill/>
+          <a:ln w="0">
+            <a:noFill/>
+          </a:ln>
+        </p:spPr>
+        <p:txBody>
+          <a:bodyPr lIns="0" tIns="0" rIns="0" bIns="0" anchor="t">
+            <a:noAutofit/>
+          </a:bodyPr>
+          <a:lstStyle/>
+          <a:p>
+            <a:pPr marL="216000" indent="-216000">
+              <a:buNone/>
+            </a:pPr>
+            <a:endParaRPr lang="en-GB" sz="1800" b="0" strike="noStrike" spc="-1">
+              <a:solidFill>
+                <a:srgbClr val="000000"/>
+              </a:solidFill>
+              <a:latin typeface="Arial"/>
+            </a:endParaRPr>
+          </a:p>
+        </p:txBody>
+      </p:sp>
+      <p:sp>
+        <p:nvSpPr>
+          <p:cNvPr id="460" name="PlaceHolder 3"/>
+          <p:cNvSpPr>
+            <a:spLocks noGrp="1"/>
+          </p:cNvSpPr>
+          <p:nvPr>
+            <p:ph type="sldNum" idx="59"/>
+          </p:nvPr>
+        </p:nvSpPr>
+        <p:spPr>
+          <a:xfrm>
+            <a:off x="3884760" y="8685360"/>
+            <a:ext cx="2970000" cy="456840"/>
+          </a:xfrm>
+          <a:prstGeom prst="rect">
+            <a:avLst/>
+          </a:prstGeom>
+          <a:noFill/>
+          <a:ln w="0">
+            <a:noFill/>
+          </a:ln>
+        </p:spPr>
+        <p:txBody>
+          <a:bodyPr lIns="0" tIns="0" rIns="0" bIns="0" anchor="b">
+            <a:noAutofit/>
+          </a:bodyPr>
+          <a:lstStyle>
+            <a:lvl1pPr indent="0" algn="r">
+              <a:lnSpc>
+                <a:spcPct val="100000"/>
+              </a:lnSpc>
+              <a:buNone/>
+              <a:tabLst>
+                <a:tab pos="0" algn="l"/>
+              </a:tabLst>
+              <a:defRPr lang="en-GB" sz="1400" b="0" strike="noStrike" spc="-1">
+                <a:solidFill>
+                  <a:srgbClr val="000000"/>
+                </a:solidFill>
+                <a:latin typeface="Arial"/>
+                <a:ea typeface="Arial"/>
+              </a:defRPr>
+            </a:lvl1pPr>
+          </a:lstStyle>
+          <a:p>
+            <a:pPr indent="0" algn="r">
+              <a:lnSpc>
+                <a:spcPct val="100000"/>
+              </a:lnSpc>
+              <a:buNone/>
+              <a:tabLst>
+                <a:tab pos="0" algn="l"/>
+              </a:tabLst>
+            </a:pPr>
+            <a:fld id="{493159EA-1714-4B48-887D-094A43DE1E10}" type="slidenum">
+              <a:rPr lang="en-GB" sz="1400" b="0" strike="noStrike" spc="-1">
+                <a:solidFill>
+                  <a:srgbClr val="000000"/>
+                </a:solidFill>
+                <a:latin typeface="Arial"/>
+                <a:ea typeface="Arial"/>
+              </a:rPr>
+              <a:t>53</a:t>
+            </a:fld>
+            <a:endParaRPr lang="en-GB" sz="1400" b="0" strike="noStrike" spc="-1">
+              <a:solidFill>
+                <a:srgbClr val="000000"/>
+              </a:solidFill>
+              <a:latin typeface="Times New Roman"/>
+            </a:endParaRPr>
+          </a:p>
+        </p:txBody>
+      </p:sp>
+    </p:spTree>
+  </p:cSld>
+  <p:clrMapOvr>
+    <a:masterClrMapping/>
+  </p:clrMapOvr>
+</p:notes>
+</file>
+
 <file path=ppt/notesSlides/notesSlide2.xml><?xml version="1.0" encoding="utf-8"?>
 <p:notes xmlns:a="http://schemas.openxmlformats.org/drawingml/2006/main" xmlns:r="http://schemas.openxmlformats.org/officeDocument/2006/relationships" xmlns:p="http://schemas.openxmlformats.org/presentationml/2006/main">
   <p:cSld>
@@ -1312,13 +974,67 @@
               </a:tabLst>
             </a:pPr>
             <a:r>
-              <a:rPr lang="en-GB" sz="1100" b="0" strike="noStrike" spc="-1">
+              <a:rPr lang="en-GB" sz="1100" b="0" strike="noStrike" spc="-1" dirty="0">
                 <a:solidFill>
                   <a:srgbClr val="000000"/>
                 </a:solidFill>
                 <a:latin typeface="Arial"/>
               </a:rPr>
-              <a:t>Placeholder desno - Replace image za novu fotku.</a:t>
+              <a:t>Placeholder </a:t>
+            </a:r>
+            <a:r>
+              <a:rPr lang="en-GB" sz="1100" b="0" strike="noStrike" spc="-1" dirty="0" err="1">
+                <a:solidFill>
+                  <a:srgbClr val="000000"/>
+                </a:solidFill>
+                <a:latin typeface="Arial"/>
+              </a:rPr>
+              <a:t>desno</a:t>
+            </a:r>
+            <a:r>
+              <a:rPr lang="en-GB" sz="1100" b="0" strike="noStrike" spc="-1" dirty="0">
+                <a:solidFill>
+                  <a:srgbClr val="000000"/>
+                </a:solidFill>
+                <a:latin typeface="Arial"/>
+              </a:rPr>
+              <a:t> - Replace image za </a:t>
+            </a:r>
+            <a:r>
+              <a:rPr lang="en-GB" sz="1100" b="0" strike="noStrike" spc="-1" dirty="0" err="1">
+                <a:solidFill>
+                  <a:srgbClr val="000000"/>
+                </a:solidFill>
+                <a:latin typeface="Arial"/>
+              </a:rPr>
+              <a:t>novu</a:t>
+            </a:r>
+            <a:r>
+              <a:rPr lang="en-GB" sz="1100" b="0" strike="noStrike" spc="-1" dirty="0">
+                <a:solidFill>
+                  <a:srgbClr val="000000"/>
+                </a:solidFill>
+                <a:latin typeface="Arial"/>
+              </a:rPr>
+              <a:t> </a:t>
+            </a:r>
+            <a:r>
+              <a:rPr lang="en-GB" sz="1100" b="0" strike="noStrike" spc="-1" dirty="0" err="1">
+                <a:solidFill>
+                  <a:srgbClr val="000000"/>
+                </a:solidFill>
+                <a:latin typeface="Arial"/>
+              </a:rPr>
+              <a:t>fotku</a:t>
+            </a:r>
+            <a:r>
+              <a:rPr lang="en-GB" sz="1100" b="0" strike="noStrike" spc="-1" dirty="0">
+                <a:solidFill>
+                  <a:srgbClr val="000000"/>
+                </a:solidFill>
+                <a:latin typeface="Arial"/>
+              </a:rPr>
+              <a:t>.</a:t>
             </a:r>
           </a:p>
         </p:txBody>
@@ -1987,7 +1703,7 @@
                 <a:latin typeface="Arial"/>
                 <a:ea typeface="Arial"/>
               </a:rPr>
-              <a:t>36</a:t>
+              <a:t>35</a:t>
             </a:fld>
             <a:endParaRPr lang="en-GB" sz="1400" b="0" strike="noStrike" spc="-1">
               <a:solidFill>
@@ -2150,7 +1866,7 @@
                 <a:latin typeface="Arial"/>
                 <a:ea typeface="Arial"/>
               </a:rPr>
-              <a:t>44</a:t>
+              <a:t>43</a:t>
             </a:fld>
             <a:endParaRPr lang="en-GB" sz="1400" b="0" strike="noStrike" spc="-1">
               <a:solidFill>
@@ -2170,6 +1886,198 @@
 </file>
 
 <file path=ppt/notesSlides/notesSlide8.xml><?xml version="1.0" encoding="utf-8"?>
+<p:notes xmlns:a="http://schemas.openxmlformats.org/drawingml/2006/main" xmlns:r="http://schemas.openxmlformats.org/officeDocument/2006/relationships" xmlns:p="http://schemas.openxmlformats.org/presentationml/2006/main">
+  <p:cSld>
+    <p:spTree>
+      <p:nvGrpSpPr>
+        <p:cNvPr id="1" name="">
+          <a:extLst>
+            <a:ext uri="{FF2B5EF4-FFF2-40B4-BE49-F238E27FC236}">
+              <a16:creationId xmlns:a16="http://schemas.microsoft.com/office/drawing/2014/main" id="{ACF712AD-0989-C8A9-98D2-9A85E47B359B}"/>
+            </a:ext>
+          </a:extLst>
+        </p:cNvPr>
+        <p:cNvGrpSpPr/>
+        <p:nvPr/>
+      </p:nvGrpSpPr>
+      <p:grpSpPr>
+        <a:xfrm>
+          <a:off x="0" y="0"/>
+          <a:ext cx="0" cy="0"/>
+          <a:chOff x="0" y="0"/>
+          <a:chExt cx="0" cy="0"/>
+        </a:xfrm>
+      </p:grpSpPr>
+      <p:sp>
+        <p:nvSpPr>
+          <p:cNvPr id="455" name="PlaceHolder 1">
+            <a:extLst>
+              <a:ext uri="{FF2B5EF4-FFF2-40B4-BE49-F238E27FC236}">
+                <a16:creationId xmlns:a16="http://schemas.microsoft.com/office/drawing/2014/main" id="{10FD1E7F-79CA-54CE-CFC4-5532512359DA}"/>
+              </a:ext>
+            </a:extLst>
+          </p:cNvPr>
+          <p:cNvSpPr>
+            <a:spLocks noGrp="1" noRot="1" noChangeAspect="1"/>
+          </p:cNvSpPr>
+          <p:nvPr>
+            <p:ph type="sldImg"/>
+          </p:nvPr>
+        </p:nvSpPr>
+        <p:spPr>
+          <a:xfrm>
+            <a:off x="685800" y="1143000"/>
+            <a:ext cx="5484813" cy="3084513"/>
+          </a:xfrm>
+          <a:prstGeom prst="rect">
+            <a:avLst/>
+          </a:prstGeom>
+          <a:ln w="0">
+            <a:noFill/>
+          </a:ln>
+        </p:spPr>
+      </p:sp>
+      <p:sp>
+        <p:nvSpPr>
+          <p:cNvPr id="456" name="PlaceHolder 2">
+            <a:extLst>
+              <a:ext uri="{FF2B5EF4-FFF2-40B4-BE49-F238E27FC236}">
+                <a16:creationId xmlns:a16="http://schemas.microsoft.com/office/drawing/2014/main" id="{7A7DEAB9-109D-F661-81B8-232EA3B7016D}"/>
+              </a:ext>
+            </a:extLst>
+          </p:cNvPr>
+          <p:cNvSpPr>
+            <a:spLocks noGrp="1"/>
+          </p:cNvSpPr>
+          <p:nvPr>
+            <p:ph type="body"/>
+          </p:nvPr>
+        </p:nvSpPr>
+        <p:spPr>
+          <a:xfrm>
+            <a:off x="685800" y="4400640"/>
+            <a:ext cx="5484600" cy="3598920"/>
+          </a:xfrm>
+          <a:prstGeom prst="rect">
+            <a:avLst/>
+          </a:prstGeom>
+          <a:noFill/>
+          <a:ln w="0">
+            <a:noFill/>
+          </a:ln>
+        </p:spPr>
+        <p:txBody>
+          <a:bodyPr lIns="0" tIns="0" rIns="0" bIns="0" anchor="t">
+            <a:noAutofit/>
+          </a:bodyPr>
+          <a:lstStyle/>
+          <a:p>
+            <a:pPr marL="216000" indent="-216000">
+              <a:buNone/>
+            </a:pPr>
+            <a:endParaRPr lang="en-GB" sz="1800" b="0" strike="noStrike" spc="-1">
+              <a:solidFill>
+                <a:srgbClr val="000000"/>
+              </a:solidFill>
+              <a:latin typeface="Arial"/>
+            </a:endParaRPr>
+          </a:p>
+        </p:txBody>
+      </p:sp>
+      <p:sp>
+        <p:nvSpPr>
+          <p:cNvPr id="457" name="PlaceHolder 3">
+            <a:extLst>
+              <a:ext uri="{FF2B5EF4-FFF2-40B4-BE49-F238E27FC236}">
+                <a16:creationId xmlns:a16="http://schemas.microsoft.com/office/drawing/2014/main" id="{8882A7EE-94B5-53B9-A3F4-86DF2C59DA6C}"/>
+              </a:ext>
+            </a:extLst>
+          </p:cNvPr>
+          <p:cNvSpPr>
+            <a:spLocks noGrp="1"/>
+          </p:cNvSpPr>
+          <p:nvPr>
+            <p:ph type="sldNum" idx="58"/>
+          </p:nvPr>
+        </p:nvSpPr>
+        <p:spPr>
+          <a:xfrm>
+            <a:off x="3884760" y="8685360"/>
+            <a:ext cx="2970000" cy="456840"/>
+          </a:xfrm>
+          <a:prstGeom prst="rect">
+            <a:avLst/>
+          </a:prstGeom>
+          <a:noFill/>
+          <a:ln w="0">
+            <a:noFill/>
+          </a:ln>
+        </p:spPr>
+        <p:txBody>
+          <a:bodyPr lIns="0" tIns="0" rIns="0" bIns="0" anchor="b">
+            <a:noAutofit/>
+          </a:bodyPr>
+          <a:lstStyle>
+            <a:lvl1pPr indent="0" algn="r">
+              <a:lnSpc>
+                <a:spcPct val="100000"/>
+              </a:lnSpc>
+              <a:buNone/>
+              <a:tabLst>
+                <a:tab pos="0" algn="l"/>
+              </a:tabLst>
+              <a:defRPr lang="en-GB" sz="1400" b="0" strike="noStrike" spc="-1">
+                <a:solidFill>
+                  <a:srgbClr val="000000"/>
+                </a:solidFill>
+                <a:latin typeface="Arial"/>
+                <a:ea typeface="Arial"/>
+              </a:defRPr>
+            </a:lvl1pPr>
+          </a:lstStyle>
+          <a:p>
+            <a:pPr indent="0" algn="r">
+              <a:lnSpc>
+                <a:spcPct val="100000"/>
+              </a:lnSpc>
+              <a:buNone/>
+              <a:tabLst>
+                <a:tab pos="0" algn="l"/>
+              </a:tabLst>
+            </a:pPr>
+            <a:fld id="{A202ECDA-8B92-48A8-91BD-FBC718557079}" type="slidenum">
+              <a:rPr lang="en-GB" sz="1400" b="0" strike="noStrike" spc="-1">
+                <a:solidFill>
+                  <a:srgbClr val="000000"/>
+                </a:solidFill>
+                <a:latin typeface="Arial"/>
+                <a:ea typeface="Arial"/>
+              </a:rPr>
+              <a:t>47</a:t>
+            </a:fld>
+            <a:endParaRPr lang="en-GB" sz="1400" b="0" strike="noStrike" spc="-1">
+              <a:solidFill>
+                <a:srgbClr val="000000"/>
+              </a:solidFill>
+              <a:latin typeface="Times New Roman"/>
+            </a:endParaRPr>
+          </a:p>
+        </p:txBody>
+      </p:sp>
+    </p:spTree>
+    <p:extLst>
+      <p:ext uri="{BB962C8B-B14F-4D97-AF65-F5344CB8AC3E}">
+        <p14:creationId xmlns:p14="http://schemas.microsoft.com/office/powerpoint/2010/main" val="4269701686"/>
+      </p:ext>
+    </p:extLst>
+  </p:cSld>
+  <p:clrMapOvr>
+    <a:masterClrMapping/>
+  </p:clrMapOvr>
+</p:notes>
+</file>
+
+<file path=ppt/notesSlides/notesSlide9.xml><?xml version="1.0" encoding="utf-8"?>
 <p:notes xmlns:a="http://schemas.openxmlformats.org/drawingml/2006/main" xmlns:r="http://schemas.openxmlformats.org/officeDocument/2006/relationships" xmlns:p="http://schemas.openxmlformats.org/presentationml/2006/main">
   <p:cSld>
     <p:spTree>
@@ -2199,7 +2107,7 @@
         <p:spPr>
           <a:xfrm>
             <a:off x="685800" y="1143000"/>
-            <a:ext cx="5484600" cy="3084480"/>
+            <a:ext cx="5484813" cy="3084513"/>
           </a:xfrm>
           <a:prstGeom prst="rect">
             <a:avLst/>
@@ -2313,170 +2221,7 @@
                 <a:latin typeface="Arial"/>
                 <a:ea typeface="Arial"/>
               </a:rPr>
-              <a:t>48</a:t>
-            </a:fld>
-            <a:endParaRPr lang="en-GB" sz="1400" b="0" strike="noStrike" spc="-1">
-              <a:solidFill>
-                <a:srgbClr val="000000"/>
-              </a:solidFill>
-              <a:latin typeface="Times New Roman"/>
-            </a:endParaRPr>
-          </a:p>
-        </p:txBody>
-      </p:sp>
-    </p:spTree>
-  </p:cSld>
-  <p:clrMapOvr>
-    <a:masterClrMapping/>
-  </p:clrMapOvr>
-</p:notes>
-</file>
-
-<file path=ppt/notesSlides/notesSlide9.xml><?xml version="1.0" encoding="utf-8"?>
-<p:notes xmlns:a="http://schemas.openxmlformats.org/drawingml/2006/main" xmlns:r="http://schemas.openxmlformats.org/officeDocument/2006/relationships" xmlns:p="http://schemas.openxmlformats.org/presentationml/2006/main">
-  <p:cSld>
-    <p:spTree>
-      <p:nvGrpSpPr>
-        <p:cNvPr id="1" name=""/>
-        <p:cNvGrpSpPr/>
-        <p:nvPr/>
-      </p:nvGrpSpPr>
-      <p:grpSpPr>
-        <a:xfrm>
-          <a:off x="0" y="0"/>
-          <a:ext cx="0" cy="0"/>
-          <a:chOff x="0" y="0"/>
-          <a:chExt cx="0" cy="0"/>
-        </a:xfrm>
-      </p:grpSpPr>
-      <p:sp>
-        <p:nvSpPr>
-          <p:cNvPr id="458" name="PlaceHolder 1"/>
-          <p:cNvSpPr>
-            <a:spLocks noGrp="1" noRot="1" noChangeAspect="1"/>
-          </p:cNvSpPr>
-          <p:nvPr>
-            <p:ph type="sldImg"/>
-          </p:nvPr>
-        </p:nvSpPr>
-        <p:spPr>
-          <a:xfrm>
-            <a:off x="685800" y="1143000"/>
-            <a:ext cx="5484600" cy="3084480"/>
-          </a:xfrm>
-          <a:prstGeom prst="rect">
-            <a:avLst/>
-          </a:prstGeom>
-          <a:ln w="0">
-            <a:noFill/>
-          </a:ln>
-        </p:spPr>
-      </p:sp>
-      <p:sp>
-        <p:nvSpPr>
-          <p:cNvPr id="459" name="PlaceHolder 2"/>
-          <p:cNvSpPr>
-            <a:spLocks noGrp="1"/>
-          </p:cNvSpPr>
-          <p:nvPr>
-            <p:ph type="body"/>
-          </p:nvPr>
-        </p:nvSpPr>
-        <p:spPr>
-          <a:xfrm>
-            <a:off x="685800" y="4400640"/>
-            <a:ext cx="5484600" cy="3598920"/>
-          </a:xfrm>
-          <a:prstGeom prst="rect">
-            <a:avLst/>
-          </a:prstGeom>
-          <a:noFill/>
-          <a:ln w="0">
-            <a:noFill/>
-          </a:ln>
-        </p:spPr>
-        <p:txBody>
-          <a:bodyPr lIns="0" tIns="0" rIns="0" bIns="0" anchor="t">
-            <a:noAutofit/>
-          </a:bodyPr>
-          <a:lstStyle/>
-          <a:p>
-            <a:pPr marL="216000" indent="-216000">
-              <a:buNone/>
-            </a:pPr>
-            <a:endParaRPr lang="en-GB" sz="1800" b="0" strike="noStrike" spc="-1">
-              <a:solidFill>
-                <a:srgbClr val="000000"/>
-              </a:solidFill>
-              <a:latin typeface="Arial"/>
-            </a:endParaRPr>
-          </a:p>
-        </p:txBody>
-      </p:sp>
-      <p:sp>
-        <p:nvSpPr>
-          <p:cNvPr id="460" name="PlaceHolder 3"/>
-          <p:cNvSpPr>
-            <a:spLocks noGrp="1"/>
-          </p:cNvSpPr>
-          <p:nvPr>
-            <p:ph type="sldNum" idx="59"/>
-          </p:nvPr>
-        </p:nvSpPr>
-        <p:spPr>
-          <a:xfrm>
-            <a:off x="3884760" y="8685360"/>
-            <a:ext cx="2970000" cy="456840"/>
-          </a:xfrm>
-          <a:prstGeom prst="rect">
-            <a:avLst/>
-          </a:prstGeom>
-          <a:noFill/>
-          <a:ln w="0">
-            <a:noFill/>
-          </a:ln>
-        </p:spPr>
-        <p:txBody>
-          <a:bodyPr lIns="0" tIns="0" rIns="0" bIns="0" anchor="b">
-            <a:noAutofit/>
-          </a:bodyPr>
-          <a:lstStyle>
-            <a:lvl1pPr indent="0" algn="r">
-              <a:lnSpc>
-                <a:spcPct val="100000"/>
-              </a:lnSpc>
-              <a:buNone/>
-              <a:tabLst>
-                <a:tab pos="0" algn="l"/>
-              </a:tabLst>
-              <a:defRPr lang="en-GB" sz="1400" b="0" strike="noStrike" spc="-1">
-                <a:solidFill>
-                  <a:srgbClr val="000000"/>
-                </a:solidFill>
-                <a:latin typeface="Arial"/>
-                <a:ea typeface="Arial"/>
-              </a:defRPr>
-            </a:lvl1pPr>
-          </a:lstStyle>
-          <a:p>
-            <a:pPr indent="0" algn="r">
-              <a:lnSpc>
-                <a:spcPct val="100000"/>
-              </a:lnSpc>
-              <a:buNone/>
-              <a:tabLst>
-                <a:tab pos="0" algn="l"/>
-              </a:tabLst>
-            </a:pPr>
-            <a:fld id="{493159EA-1714-4B48-887D-094A43DE1E10}" type="slidenum">
-              <a:rPr lang="en-GB" sz="1400" b="0" strike="noStrike" spc="-1">
-                <a:solidFill>
-                  <a:srgbClr val="000000"/>
-                </a:solidFill>
-                <a:latin typeface="Arial"/>
-                <a:ea typeface="Arial"/>
-              </a:rPr>
-              <a:t>54</a:t>
+              <a:t>47</a:t>
             </a:fld>
             <a:endParaRPr lang="en-GB" sz="1400" b="0" strike="noStrike" spc="-1">
               <a:solidFill>
@@ -5437,585 +5182,6 @@
       </p:grpSpPr>
       <p:sp>
         <p:nvSpPr>
-          <p:cNvPr id="201" name="Google Shape;155;p29"/>
-          <p:cNvSpPr/>
-          <p:nvPr/>
-        </p:nvSpPr>
-        <p:spPr>
-          <a:xfrm>
-            <a:off x="357120" y="384840"/>
-            <a:ext cx="3171240" cy="344520"/>
-          </a:xfrm>
-          <a:prstGeom prst="rect">
-            <a:avLst/>
-          </a:prstGeom>
-          <a:noFill/>
-          <a:ln w="0">
-            <a:noFill/>
-          </a:ln>
-        </p:spPr>
-        <p:style>
-          <a:lnRef idx="0">
-            <a:scrgbClr r="0" g="0" b="0"/>
-          </a:lnRef>
-          <a:fillRef idx="0">
-            <a:scrgbClr r="0" g="0" b="0"/>
-          </a:fillRef>
-          <a:effectRef idx="0">
-            <a:scrgbClr r="0" g="0" b="0"/>
-          </a:effectRef>
-          <a:fontRef idx="minor"/>
-        </p:style>
-        <p:txBody>
-          <a:bodyPr lIns="68400" tIns="34200" rIns="68400" bIns="34200" anchor="t">
-            <a:noAutofit/>
-          </a:bodyPr>
-          <a:lstStyle/>
-          <a:p>
-            <a:pPr>
-              <a:lnSpc>
-                <a:spcPct val="100000"/>
-              </a:lnSpc>
-              <a:tabLst>
-                <a:tab pos="0" algn="l"/>
-              </a:tabLst>
-            </a:pPr>
-            <a:endParaRPr lang="en-GB" sz="1500" b="1" strike="noStrike" spc="-1">
-              <a:solidFill>
-                <a:srgbClr val="40E0D0"/>
-              </a:solidFill>
-              <a:latin typeface="Libre Franklin"/>
-              <a:ea typeface="Libre Franklin"/>
-            </a:endParaRPr>
-          </a:p>
-        </p:txBody>
-      </p:sp>
-      <p:sp>
-        <p:nvSpPr>
-          <p:cNvPr id="202" name="Google Shape;156;p29"/>
-          <p:cNvSpPr/>
-          <p:nvPr/>
-        </p:nvSpPr>
-        <p:spPr>
-          <a:xfrm>
-            <a:off x="421200" y="4722840"/>
-            <a:ext cx="5330880" cy="154080"/>
-          </a:xfrm>
-          <a:prstGeom prst="rect">
-            <a:avLst/>
-          </a:prstGeom>
-          <a:noFill/>
-          <a:ln w="0">
-            <a:noFill/>
-          </a:ln>
-        </p:spPr>
-        <p:style>
-          <a:lnRef idx="0">
-            <a:scrgbClr r="0" g="0" b="0"/>
-          </a:lnRef>
-          <a:fillRef idx="0">
-            <a:scrgbClr r="0" g="0" b="0"/>
-          </a:fillRef>
-          <a:effectRef idx="0">
-            <a:scrgbClr r="0" g="0" b="0"/>
-          </a:effectRef>
-          <a:fontRef idx="minor"/>
-        </p:style>
-        <p:txBody>
-          <a:bodyPr lIns="51480" tIns="25560" rIns="51480" bIns="25560" anchor="t">
-            <a:noAutofit/>
-          </a:bodyPr>
-          <a:lstStyle/>
-          <a:p>
-            <a:pPr>
-              <a:lnSpc>
-                <a:spcPct val="100000"/>
-              </a:lnSpc>
-              <a:tabLst>
-                <a:tab pos="0" algn="l"/>
-              </a:tabLst>
-            </a:pPr>
-            <a:r>
-              <a:rPr lang="hr-HR" sz="800" b="1" strike="noStrike" spc="-1">
-                <a:solidFill>
-                  <a:srgbClr val="0A323E"/>
-                </a:solidFill>
-                <a:latin typeface="Libre Franklin"/>
-                <a:ea typeface="Libre Franklin"/>
-              </a:rPr>
-              <a:t>Containers</a:t>
-            </a:r>
-            <a:endParaRPr lang="en-GB" sz="800" b="0" strike="noStrike" spc="-1">
-              <a:solidFill>
-                <a:srgbClr val="000000"/>
-              </a:solidFill>
-              <a:latin typeface="Arial"/>
-            </a:endParaRPr>
-          </a:p>
-        </p:txBody>
-      </p:sp>
-      <p:sp>
-        <p:nvSpPr>
-          <p:cNvPr id="203" name="Google Shape;157;p29"/>
-          <p:cNvSpPr/>
-          <p:nvPr/>
-        </p:nvSpPr>
-        <p:spPr>
-          <a:xfrm>
-            <a:off x="362160" y="841680"/>
-            <a:ext cx="3328200" cy="713520"/>
-          </a:xfrm>
-          <a:prstGeom prst="rect">
-            <a:avLst/>
-          </a:prstGeom>
-          <a:noFill/>
-          <a:ln w="0">
-            <a:noFill/>
-          </a:ln>
-        </p:spPr>
-        <p:style>
-          <a:lnRef idx="0">
-            <a:scrgbClr r="0" g="0" b="0"/>
-          </a:lnRef>
-          <a:fillRef idx="0">
-            <a:scrgbClr r="0" g="0" b="0"/>
-          </a:fillRef>
-          <a:effectRef idx="0">
-            <a:scrgbClr r="0" g="0" b="0"/>
-          </a:effectRef>
-          <a:fontRef idx="minor"/>
-        </p:style>
-        <p:txBody>
-          <a:bodyPr lIns="68400" tIns="34200" rIns="68400" bIns="34200" anchor="t">
-            <a:noAutofit/>
-          </a:bodyPr>
-          <a:lstStyle/>
-          <a:p>
-            <a:pPr>
-              <a:lnSpc>
-                <a:spcPct val="150000"/>
-              </a:lnSpc>
-              <a:tabLst>
-                <a:tab pos="0" algn="l"/>
-              </a:tabLst>
-            </a:pPr>
-            <a:endParaRPr lang="pt-BR" sz="1000" b="0" strike="noStrike" spc="-1">
-              <a:solidFill>
-                <a:srgbClr val="0A323E"/>
-              </a:solidFill>
-              <a:latin typeface="Libre Franklin"/>
-              <a:ea typeface="Libre Franklin"/>
-            </a:endParaRPr>
-          </a:p>
-        </p:txBody>
-      </p:sp>
-      <p:sp>
-        <p:nvSpPr>
-          <p:cNvPr id="204" name="Google Shape;163;p30"/>
-          <p:cNvSpPr/>
-          <p:nvPr/>
-        </p:nvSpPr>
-        <p:spPr>
-          <a:xfrm>
-            <a:off x="509760" y="537120"/>
-            <a:ext cx="7536600" cy="344520"/>
-          </a:xfrm>
-          <a:prstGeom prst="rect">
-            <a:avLst/>
-          </a:prstGeom>
-          <a:noFill/>
-          <a:ln w="0">
-            <a:noFill/>
-          </a:ln>
-        </p:spPr>
-        <p:style>
-          <a:lnRef idx="0">
-            <a:scrgbClr r="0" g="0" b="0"/>
-          </a:lnRef>
-          <a:fillRef idx="0">
-            <a:scrgbClr r="0" g="0" b="0"/>
-          </a:fillRef>
-          <a:effectRef idx="0">
-            <a:scrgbClr r="0" g="0" b="0"/>
-          </a:effectRef>
-          <a:fontRef idx="minor"/>
-        </p:style>
-        <p:txBody>
-          <a:bodyPr lIns="68400" tIns="34200" rIns="68400" bIns="34200" anchor="t">
-            <a:noAutofit/>
-          </a:bodyPr>
-          <a:lstStyle/>
-          <a:p>
-            <a:pPr>
-              <a:lnSpc>
-                <a:spcPct val="100000"/>
-              </a:lnSpc>
-              <a:tabLst>
-                <a:tab pos="0" algn="l"/>
-              </a:tabLst>
-            </a:pPr>
-            <a:r>
-              <a:rPr lang="hr-HR" sz="1500" b="1" strike="noStrike" spc="-1">
-                <a:solidFill>
-                  <a:srgbClr val="C9211E"/>
-                </a:solidFill>
-                <a:latin typeface="Libre Franklin"/>
-                <a:ea typeface="Libre Franklin"/>
-              </a:rPr>
-              <a:t>Containers</a:t>
-            </a:r>
-            <a:endParaRPr lang="en-GB" sz="1500" b="0" strike="noStrike" spc="-1">
-              <a:solidFill>
-                <a:srgbClr val="000000"/>
-              </a:solidFill>
-              <a:latin typeface="Arial"/>
-            </a:endParaRPr>
-          </a:p>
-          <a:p>
-            <a:pPr>
-              <a:lnSpc>
-                <a:spcPct val="100000"/>
-              </a:lnSpc>
-              <a:tabLst>
-                <a:tab pos="0" algn="l"/>
-              </a:tabLst>
-            </a:pPr>
-            <a:endParaRPr lang="en-GB" sz="1500" b="0" strike="noStrike" spc="-1">
-              <a:solidFill>
-                <a:srgbClr val="000000"/>
-              </a:solidFill>
-              <a:latin typeface="Arial"/>
-            </a:endParaRPr>
-          </a:p>
-          <a:p>
-            <a:pPr>
-              <a:lnSpc>
-                <a:spcPct val="100000"/>
-              </a:lnSpc>
-              <a:tabLst>
-                <a:tab pos="0" algn="l"/>
-              </a:tabLst>
-            </a:pPr>
-            <a:r>
-              <a:rPr lang="en-GB" sz="1800" b="0" strike="noStrike" spc="-1">
-                <a:solidFill>
-                  <a:srgbClr val="0A0A23"/>
-                </a:solidFill>
-                <a:latin typeface="Libre Franklin"/>
-                <a:ea typeface="Arial"/>
-              </a:rPr>
-              <a:t>Operating-system-level virtualization by abstracting the “user space”</a:t>
-            </a:r>
-            <a:endParaRPr lang="en-GB" sz="1800" b="0" strike="noStrike" spc="-1">
-              <a:solidFill>
-                <a:srgbClr val="000000"/>
-              </a:solidFill>
-              <a:latin typeface="Arial"/>
-            </a:endParaRPr>
-          </a:p>
-        </p:txBody>
-      </p:sp>
-      <p:sp>
-        <p:nvSpPr>
-          <p:cNvPr id="205" name="TextBox 4"/>
-          <p:cNvSpPr/>
-          <p:nvPr/>
-        </p:nvSpPr>
-        <p:spPr>
-          <a:xfrm>
-            <a:off x="622440" y="1909440"/>
-            <a:ext cx="2877840" cy="2437920"/>
-          </a:xfrm>
-          <a:prstGeom prst="rect">
-            <a:avLst/>
-          </a:prstGeom>
-          <a:noFill/>
-          <a:ln w="0">
-            <a:noFill/>
-          </a:ln>
-        </p:spPr>
-        <p:style>
-          <a:lnRef idx="0">
-            <a:scrgbClr r="0" g="0" b="0"/>
-          </a:lnRef>
-          <a:fillRef idx="0">
-            <a:scrgbClr r="0" g="0" b="0"/>
-          </a:fillRef>
-          <a:effectRef idx="0">
-            <a:scrgbClr r="0" g="0" b="0"/>
-          </a:effectRef>
-          <a:fontRef idx="minor"/>
-        </p:style>
-        <p:txBody>
-          <a:bodyPr wrap="none" lIns="90000" tIns="45000" rIns="90000" bIns="45000" anchor="t">
-            <a:spAutoFit/>
-          </a:bodyPr>
-          <a:lstStyle/>
-          <a:p>
-            <a:pPr marL="285840" indent="-285840">
-              <a:lnSpc>
-                <a:spcPct val="100000"/>
-              </a:lnSpc>
-              <a:buClr>
-                <a:srgbClr val="000000"/>
-              </a:buClr>
-              <a:buFont typeface="Arial"/>
-              <a:buChar char="•"/>
-            </a:pPr>
-            <a:r>
-              <a:rPr lang="hr-HR" sz="1400" b="0" strike="noStrike" spc="-1">
-                <a:solidFill>
-                  <a:srgbClr val="000000"/>
-                </a:solidFill>
-                <a:latin typeface="Libre Franklin"/>
-                <a:ea typeface="Arial"/>
-              </a:rPr>
-              <a:t>Share the host OS kernel</a:t>
-            </a:r>
-            <a:endParaRPr lang="en-GB" sz="1400" b="0" strike="noStrike" spc="-1">
-              <a:solidFill>
-                <a:srgbClr val="000000"/>
-              </a:solidFill>
-              <a:latin typeface="Arial"/>
-            </a:endParaRPr>
-          </a:p>
-          <a:p>
-            <a:pPr marL="285840" indent="-285840">
-              <a:lnSpc>
-                <a:spcPct val="100000"/>
-              </a:lnSpc>
-              <a:buClr>
-                <a:srgbClr val="000000"/>
-              </a:buClr>
-              <a:buFont typeface="Arial"/>
-              <a:buChar char="•"/>
-            </a:pPr>
-            <a:r>
-              <a:rPr lang="hr-HR" sz="1400" b="0" strike="noStrike" spc="-1">
-                <a:solidFill>
-                  <a:srgbClr val="000000"/>
-                </a:solidFill>
-                <a:latin typeface="Libre Franklin"/>
-                <a:ea typeface="Arial"/>
-              </a:rPr>
-              <a:t>Isolate apps from each other</a:t>
-            </a:r>
-            <a:endParaRPr lang="en-GB" sz="1400" b="0" strike="noStrike" spc="-1">
-              <a:solidFill>
-                <a:srgbClr val="000000"/>
-              </a:solidFill>
-              <a:latin typeface="Arial"/>
-            </a:endParaRPr>
-          </a:p>
-          <a:p>
-            <a:pPr>
-              <a:lnSpc>
-                <a:spcPct val="100000"/>
-              </a:lnSpc>
-            </a:pPr>
-            <a:endParaRPr lang="en-GB" sz="1400" b="0" strike="noStrike" spc="-1">
-              <a:solidFill>
-                <a:srgbClr val="000000"/>
-              </a:solidFill>
-              <a:latin typeface="Arial"/>
-            </a:endParaRPr>
-          </a:p>
-          <a:p>
-            <a:pPr>
-              <a:lnSpc>
-                <a:spcPct val="100000"/>
-              </a:lnSpc>
-            </a:pPr>
-            <a:r>
-              <a:rPr lang="hr-HR" sz="1400" b="0" strike="noStrike" spc="-1">
-                <a:solidFill>
-                  <a:srgbClr val="000000"/>
-                </a:solidFill>
-                <a:latin typeface="Libre Franklin"/>
-                <a:ea typeface="Arial"/>
-              </a:rPr>
-              <a:t>High level approach:</a:t>
-            </a:r>
-            <a:endParaRPr lang="en-GB" sz="1400" b="0" strike="noStrike" spc="-1">
-              <a:solidFill>
-                <a:srgbClr val="000000"/>
-              </a:solidFill>
-              <a:latin typeface="Arial"/>
-            </a:endParaRPr>
-          </a:p>
-          <a:p>
-            <a:pPr>
-              <a:lnSpc>
-                <a:spcPct val="100000"/>
-              </a:lnSpc>
-            </a:pPr>
-            <a:endParaRPr lang="en-GB" sz="1400" b="0" strike="noStrike" spc="-1">
-              <a:solidFill>
-                <a:srgbClr val="000000"/>
-              </a:solidFill>
-              <a:latin typeface="Arial"/>
-            </a:endParaRPr>
-          </a:p>
-          <a:p>
-            <a:pPr>
-              <a:lnSpc>
-                <a:spcPct val="100000"/>
-              </a:lnSpc>
-            </a:pPr>
-            <a:r>
-              <a:rPr lang="hr-HR" sz="1400" b="0" i="1" strike="noStrike" spc="-1">
-                <a:solidFill>
-                  <a:srgbClr val="000000"/>
-                </a:solidFill>
-                <a:latin typeface="Libre Franklin"/>
-                <a:ea typeface="Arial"/>
-              </a:rPr>
-              <a:t>It’s a lightweight VM</a:t>
-            </a:r>
-            <a:endParaRPr lang="en-GB" sz="1400" b="0" strike="noStrike" spc="-1">
-              <a:solidFill>
-                <a:srgbClr val="000000"/>
-              </a:solidFill>
-              <a:latin typeface="Arial"/>
-            </a:endParaRPr>
-          </a:p>
-          <a:p>
-            <a:pPr>
-              <a:lnSpc>
-                <a:spcPct val="100000"/>
-              </a:lnSpc>
-            </a:pPr>
-            <a:endParaRPr lang="en-GB" sz="1400" b="0" strike="noStrike" spc="-1">
-              <a:solidFill>
-                <a:srgbClr val="000000"/>
-              </a:solidFill>
-              <a:latin typeface="Arial"/>
-            </a:endParaRPr>
-          </a:p>
-          <a:p>
-            <a:pPr>
-              <a:lnSpc>
-                <a:spcPct val="100000"/>
-              </a:lnSpc>
-            </a:pPr>
-            <a:r>
-              <a:rPr lang="hr-HR" sz="1400" b="0" strike="noStrike" spc="-1">
-                <a:solidFill>
-                  <a:srgbClr val="000000"/>
-                </a:solidFill>
-                <a:latin typeface="Libre Franklin"/>
-                <a:ea typeface="Arial"/>
-              </a:rPr>
-              <a:t>Low level approach:</a:t>
-            </a:r>
-            <a:endParaRPr lang="en-GB" sz="1400" b="0" strike="noStrike" spc="-1">
-              <a:solidFill>
-                <a:srgbClr val="000000"/>
-              </a:solidFill>
-              <a:latin typeface="Arial"/>
-            </a:endParaRPr>
-          </a:p>
-          <a:p>
-            <a:pPr>
-              <a:lnSpc>
-                <a:spcPct val="100000"/>
-              </a:lnSpc>
-            </a:pPr>
-            <a:endParaRPr lang="en-GB" sz="1400" b="0" strike="noStrike" spc="-1">
-              <a:solidFill>
-                <a:srgbClr val="000000"/>
-              </a:solidFill>
-              <a:latin typeface="Arial"/>
-            </a:endParaRPr>
-          </a:p>
-          <a:p>
-            <a:pPr>
-              <a:lnSpc>
-                <a:spcPct val="100000"/>
-              </a:lnSpc>
-            </a:pPr>
-            <a:r>
-              <a:rPr lang="hr-HR" sz="1400" b="0" i="1" strike="noStrike" spc="-1">
-                <a:solidFill>
-                  <a:srgbClr val="000000"/>
-                </a:solidFill>
-                <a:latin typeface="Libre Franklin"/>
-                <a:ea typeface="Arial"/>
-              </a:rPr>
-              <a:t>It’s chroot on steroids</a:t>
-            </a:r>
-            <a:endParaRPr lang="en-GB" sz="1400" b="0" strike="noStrike" spc="-1">
-              <a:solidFill>
-                <a:srgbClr val="000000"/>
-              </a:solidFill>
-              <a:latin typeface="Arial"/>
-            </a:endParaRPr>
-          </a:p>
-          <a:p>
-            <a:pPr>
-              <a:lnSpc>
-                <a:spcPct val="100000"/>
-              </a:lnSpc>
-            </a:pPr>
-            <a:endParaRPr lang="en-GB" sz="1400" b="0" strike="noStrike" spc="-1">
-              <a:solidFill>
-                <a:srgbClr val="000000"/>
-              </a:solidFill>
-              <a:latin typeface="Arial"/>
-            </a:endParaRPr>
-          </a:p>
-        </p:txBody>
-      </p:sp>
-      <p:pic>
-        <p:nvPicPr>
-          <p:cNvPr id="206" name="Picture 205"/>
-          <p:cNvPicPr/>
-          <p:nvPr/>
-        </p:nvPicPr>
-        <p:blipFill>
-          <a:blip r:embed="rId2"/>
-          <a:stretch/>
-        </p:blipFill>
-        <p:spPr>
-          <a:xfrm>
-            <a:off x="4140000" y="1519560"/>
-            <a:ext cx="4241160" cy="3339360"/>
-          </a:xfrm>
-          <a:prstGeom prst="rect">
-            <a:avLst/>
-          </a:prstGeom>
-          <a:ln w="0">
-            <a:noFill/>
-          </a:ln>
-        </p:spPr>
-      </p:pic>
-    </p:spTree>
-  </p:cSld>
-  <p:clrMapOvr>
-    <a:masterClrMapping/>
-  </p:clrMapOvr>
-</p:sld>
-</file>
-
-<file path=ppt/slides/slide11.xml><?xml version="1.0" encoding="utf-8"?>
-<p:sld xmlns:a="http://schemas.openxmlformats.org/drawingml/2006/main" xmlns:r="http://schemas.openxmlformats.org/officeDocument/2006/relationships" xmlns:p="http://schemas.openxmlformats.org/presentationml/2006/main">
-  <p:cSld>
-    <p:spTree>
-      <p:nvGrpSpPr>
-        <p:cNvPr id="1" name=""/>
-        <p:cNvGrpSpPr/>
-        <p:nvPr/>
-      </p:nvGrpSpPr>
-      <p:grpSpPr>
-        <a:xfrm>
-          <a:off x="0" y="0"/>
-          <a:ext cx="0" cy="0"/>
-          <a:chOff x="0" y="0"/>
-          <a:chExt cx="0" cy="0"/>
-        </a:xfrm>
-      </p:grpSpPr>
-      <p:sp>
-        <p:nvSpPr>
           <p:cNvPr id="207" name="Google Shape;155;p29"/>
           <p:cNvSpPr/>
           <p:nvPr/>
@@ -6462,7 +5628,7 @@
 </p:sld>
 </file>
 
-<file path=ppt/slides/slide12.xml><?xml version="1.0" encoding="utf-8"?>
+<file path=ppt/slides/slide11.xml><?xml version="1.0" encoding="utf-8"?>
 <p:sld xmlns:a="http://schemas.openxmlformats.org/drawingml/2006/main" xmlns:r="http://schemas.openxmlformats.org/officeDocument/2006/relationships" xmlns:p="http://schemas.openxmlformats.org/presentationml/2006/main">
   <p:cSld>
     <p:spTree>
@@ -7026,7 +6192,7 @@
 </p:sld>
 </file>
 
-<file path=ppt/slides/slide13.xml><?xml version="1.0" encoding="utf-8"?>
+<file path=ppt/slides/slide12.xml><?xml version="1.0" encoding="utf-8"?>
 <p:sld xmlns:a="http://schemas.openxmlformats.org/drawingml/2006/main" xmlns:r="http://schemas.openxmlformats.org/officeDocument/2006/relationships" xmlns:p="http://schemas.openxmlformats.org/presentationml/2006/main">
   <p:cSld>
     <p:spTree>
@@ -7556,7 +6722,7 @@
 </p:sld>
 </file>
 
-<file path=ppt/slides/slide14.xml><?xml version="1.0" encoding="utf-8"?>
+<file path=ppt/slides/slide13.xml><?xml version="1.0" encoding="utf-8"?>
 <p:sld xmlns:a="http://schemas.openxmlformats.org/drawingml/2006/main" xmlns:r="http://schemas.openxmlformats.org/officeDocument/2006/relationships" xmlns:p="http://schemas.openxmlformats.org/presentationml/2006/main">
   <p:cSld>
     <p:spTree>
@@ -7793,14 +6959,34 @@
               </a:tabLst>
             </a:pPr>
             <a:r>
-              <a:rPr lang="hr-HR" sz="1500" b="1" strike="noStrike" spc="-1">
+              <a:rPr lang="hr-HR" sz="1500" b="1" strike="noStrike" spc="-1" dirty="0" err="1">
                 <a:solidFill>
                   <a:srgbClr val="C9211E"/>
                 </a:solidFill>
                 <a:latin typeface="Libre Franklin"/>
                 <a:ea typeface="Libre Franklin"/>
               </a:rPr>
-              <a:t>Container History</a:t>
+              <a:t>Container</a:t>
+            </a:r>
+            <a:r>
+              <a:rPr lang="hr-HR" sz="1500" b="1" strike="noStrike" spc="-1" dirty="0">
+                <a:solidFill>
+                  <a:srgbClr val="C9211E"/>
+                </a:solidFill>
+                <a:latin typeface="Libre Franklin"/>
+                <a:ea typeface="Libre Franklin"/>
+              </a:rPr>
+              <a:t> </a:t>
+            </a:r>
+            <a:r>
+              <a:rPr lang="hr-HR" sz="1500" b="1" strike="noStrike" spc="-1" dirty="0" err="1">
+                <a:solidFill>
+                  <a:srgbClr val="C9211E"/>
+                </a:solidFill>
+                <a:latin typeface="Libre Franklin"/>
+                <a:ea typeface="Libre Franklin"/>
+              </a:rPr>
+              <a:t>History</a:t>
             </a:r>
             <a:endParaRPr lang="en-GB" sz="1500" b="0" strike="noStrike" spc="-1">
               <a:solidFill>
@@ -7827,23 +7013,116 @@
           </a:p>
           <a:p>
             <a:pPr>
-              <a:lnSpc>
-                <a:spcPct val="100000"/>
-              </a:lnSpc>
-              <a:tabLst>
-                <a:tab pos="0" algn="l"/>
-              </a:tabLst>
-            </a:pPr>
-            <a:r>
-              <a:rPr lang="en-GB" sz="1400" b="0" strike="noStrike" spc="-1">
+              <a:tabLst>
+                <a:tab pos="0" algn="l"/>
+              </a:tabLst>
+            </a:pPr>
+            <a:r>
+              <a:rPr lang="en-GB" sz="1400" b="0" strike="noStrike" spc="-1" dirty="0">
                 <a:solidFill>
                   <a:srgbClr val="000000"/>
                 </a:solidFill>
                 <a:latin typeface="Libre Franklin"/>
                 <a:ea typeface="Arial"/>
               </a:rPr>
-              <a:t>Containers have quickly gained popularity in recent years. However, the technology behind containers has been around for a relatively long time. In 2001, Linux introduced a project named VServer. VServer was the first attempt at running complete sets of processes inside a single server with a high degree of isolation. From VServer, the idea of isolated processes further evolved and became formalized around the following features of the Linux kernel:</a:t>
-            </a:r>
+              <a:t>Containers have quickly gained popularity in recent years. However, the technology behind containers has been around for a relatively long time. </a:t>
+            </a:r>
+            <a:r>
+              <a:rPr lang="en-GB" sz="1400" spc="-1" dirty="0">
+                <a:solidFill>
+                  <a:srgbClr val="000000"/>
+                </a:solidFill>
+                <a:latin typeface="Libre Franklin"/>
+                <a:ea typeface="Arial"/>
+              </a:rPr>
+              <a:t>The first concept of "Jail" through chroot command was released in 1979. </a:t>
+            </a:r>
+            <a:r>
+              <a:rPr lang="en-GB" sz="1400" b="0" strike="noStrike" spc="-1" dirty="0">
+                <a:solidFill>
+                  <a:srgbClr val="000000"/>
+                </a:solidFill>
+                <a:latin typeface="Libre Franklin"/>
+                <a:ea typeface="Arial"/>
+              </a:rPr>
+              <a:t>In 2001, Linux introduced a project named </a:t>
+            </a:r>
+            <a:r>
+              <a:rPr lang="en-GB" sz="1400" b="0" strike="noStrike" spc="-1" dirty="0" err="1">
+                <a:solidFill>
+                  <a:srgbClr val="000000"/>
+                </a:solidFill>
+                <a:latin typeface="Libre Franklin"/>
+                <a:ea typeface="Arial"/>
+              </a:rPr>
+              <a:t>VServer</a:t>
+            </a:r>
+            <a:r>
+              <a:rPr lang="en-GB" sz="1400" b="0" strike="noStrike" spc="-1" dirty="0">
+                <a:solidFill>
+                  <a:srgbClr val="000000"/>
+                </a:solidFill>
+                <a:latin typeface="Libre Franklin"/>
+                <a:ea typeface="Arial"/>
+              </a:rPr>
+              <a:t>. </a:t>
+            </a:r>
+            <a:r>
+              <a:rPr lang="en-GB" sz="1400" b="0" strike="noStrike" spc="-1" dirty="0" err="1">
+                <a:solidFill>
+                  <a:srgbClr val="000000"/>
+                </a:solidFill>
+                <a:latin typeface="Libre Franklin"/>
+                <a:ea typeface="Arial"/>
+              </a:rPr>
+              <a:t>VServer</a:t>
+            </a:r>
+            <a:r>
+              <a:rPr lang="en-GB" sz="1400" b="0" strike="noStrike" spc="-1" dirty="0">
+                <a:solidFill>
+                  <a:srgbClr val="000000"/>
+                </a:solidFill>
+                <a:latin typeface="Libre Franklin"/>
+                <a:ea typeface="Arial"/>
+              </a:rPr>
+              <a:t> was the first attempt at running complete sets of processes inside a single server with a high degree of isolation. From </a:t>
+            </a:r>
+            <a:r>
+              <a:rPr lang="en-GB" sz="1400" b="0" strike="noStrike" spc="-1" dirty="0" err="1">
+                <a:solidFill>
+                  <a:srgbClr val="000000"/>
+                </a:solidFill>
+                <a:latin typeface="Libre Franklin"/>
+                <a:ea typeface="Arial"/>
+              </a:rPr>
+              <a:t>VServer</a:t>
+            </a:r>
+            <a:r>
+              <a:rPr lang="en-GB" sz="1400" b="0" strike="noStrike" spc="-1" dirty="0">
+                <a:solidFill>
+                  <a:srgbClr val="000000"/>
+                </a:solidFill>
+                <a:latin typeface="Libre Franklin"/>
+                <a:ea typeface="Arial"/>
+              </a:rPr>
+              <a:t>, the idea of isolated processes further evolved and became formalized around the following features of the Linux kernel:</a:t>
+            </a:r>
+            <a:endParaRPr lang="en-GB" sz="1400" b="0" strike="noStrike" spc="-1" dirty="0">
+              <a:solidFill>
+                <a:srgbClr val="000000"/>
+              </a:solidFill>
+              <a:latin typeface="Arial"/>
+            </a:endParaRPr>
+          </a:p>
+          <a:p>
+            <a:pPr>
+              <a:lnSpc>
+                <a:spcPct val="100000"/>
+              </a:lnSpc>
+              <a:tabLst>
+                <a:tab pos="0" algn="l"/>
+              </a:tabLst>
+            </a:pPr>
             <a:endParaRPr lang="en-GB" sz="1400" b="0" strike="noStrike" spc="-1">
               <a:solidFill>
                 <a:srgbClr val="000000"/>
@@ -7852,23 +7131,7 @@
             </a:endParaRPr>
           </a:p>
           <a:p>
-            <a:pPr>
-              <a:lnSpc>
-                <a:spcPct val="100000"/>
-              </a:lnSpc>
-              <a:tabLst>
-                <a:tab pos="0" algn="l"/>
-              </a:tabLst>
-            </a:pPr>
-            <a:endParaRPr lang="en-GB" sz="1400" b="0" strike="noStrike" spc="-1">
-              <a:solidFill>
-                <a:srgbClr val="000000"/>
-              </a:solidFill>
-              <a:latin typeface="Arial"/>
-            </a:endParaRPr>
-          </a:p>
-          <a:p>
-            <a:pPr marL="285840" indent="-285840">
+            <a:pPr marL="285750" indent="-285750">
               <a:lnSpc>
                 <a:spcPct val="100000"/>
               </a:lnSpc>
@@ -7882,7 +7145,7 @@
               </a:tabLst>
             </a:pPr>
             <a:r>
-              <a:rPr lang="en-GB" sz="1400" b="0" strike="noStrike" spc="-1">
+              <a:rPr lang="en-GB" sz="1400" b="0" strike="noStrike" spc="-1" dirty="0">
                 <a:solidFill>
                   <a:srgbClr val="000000"/>
                 </a:solidFill>
@@ -7915,7 +7178,7 @@
             </a:endParaRPr>
           </a:p>
           <a:p>
-            <a:pPr marL="285840" indent="-285840">
+            <a:pPr marL="285750" indent="-285750">
               <a:lnSpc>
                 <a:spcPct val="100000"/>
               </a:lnSpc>
@@ -7929,14 +7192,34 @@
               </a:tabLst>
             </a:pPr>
             <a:r>
-              <a:rPr lang="en-GB" sz="1400" b="0" strike="noStrike" spc="-1">
+              <a:rPr lang="en-GB" sz="1400" b="0" strike="noStrike" spc="-1" dirty="0">
                 <a:solidFill>
                   <a:srgbClr val="000000"/>
                 </a:solidFill>
                 <a:latin typeface="Libre Franklin"/>
                 <a:ea typeface="Arial"/>
               </a:rPr>
-              <a:t>Control groups (cgroups)</a:t>
+              <a:t>Control groups (</a:t>
+            </a:r>
+            <a:r>
+              <a:rPr lang="en-GB" sz="1400" b="0" strike="noStrike" spc="-1" dirty="0" err="1">
+                <a:solidFill>
+                  <a:srgbClr val="000000"/>
+                </a:solidFill>
+                <a:latin typeface="Libre Franklin"/>
+                <a:ea typeface="Arial"/>
+              </a:rPr>
+              <a:t>cgroups</a:t>
+            </a:r>
+            <a:r>
+              <a:rPr lang="en-GB" sz="1400" b="0" strike="noStrike" spc="-1" dirty="0">
+                <a:solidFill>
+                  <a:srgbClr val="000000"/>
+                </a:solidFill>
+                <a:latin typeface="Libre Franklin"/>
+                <a:ea typeface="Arial"/>
+              </a:rPr>
+              <a:t>)</a:t>
             </a:r>
             <a:endParaRPr lang="en-GB" sz="1400" b="0" strike="noStrike" spc="-1">
               <a:solidFill>
@@ -7962,7 +7245,7 @@
             </a:endParaRPr>
           </a:p>
           <a:p>
-            <a:pPr marL="285840" indent="-285840">
+            <a:pPr marL="285750" indent="-285750">
               <a:lnSpc>
                 <a:spcPct val="100000"/>
               </a:lnSpc>
@@ -7976,7 +7259,7 @@
               </a:tabLst>
             </a:pPr>
             <a:r>
-              <a:rPr lang="en-GB" sz="1400" b="0" strike="noStrike" spc="-1">
+              <a:rPr lang="en-GB" sz="1400" b="0" strike="noStrike" spc="-1" dirty="0">
                 <a:solidFill>
                   <a:srgbClr val="000000"/>
                 </a:solidFill>
@@ -8009,7 +7292,7 @@
             </a:endParaRPr>
           </a:p>
           <a:p>
-            <a:pPr marL="285840" indent="-285840">
+            <a:pPr marL="285750" indent="-285750">
               <a:lnSpc>
                 <a:spcPct val="100000"/>
               </a:lnSpc>
@@ -8023,7 +7306,7 @@
               </a:tabLst>
             </a:pPr>
             <a:r>
-              <a:rPr lang="en-GB" sz="1400" b="0" strike="noStrike" spc="-1">
+              <a:rPr lang="en-GB" sz="1400" b="0" strike="noStrike" spc="-1" dirty="0" err="1">
                 <a:solidFill>
                   <a:srgbClr val="000000"/>
                 </a:solidFill>
@@ -8081,7 +7364,7 @@
 </p:sld>
 </file>
 
-<file path=ppt/slides/slide15.xml><?xml version="1.0" encoding="utf-8"?>
+<file path=ppt/slides/slide14.xml><?xml version="1.0" encoding="utf-8"?>
 <p:sld xmlns:a="http://schemas.openxmlformats.org/drawingml/2006/main" xmlns:r="http://schemas.openxmlformats.org/officeDocument/2006/relationships" xmlns:p="http://schemas.openxmlformats.org/presentationml/2006/main">
   <p:cSld>
     <p:spTree>
@@ -8516,7 +7799,7 @@
 </p:sld>
 </file>
 
-<file path=ppt/slides/slide16.xml><?xml version="1.0" encoding="utf-8"?>
+<file path=ppt/slides/slide15.xml><?xml version="1.0" encoding="utf-8"?>
 <p:sld xmlns:a="http://schemas.openxmlformats.org/drawingml/2006/main" xmlns:r="http://schemas.openxmlformats.org/officeDocument/2006/relationships" xmlns:p="http://schemas.openxmlformats.org/presentationml/2006/main">
   <p:cSld>
     <p:spTree>
@@ -8972,7 +8255,7 @@
 </p:sld>
 </file>
 
-<file path=ppt/slides/slide17.xml><?xml version="1.0" encoding="utf-8"?>
+<file path=ppt/slides/slide16.xml><?xml version="1.0" encoding="utf-8"?>
 <p:sld xmlns:a="http://schemas.openxmlformats.org/drawingml/2006/main" xmlns:r="http://schemas.openxmlformats.org/officeDocument/2006/relationships" xmlns:p="http://schemas.openxmlformats.org/presentationml/2006/main">
   <p:cSld>
     <p:spTree>
@@ -9274,7 +8557,7 @@
 </p:sld>
 </file>
 
-<file path=ppt/slides/slide18.xml><?xml version="1.0" encoding="utf-8"?>
+<file path=ppt/slides/slide17.xml><?xml version="1.0" encoding="utf-8"?>
 <p:sld xmlns:a="http://schemas.openxmlformats.org/drawingml/2006/main" xmlns:r="http://schemas.openxmlformats.org/officeDocument/2006/relationships" xmlns:p="http://schemas.openxmlformats.org/presentationml/2006/main">
   <p:cSld>
     <p:spTree>
@@ -9628,7 +8911,7 @@
 </p:sld>
 </file>
 
-<file path=ppt/slides/slide19.xml><?xml version="1.0" encoding="utf-8"?>
+<file path=ppt/slides/slide18.xml><?xml version="1.0" encoding="utf-8"?>
 <p:sld xmlns:a="http://schemas.openxmlformats.org/drawingml/2006/main" xmlns:r="http://schemas.openxmlformats.org/officeDocument/2006/relationships" xmlns:p="http://schemas.openxmlformats.org/presentationml/2006/main">
   <p:cSld>
     <p:spTree>
@@ -10112,6 +9395,98 @@
 </p:sld>
 </file>
 
+<file path=ppt/slides/slide19.xml><?xml version="1.0" encoding="utf-8"?>
+<p:sld xmlns:a="http://schemas.openxmlformats.org/drawingml/2006/main" xmlns:r="http://schemas.openxmlformats.org/officeDocument/2006/relationships" xmlns:p="http://schemas.openxmlformats.org/presentationml/2006/main">
+  <p:cSld>
+    <p:bg>
+      <p:bgPr>
+        <a:solidFill>
+          <a:schemeClr val="accent4">
+            <a:lumMod val="75000"/>
+          </a:schemeClr>
+        </a:solidFill>
+        <a:effectLst/>
+      </p:bgPr>
+    </p:bg>
+    <p:spTree>
+      <p:nvGrpSpPr>
+        <p:cNvPr id="1" name=""/>
+        <p:cNvGrpSpPr/>
+        <p:nvPr/>
+      </p:nvGrpSpPr>
+      <p:grpSpPr>
+        <a:xfrm>
+          <a:off x="0" y="0"/>
+          <a:ext cx="0" cy="0"/>
+          <a:chOff x="0" y="0"/>
+          <a:chExt cx="0" cy="0"/>
+        </a:xfrm>
+      </p:grpSpPr>
+      <p:sp>
+        <p:nvSpPr>
+          <p:cNvPr id="256" name="PlaceHolder 1"/>
+          <p:cNvSpPr>
+            <a:spLocks noGrp="1"/>
+          </p:cNvSpPr>
+          <p:nvPr>
+            <p:ph type="title"/>
+          </p:nvPr>
+        </p:nvSpPr>
+        <p:spPr>
+          <a:xfrm>
+            <a:off x="4244760" y="2340000"/>
+            <a:ext cx="5261040" cy="1438920"/>
+          </a:xfrm>
+          <a:prstGeom prst="rect">
+            <a:avLst/>
+          </a:prstGeom>
+          <a:noFill/>
+          <a:ln w="0">
+            <a:noFill/>
+          </a:ln>
+        </p:spPr>
+        <p:txBody>
+          <a:bodyPr lIns="68400" tIns="34200" rIns="68400" bIns="34200" anchor="b">
+            <a:normAutofit/>
+          </a:bodyPr>
+          <a:lstStyle/>
+          <a:p>
+            <a:pPr indent="0">
+              <a:lnSpc>
+                <a:spcPct val="100000"/>
+              </a:lnSpc>
+              <a:buNone/>
+              <a:tabLst>
+                <a:tab pos="0" algn="l"/>
+              </a:tabLst>
+            </a:pPr>
+            <a:r>
+              <a:rPr lang="hr-HR" sz="4400" b="1" strike="noStrike" spc="-1">
+                <a:solidFill>
+                  <a:schemeClr val="lt1"/>
+                </a:solidFill>
+                <a:latin typeface="Libre Franklin"/>
+                <a:ea typeface="Libre Franklin"/>
+              </a:rPr>
+              <a:t>Podman</a:t>
+            </a:r>
+            <a:endParaRPr lang="en-GB" sz="4400" b="0" strike="noStrike" spc="-1">
+              <a:solidFill>
+                <a:srgbClr val="FFFFFF"/>
+              </a:solidFill>
+              <a:latin typeface="Arial"/>
+            </a:endParaRPr>
+          </a:p>
+        </p:txBody>
+      </p:sp>
+    </p:spTree>
+  </p:cSld>
+  <p:clrMapOvr>
+    <a:masterClrMapping/>
+  </p:clrMapOvr>
+</p:sld>
+</file>
+
 <file path=ppt/slides/slide2.xml><?xml version="1.0" encoding="utf-8"?>
 <p:sld xmlns:a="http://schemas.openxmlformats.org/drawingml/2006/main" xmlns:r="http://schemas.openxmlformats.org/officeDocument/2006/relationships" xmlns:p="http://schemas.openxmlformats.org/presentationml/2006/main">
   <p:cSld>
@@ -10683,98 +10058,6 @@
 <file path=ppt/slides/slide20.xml><?xml version="1.0" encoding="utf-8"?>
 <p:sld xmlns:a="http://schemas.openxmlformats.org/drawingml/2006/main" xmlns:r="http://schemas.openxmlformats.org/officeDocument/2006/relationships" xmlns:p="http://schemas.openxmlformats.org/presentationml/2006/main">
   <p:cSld>
-    <p:bg>
-      <p:bgPr>
-        <a:solidFill>
-          <a:schemeClr val="accent4">
-            <a:lumMod val="75000"/>
-          </a:schemeClr>
-        </a:solidFill>
-        <a:effectLst/>
-      </p:bgPr>
-    </p:bg>
-    <p:spTree>
-      <p:nvGrpSpPr>
-        <p:cNvPr id="1" name=""/>
-        <p:cNvGrpSpPr/>
-        <p:nvPr/>
-      </p:nvGrpSpPr>
-      <p:grpSpPr>
-        <a:xfrm>
-          <a:off x="0" y="0"/>
-          <a:ext cx="0" cy="0"/>
-          <a:chOff x="0" y="0"/>
-          <a:chExt cx="0" cy="0"/>
-        </a:xfrm>
-      </p:grpSpPr>
-      <p:sp>
-        <p:nvSpPr>
-          <p:cNvPr id="256" name="PlaceHolder 1"/>
-          <p:cNvSpPr>
-            <a:spLocks noGrp="1"/>
-          </p:cNvSpPr>
-          <p:nvPr>
-            <p:ph type="title"/>
-          </p:nvPr>
-        </p:nvSpPr>
-        <p:spPr>
-          <a:xfrm>
-            <a:off x="4244760" y="2340000"/>
-            <a:ext cx="5261040" cy="1438920"/>
-          </a:xfrm>
-          <a:prstGeom prst="rect">
-            <a:avLst/>
-          </a:prstGeom>
-          <a:noFill/>
-          <a:ln w="0">
-            <a:noFill/>
-          </a:ln>
-        </p:spPr>
-        <p:txBody>
-          <a:bodyPr lIns="68400" tIns="34200" rIns="68400" bIns="34200" anchor="b">
-            <a:normAutofit/>
-          </a:bodyPr>
-          <a:lstStyle/>
-          <a:p>
-            <a:pPr indent="0">
-              <a:lnSpc>
-                <a:spcPct val="100000"/>
-              </a:lnSpc>
-              <a:buNone/>
-              <a:tabLst>
-                <a:tab pos="0" algn="l"/>
-              </a:tabLst>
-            </a:pPr>
-            <a:r>
-              <a:rPr lang="hr-HR" sz="4400" b="1" strike="noStrike" spc="-1">
-                <a:solidFill>
-                  <a:schemeClr val="lt1"/>
-                </a:solidFill>
-                <a:latin typeface="Libre Franklin"/>
-                <a:ea typeface="Libre Franklin"/>
-              </a:rPr>
-              <a:t>Podman</a:t>
-            </a:r>
-            <a:endParaRPr lang="en-GB" sz="4400" b="0" strike="noStrike" spc="-1">
-              <a:solidFill>
-                <a:srgbClr val="FFFFFF"/>
-              </a:solidFill>
-              <a:latin typeface="Arial"/>
-            </a:endParaRPr>
-          </a:p>
-        </p:txBody>
-      </p:sp>
-    </p:spTree>
-  </p:cSld>
-  <p:clrMapOvr>
-    <a:masterClrMapping/>
-  </p:clrMapOvr>
-</p:sld>
-</file>
-
-<file path=ppt/slides/slide21.xml><?xml version="1.0" encoding="utf-8"?>
-<p:sld xmlns:a="http://schemas.openxmlformats.org/drawingml/2006/main" xmlns:r="http://schemas.openxmlformats.org/officeDocument/2006/relationships" xmlns:p="http://schemas.openxmlformats.org/presentationml/2006/main">
-  <p:cSld>
     <p:spTree>
       <p:nvGrpSpPr>
         <p:cNvPr id="1" name=""/>
@@ -11152,7 +10435,7 @@
 </p:sld>
 </file>
 
-<file path=ppt/slides/slide22.xml><?xml version="1.0" encoding="utf-8"?>
+<file path=ppt/slides/slide21.xml><?xml version="1.0" encoding="utf-8"?>
 <p:sld xmlns:a="http://schemas.openxmlformats.org/drawingml/2006/main" xmlns:r="http://schemas.openxmlformats.org/officeDocument/2006/relationships" xmlns:p="http://schemas.openxmlformats.org/presentationml/2006/main">
   <p:cSld>
     <p:spTree>
@@ -11565,7 +10848,7 @@
 </p:sld>
 </file>
 
-<file path=ppt/slides/slide23.xml><?xml version="1.0" encoding="utf-8"?>
+<file path=ppt/slides/slide22.xml><?xml version="1.0" encoding="utf-8"?>
 <p:sld xmlns:a="http://schemas.openxmlformats.org/drawingml/2006/main" xmlns:r="http://schemas.openxmlformats.org/officeDocument/2006/relationships" xmlns:p="http://schemas.openxmlformats.org/presentationml/2006/main">
   <p:cSld>
     <p:spTree>
@@ -11931,7 +11214,7 @@
 </p:sld>
 </file>
 
-<file path=ppt/slides/slide24.xml><?xml version="1.0" encoding="utf-8"?>
+<file path=ppt/slides/slide23.xml><?xml version="1.0" encoding="utf-8"?>
 <p:sld xmlns:a="http://schemas.openxmlformats.org/drawingml/2006/main" xmlns:r="http://schemas.openxmlformats.org/officeDocument/2006/relationships" xmlns:p="http://schemas.openxmlformats.org/presentationml/2006/main">
   <p:cSld>
     <p:spTree>
@@ -12144,7 +11427,7 @@
 </p:sld>
 </file>
 
-<file path=ppt/slides/slide25.xml><?xml version="1.0" encoding="utf-8"?>
+<file path=ppt/slides/slide24.xml><?xml version="1.0" encoding="utf-8"?>
 <p:sld xmlns:a="http://schemas.openxmlformats.org/drawingml/2006/main" xmlns:r="http://schemas.openxmlformats.org/officeDocument/2006/relationships" xmlns:p="http://schemas.openxmlformats.org/presentationml/2006/main">
   <p:cSld>
     <p:spTree>
@@ -12595,7 +11878,7 @@
 </p:sld>
 </file>
 
-<file path=ppt/slides/slide26.xml><?xml version="1.0" encoding="utf-8"?>
+<file path=ppt/slides/slide25.xml><?xml version="1.0" encoding="utf-8"?>
 <p:sld xmlns:a="http://schemas.openxmlformats.org/drawingml/2006/main" xmlns:r="http://schemas.openxmlformats.org/officeDocument/2006/relationships" xmlns:p="http://schemas.openxmlformats.org/presentationml/2006/main">
   <p:cSld>
     <p:spTree>
@@ -12833,7 +12116,7 @@
 </p:sld>
 </file>
 
-<file path=ppt/slides/slide27.xml><?xml version="1.0" encoding="utf-8"?>
+<file path=ppt/slides/slide26.xml><?xml version="1.0" encoding="utf-8"?>
 <p:sld xmlns:a="http://schemas.openxmlformats.org/drawingml/2006/main" xmlns:r="http://schemas.openxmlformats.org/officeDocument/2006/relationships" xmlns:p="http://schemas.openxmlformats.org/presentationml/2006/main">
   <p:cSld>
     <p:spTree>
@@ -13151,7 +12434,7 @@
 </p:sld>
 </file>
 
-<file path=ppt/slides/slide28.xml><?xml version="1.0" encoding="utf-8"?>
+<file path=ppt/slides/slide27.xml><?xml version="1.0" encoding="utf-8"?>
 <p:sld xmlns:a="http://schemas.openxmlformats.org/drawingml/2006/main" xmlns:r="http://schemas.openxmlformats.org/officeDocument/2006/relationships" xmlns:p="http://schemas.openxmlformats.org/presentationml/2006/main">
   <p:cSld>
     <p:spTree>
@@ -13485,7 +12768,7 @@
 </p:sld>
 </file>
 
-<file path=ppt/slides/slide29.xml><?xml version="1.0" encoding="utf-8"?>
+<file path=ppt/slides/slide28.xml><?xml version="1.0" encoding="utf-8"?>
 <p:sld xmlns:a="http://schemas.openxmlformats.org/drawingml/2006/main" xmlns:r="http://schemas.openxmlformats.org/officeDocument/2006/relationships" xmlns:p="http://schemas.openxmlformats.org/presentationml/2006/main">
   <p:cSld>
     <p:spTree>
@@ -13930,99 +13213,7 @@
 </p:sld>
 </file>
 
-<file path=ppt/slides/slide3.xml><?xml version="1.0" encoding="utf-8"?>
-<p:sld xmlns:a="http://schemas.openxmlformats.org/drawingml/2006/main" xmlns:r="http://schemas.openxmlformats.org/officeDocument/2006/relationships" xmlns:p="http://schemas.openxmlformats.org/presentationml/2006/main">
-  <p:cSld>
-    <p:bg>
-      <p:bgPr>
-        <a:solidFill>
-          <a:schemeClr val="accent4">
-            <a:lumMod val="75000"/>
-          </a:schemeClr>
-        </a:solidFill>
-        <a:effectLst/>
-      </p:bgPr>
-    </p:bg>
-    <p:spTree>
-      <p:nvGrpSpPr>
-        <p:cNvPr id="1" name=""/>
-        <p:cNvGrpSpPr/>
-        <p:nvPr/>
-      </p:nvGrpSpPr>
-      <p:grpSpPr>
-        <a:xfrm>
-          <a:off x="0" y="0"/>
-          <a:ext cx="0" cy="0"/>
-          <a:chOff x="0" y="0"/>
-          <a:chExt cx="0" cy="0"/>
-        </a:xfrm>
-      </p:grpSpPr>
-      <p:sp>
-        <p:nvSpPr>
-          <p:cNvPr id="174" name="PlaceHolder 1"/>
-          <p:cNvSpPr>
-            <a:spLocks noGrp="1"/>
-          </p:cNvSpPr>
-          <p:nvPr>
-            <p:ph type="title"/>
-          </p:nvPr>
-        </p:nvSpPr>
-        <p:spPr>
-          <a:xfrm>
-            <a:off x="4244760" y="2340000"/>
-            <a:ext cx="5261040" cy="1438920"/>
-          </a:xfrm>
-          <a:prstGeom prst="rect">
-            <a:avLst/>
-          </a:prstGeom>
-          <a:noFill/>
-          <a:ln w="0">
-            <a:noFill/>
-          </a:ln>
-        </p:spPr>
-        <p:txBody>
-          <a:bodyPr lIns="68400" tIns="34200" rIns="68400" bIns="34200" anchor="b">
-            <a:normAutofit/>
-          </a:bodyPr>
-          <a:lstStyle/>
-          <a:p>
-            <a:pPr indent="0">
-              <a:lnSpc>
-                <a:spcPct val="100000"/>
-              </a:lnSpc>
-              <a:buNone/>
-              <a:tabLst>
-                <a:tab pos="0" algn="l"/>
-              </a:tabLst>
-            </a:pPr>
-            <a:r>
-              <a:rPr lang="en-GB" sz="4400" b="1" strike="noStrike" spc="-1">
-                <a:solidFill>
-                  <a:schemeClr val="lt1"/>
-                </a:solidFill>
-                <a:latin typeface="Libre Franklin"/>
-                <a:ea typeface="Libre Franklin"/>
-              </a:rPr>
-              <a:t>Virtualization</a:t>
-            </a:r>
-            <a:endParaRPr lang="en-GB" sz="4400" b="0" strike="noStrike" spc="-1">
-              <a:solidFill>
-                <a:srgbClr val="FFFFFF"/>
-              </a:solidFill>
-              <a:latin typeface="Arial"/>
-            </a:endParaRPr>
-          </a:p>
-        </p:txBody>
-      </p:sp>
-    </p:spTree>
-  </p:cSld>
-  <p:clrMapOvr>
-    <a:masterClrMapping/>
-  </p:clrMapOvr>
-</p:sld>
-</file>
-
-<file path=ppt/slides/slide30.xml><?xml version="1.0" encoding="utf-8"?>
+<file path=ppt/slides/slide29.xml><?xml version="1.0" encoding="utf-8"?>
 <p:sld xmlns:a="http://schemas.openxmlformats.org/drawingml/2006/main" xmlns:r="http://schemas.openxmlformats.org/officeDocument/2006/relationships" xmlns:p="http://schemas.openxmlformats.org/presentationml/2006/main">
   <p:cSld>
     <p:spTree>
@@ -14687,7 +13878,99 @@
 </p:sld>
 </file>
 
-<file path=ppt/slides/slide31.xml><?xml version="1.0" encoding="utf-8"?>
+<file path=ppt/slides/slide3.xml><?xml version="1.0" encoding="utf-8"?>
+<p:sld xmlns:a="http://schemas.openxmlformats.org/drawingml/2006/main" xmlns:r="http://schemas.openxmlformats.org/officeDocument/2006/relationships" xmlns:p="http://schemas.openxmlformats.org/presentationml/2006/main">
+  <p:cSld>
+    <p:bg>
+      <p:bgPr>
+        <a:solidFill>
+          <a:schemeClr val="accent4">
+            <a:lumMod val="75000"/>
+          </a:schemeClr>
+        </a:solidFill>
+        <a:effectLst/>
+      </p:bgPr>
+    </p:bg>
+    <p:spTree>
+      <p:nvGrpSpPr>
+        <p:cNvPr id="1" name=""/>
+        <p:cNvGrpSpPr/>
+        <p:nvPr/>
+      </p:nvGrpSpPr>
+      <p:grpSpPr>
+        <a:xfrm>
+          <a:off x="0" y="0"/>
+          <a:ext cx="0" cy="0"/>
+          <a:chOff x="0" y="0"/>
+          <a:chExt cx="0" cy="0"/>
+        </a:xfrm>
+      </p:grpSpPr>
+      <p:sp>
+        <p:nvSpPr>
+          <p:cNvPr id="174" name="PlaceHolder 1"/>
+          <p:cNvSpPr>
+            <a:spLocks noGrp="1"/>
+          </p:cNvSpPr>
+          <p:nvPr>
+            <p:ph type="title"/>
+          </p:nvPr>
+        </p:nvSpPr>
+        <p:spPr>
+          <a:xfrm>
+            <a:off x="4244760" y="2340000"/>
+            <a:ext cx="5261040" cy="1438920"/>
+          </a:xfrm>
+          <a:prstGeom prst="rect">
+            <a:avLst/>
+          </a:prstGeom>
+          <a:noFill/>
+          <a:ln w="0">
+            <a:noFill/>
+          </a:ln>
+        </p:spPr>
+        <p:txBody>
+          <a:bodyPr lIns="68400" tIns="34200" rIns="68400" bIns="34200" anchor="b">
+            <a:normAutofit/>
+          </a:bodyPr>
+          <a:lstStyle/>
+          <a:p>
+            <a:pPr indent="0">
+              <a:lnSpc>
+                <a:spcPct val="100000"/>
+              </a:lnSpc>
+              <a:buNone/>
+              <a:tabLst>
+                <a:tab pos="0" algn="l"/>
+              </a:tabLst>
+            </a:pPr>
+            <a:r>
+              <a:rPr lang="en-GB" sz="4400" b="1" strike="noStrike" spc="-1">
+                <a:solidFill>
+                  <a:schemeClr val="lt1"/>
+                </a:solidFill>
+                <a:latin typeface="Libre Franklin"/>
+                <a:ea typeface="Libre Franklin"/>
+              </a:rPr>
+              <a:t>Virtualization</a:t>
+            </a:r>
+            <a:endParaRPr lang="en-GB" sz="4400" b="0" strike="noStrike" spc="-1">
+              <a:solidFill>
+                <a:srgbClr val="FFFFFF"/>
+              </a:solidFill>
+              <a:latin typeface="Arial"/>
+            </a:endParaRPr>
+          </a:p>
+        </p:txBody>
+      </p:sp>
+    </p:spTree>
+  </p:cSld>
+  <p:clrMapOvr>
+    <a:masterClrMapping/>
+  </p:clrMapOvr>
+</p:sld>
+</file>
+
+<file path=ppt/slides/slide30.xml><?xml version="1.0" encoding="utf-8"?>
 <p:sld xmlns:a="http://schemas.openxmlformats.org/drawingml/2006/main" xmlns:r="http://schemas.openxmlformats.org/officeDocument/2006/relationships" xmlns:p="http://schemas.openxmlformats.org/presentationml/2006/main">
   <p:cSld>
     <p:spTree>
@@ -15080,7 +14363,7 @@
 </p:sld>
 </file>
 
-<file path=ppt/slides/slide32.xml><?xml version="1.0" encoding="utf-8"?>
+<file path=ppt/slides/slide31.xml><?xml version="1.0" encoding="utf-8"?>
 <p:sld xmlns:a="http://schemas.openxmlformats.org/drawingml/2006/main" xmlns:r="http://schemas.openxmlformats.org/officeDocument/2006/relationships" xmlns:p="http://schemas.openxmlformats.org/presentationml/2006/main">
   <p:cSld>
     <p:spTree>
@@ -16244,7 +15527,7 @@
 </p:sld>
 </file>
 
-<file path=ppt/slides/slide33.xml><?xml version="1.0" encoding="utf-8"?>
+<file path=ppt/slides/slide32.xml><?xml version="1.0" encoding="utf-8"?>
 <p:sld xmlns:a="http://schemas.openxmlformats.org/drawingml/2006/main" xmlns:r="http://schemas.openxmlformats.org/officeDocument/2006/relationships" xmlns:p="http://schemas.openxmlformats.org/presentationml/2006/main">
   <p:cSld>
     <p:spTree>
@@ -16775,7 +16058,7 @@
 </p:sld>
 </file>
 
-<file path=ppt/slides/slide34.xml><?xml version="1.0" encoding="utf-8"?>
+<file path=ppt/slides/slide33.xml><?xml version="1.0" encoding="utf-8"?>
 <p:sld xmlns:a="http://schemas.openxmlformats.org/drawingml/2006/main" xmlns:r="http://schemas.openxmlformats.org/officeDocument/2006/relationships" xmlns:p="http://schemas.openxmlformats.org/presentationml/2006/main">
   <p:cSld>
     <p:spTree>
@@ -17258,7 +16541,7 @@
 </p:sld>
 </file>
 
-<file path=ppt/slides/slide35.xml><?xml version="1.0" encoding="utf-8"?>
+<file path=ppt/slides/slide34.xml><?xml version="1.0" encoding="utf-8"?>
 <p:sld xmlns:a="http://schemas.openxmlformats.org/drawingml/2006/main" xmlns:r="http://schemas.openxmlformats.org/officeDocument/2006/relationships" xmlns:p="http://schemas.openxmlformats.org/presentationml/2006/main">
   <p:cSld>
     <p:spTree>
@@ -17949,7 +17232,7 @@
 </p:sld>
 </file>
 
-<file path=ppt/slides/slide36.xml><?xml version="1.0" encoding="utf-8"?>
+<file path=ppt/slides/slide35.xml><?xml version="1.0" encoding="utf-8"?>
 <p:sld xmlns:a="http://schemas.openxmlformats.org/drawingml/2006/main" xmlns:r="http://schemas.openxmlformats.org/officeDocument/2006/relationships" xmlns:p="http://schemas.openxmlformats.org/presentationml/2006/main">
   <p:cSld>
     <p:bg>
@@ -18041,7 +17324,7 @@
 </p:sld>
 </file>
 
-<file path=ppt/slides/slide37.xml><?xml version="1.0" encoding="utf-8"?>
+<file path=ppt/slides/slide36.xml><?xml version="1.0" encoding="utf-8"?>
 <p:sld xmlns:a="http://schemas.openxmlformats.org/drawingml/2006/main" xmlns:r="http://schemas.openxmlformats.org/officeDocument/2006/relationships" xmlns:p="http://schemas.openxmlformats.org/presentationml/2006/main">
   <p:cSld>
     <p:spTree>
@@ -18676,7 +17959,7 @@
 </p:sld>
 </file>
 
-<file path=ppt/slides/slide38.xml><?xml version="1.0" encoding="utf-8"?>
+<file path=ppt/slides/slide37.xml><?xml version="1.0" encoding="utf-8"?>
 <p:sld xmlns:a="http://schemas.openxmlformats.org/drawingml/2006/main" xmlns:r="http://schemas.openxmlformats.org/officeDocument/2006/relationships" xmlns:p="http://schemas.openxmlformats.org/presentationml/2006/main">
   <p:cSld>
     <p:spTree>
@@ -19097,7 +18380,7 @@
 </p:sld>
 </file>
 
-<file path=ppt/slides/slide39.xml><?xml version="1.0" encoding="utf-8"?>
+<file path=ppt/slides/slide38.xml><?xml version="1.0" encoding="utf-8"?>
 <p:sld xmlns:a="http://schemas.openxmlformats.org/drawingml/2006/main" xmlns:r="http://schemas.openxmlformats.org/officeDocument/2006/relationships" xmlns:p="http://schemas.openxmlformats.org/presentationml/2006/main">
   <p:cSld>
     <p:spTree>
@@ -20197,392 +19480,7 @@
 </p:sld>
 </file>
 
-<file path=ppt/slides/slide4.xml><?xml version="1.0" encoding="utf-8"?>
-<p:sld xmlns:a="http://schemas.openxmlformats.org/drawingml/2006/main" xmlns:r="http://schemas.openxmlformats.org/officeDocument/2006/relationships" xmlns:p="http://schemas.openxmlformats.org/presentationml/2006/main">
-  <p:cSld>
-    <p:spTree>
-      <p:nvGrpSpPr>
-        <p:cNvPr id="1" name=""/>
-        <p:cNvGrpSpPr/>
-        <p:nvPr/>
-      </p:nvGrpSpPr>
-      <p:grpSpPr>
-        <a:xfrm>
-          <a:off x="0" y="0"/>
-          <a:ext cx="0" cy="0"/>
-          <a:chOff x="0" y="0"/>
-          <a:chExt cx="0" cy="0"/>
-        </a:xfrm>
-      </p:grpSpPr>
-      <p:sp>
-        <p:nvSpPr>
-          <p:cNvPr id="175" name="Google Shape;155;p29"/>
-          <p:cNvSpPr/>
-          <p:nvPr/>
-        </p:nvSpPr>
-        <p:spPr>
-          <a:xfrm>
-            <a:off x="357120" y="384840"/>
-            <a:ext cx="3171240" cy="344520"/>
-          </a:xfrm>
-          <a:prstGeom prst="rect">
-            <a:avLst/>
-          </a:prstGeom>
-          <a:noFill/>
-          <a:ln w="0">
-            <a:noFill/>
-          </a:ln>
-        </p:spPr>
-        <p:style>
-          <a:lnRef idx="0">
-            <a:scrgbClr r="0" g="0" b="0"/>
-          </a:lnRef>
-          <a:fillRef idx="0">
-            <a:scrgbClr r="0" g="0" b="0"/>
-          </a:fillRef>
-          <a:effectRef idx="0">
-            <a:scrgbClr r="0" g="0" b="0"/>
-          </a:effectRef>
-          <a:fontRef idx="minor"/>
-        </p:style>
-        <p:txBody>
-          <a:bodyPr lIns="68400" tIns="34200" rIns="68400" bIns="34200" anchor="t">
-            <a:noAutofit/>
-          </a:bodyPr>
-          <a:lstStyle/>
-          <a:p>
-            <a:pPr>
-              <a:lnSpc>
-                <a:spcPct val="100000"/>
-              </a:lnSpc>
-              <a:tabLst>
-                <a:tab pos="0" algn="l"/>
-              </a:tabLst>
-            </a:pPr>
-            <a:endParaRPr lang="en-GB" sz="1500" b="1" strike="noStrike" spc="-1">
-              <a:solidFill>
-                <a:srgbClr val="40E0D0"/>
-              </a:solidFill>
-              <a:latin typeface="Libre Franklin"/>
-              <a:ea typeface="Libre Franklin"/>
-            </a:endParaRPr>
-          </a:p>
-        </p:txBody>
-      </p:sp>
-      <p:sp>
-        <p:nvSpPr>
-          <p:cNvPr id="176" name="Google Shape;156;p29"/>
-          <p:cNvSpPr/>
-          <p:nvPr/>
-        </p:nvSpPr>
-        <p:spPr>
-          <a:xfrm>
-            <a:off x="421200" y="4722840"/>
-            <a:ext cx="5330880" cy="154080"/>
-          </a:xfrm>
-          <a:prstGeom prst="rect">
-            <a:avLst/>
-          </a:prstGeom>
-          <a:noFill/>
-          <a:ln w="0">
-            <a:noFill/>
-          </a:ln>
-        </p:spPr>
-        <p:style>
-          <a:lnRef idx="0">
-            <a:scrgbClr r="0" g="0" b="0"/>
-          </a:lnRef>
-          <a:fillRef idx="0">
-            <a:scrgbClr r="0" g="0" b="0"/>
-          </a:fillRef>
-          <a:effectRef idx="0">
-            <a:scrgbClr r="0" g="0" b="0"/>
-          </a:effectRef>
-          <a:fontRef idx="minor"/>
-        </p:style>
-        <p:txBody>
-          <a:bodyPr lIns="51480" tIns="25560" rIns="51480" bIns="25560" anchor="t">
-            <a:noAutofit/>
-          </a:bodyPr>
-          <a:lstStyle/>
-          <a:p>
-            <a:pPr>
-              <a:lnSpc>
-                <a:spcPct val="100000"/>
-              </a:lnSpc>
-              <a:tabLst>
-                <a:tab pos="0" algn="l"/>
-              </a:tabLst>
-            </a:pPr>
-            <a:r>
-              <a:rPr lang="hr-HR" sz="800" b="1" strike="noStrike" spc="-1">
-                <a:solidFill>
-                  <a:srgbClr val="0A323E"/>
-                </a:solidFill>
-                <a:latin typeface="Libre Franklin"/>
-                <a:ea typeface="Libre Franklin"/>
-              </a:rPr>
-              <a:t>Virtualization</a:t>
-            </a:r>
-            <a:endParaRPr lang="en-GB" sz="800" b="0" strike="noStrike" spc="-1">
-              <a:solidFill>
-                <a:srgbClr val="000000"/>
-              </a:solidFill>
-              <a:latin typeface="Arial"/>
-            </a:endParaRPr>
-          </a:p>
-        </p:txBody>
-      </p:sp>
-      <p:sp>
-        <p:nvSpPr>
-          <p:cNvPr id="177" name="Google Shape;157;p29"/>
-          <p:cNvSpPr/>
-          <p:nvPr/>
-        </p:nvSpPr>
-        <p:spPr>
-          <a:xfrm>
-            <a:off x="362160" y="1445400"/>
-            <a:ext cx="3328200" cy="713520"/>
-          </a:xfrm>
-          <a:prstGeom prst="rect">
-            <a:avLst/>
-          </a:prstGeom>
-          <a:noFill/>
-          <a:ln w="0">
-            <a:noFill/>
-          </a:ln>
-        </p:spPr>
-        <p:style>
-          <a:lnRef idx="0">
-            <a:scrgbClr r="0" g="0" b="0"/>
-          </a:lnRef>
-          <a:fillRef idx="0">
-            <a:scrgbClr r="0" g="0" b="0"/>
-          </a:fillRef>
-          <a:effectRef idx="0">
-            <a:scrgbClr r="0" g="0" b="0"/>
-          </a:effectRef>
-          <a:fontRef idx="minor"/>
-        </p:style>
-        <p:txBody>
-          <a:bodyPr lIns="68400" tIns="34200" rIns="68400" bIns="34200" anchor="t">
-            <a:noAutofit/>
-          </a:bodyPr>
-          <a:lstStyle/>
-          <a:p>
-            <a:pPr>
-              <a:lnSpc>
-                <a:spcPct val="150000"/>
-              </a:lnSpc>
-              <a:tabLst>
-                <a:tab pos="0" algn="l"/>
-              </a:tabLst>
-            </a:pPr>
-            <a:r>
-              <a:rPr lang="en-GB" sz="1000" b="0" strike="noStrike" spc="-1">
-                <a:solidFill>
-                  <a:srgbClr val="0A323E"/>
-                </a:solidFill>
-                <a:latin typeface="Libre Franklin"/>
-                <a:ea typeface="Arial"/>
-              </a:rPr>
-              <a:t>Virtualization is the process of running a virtual instance of a computer system in a layer abstracted from the actual hardware.</a:t>
-            </a:r>
-            <a:endParaRPr lang="en-GB" sz="1000" b="0" strike="noStrike" spc="-1">
-              <a:solidFill>
-                <a:srgbClr val="000000"/>
-              </a:solidFill>
-              <a:latin typeface="Arial"/>
-            </a:endParaRPr>
-          </a:p>
-          <a:p>
-            <a:pPr>
-              <a:lnSpc>
-                <a:spcPct val="150000"/>
-              </a:lnSpc>
-              <a:tabLst>
-                <a:tab pos="0" algn="l"/>
-              </a:tabLst>
-            </a:pPr>
-            <a:endParaRPr lang="en-GB" sz="1000" b="0" strike="noStrike" spc="-1">
-              <a:solidFill>
-                <a:srgbClr val="000000"/>
-              </a:solidFill>
-              <a:latin typeface="Arial"/>
-            </a:endParaRPr>
-          </a:p>
-          <a:p>
-            <a:pPr>
-              <a:lnSpc>
-                <a:spcPct val="150000"/>
-              </a:lnSpc>
-              <a:tabLst>
-                <a:tab pos="0" algn="l"/>
-              </a:tabLst>
-            </a:pPr>
-            <a:r>
-              <a:rPr lang="en-GB" sz="1000" b="0" strike="noStrike" spc="-1">
-                <a:solidFill>
-                  <a:srgbClr val="0A323E"/>
-                </a:solidFill>
-                <a:latin typeface="Libre Franklin"/>
-                <a:ea typeface="Arial"/>
-              </a:rPr>
-              <a:t>Distributing a machines physical capabilities among different users and environments</a:t>
-            </a:r>
-            <a:endParaRPr lang="en-GB" sz="1000" b="0" strike="noStrike" spc="-1">
-              <a:solidFill>
-                <a:srgbClr val="000000"/>
-              </a:solidFill>
-              <a:latin typeface="Arial"/>
-            </a:endParaRPr>
-          </a:p>
-          <a:p>
-            <a:pPr>
-              <a:lnSpc>
-                <a:spcPct val="150000"/>
-              </a:lnSpc>
-              <a:tabLst>
-                <a:tab pos="0" algn="l"/>
-              </a:tabLst>
-            </a:pPr>
-            <a:endParaRPr lang="en-GB" sz="1000" b="0" strike="noStrike" spc="-1">
-              <a:solidFill>
-                <a:srgbClr val="000000"/>
-              </a:solidFill>
-              <a:latin typeface="Arial"/>
-            </a:endParaRPr>
-          </a:p>
-          <a:p>
-            <a:pPr>
-              <a:lnSpc>
-                <a:spcPct val="150000"/>
-              </a:lnSpc>
-              <a:tabLst>
-                <a:tab pos="0" algn="l"/>
-              </a:tabLst>
-            </a:pPr>
-            <a:endParaRPr lang="en-GB" sz="1000" b="0" strike="noStrike" spc="-1">
-              <a:solidFill>
-                <a:srgbClr val="000000"/>
-              </a:solidFill>
-              <a:latin typeface="Arial"/>
-            </a:endParaRPr>
-          </a:p>
-          <a:p>
-            <a:pPr>
-              <a:lnSpc>
-                <a:spcPct val="150000"/>
-              </a:lnSpc>
-              <a:tabLst>
-                <a:tab pos="0" algn="l"/>
-              </a:tabLst>
-            </a:pPr>
-            <a:endParaRPr lang="en-GB" sz="1000" b="0" strike="noStrike" spc="-1">
-              <a:solidFill>
-                <a:srgbClr val="000000"/>
-              </a:solidFill>
-              <a:latin typeface="Arial"/>
-            </a:endParaRPr>
-          </a:p>
-        </p:txBody>
-      </p:sp>
-      <p:pic>
-        <p:nvPicPr>
-          <p:cNvPr id="178" name="Picture 177"/>
-          <p:cNvPicPr/>
-          <p:nvPr/>
-        </p:nvPicPr>
-        <p:blipFill>
-          <a:blip r:embed="rId2"/>
-          <a:stretch/>
-        </p:blipFill>
-        <p:spPr>
-          <a:xfrm>
-            <a:off x="3960720" y="1260000"/>
-            <a:ext cx="4858200" cy="2465640"/>
-          </a:xfrm>
-          <a:prstGeom prst="rect">
-            <a:avLst/>
-          </a:prstGeom>
-          <a:ln w="0">
-            <a:noFill/>
-          </a:ln>
-        </p:spPr>
-      </p:pic>
-      <p:sp>
-        <p:nvSpPr>
-          <p:cNvPr id="179" name="Google Shape;163;p 1"/>
-          <p:cNvSpPr/>
-          <p:nvPr/>
-        </p:nvSpPr>
-        <p:spPr>
-          <a:xfrm>
-            <a:off x="357120" y="879120"/>
-            <a:ext cx="3171240" cy="344520"/>
-          </a:xfrm>
-          <a:prstGeom prst="rect">
-            <a:avLst/>
-          </a:prstGeom>
-          <a:noFill/>
-          <a:ln w="0">
-            <a:noFill/>
-          </a:ln>
-        </p:spPr>
-        <p:style>
-          <a:lnRef idx="0">
-            <a:scrgbClr r="0" g="0" b="0"/>
-          </a:lnRef>
-          <a:fillRef idx="0">
-            <a:scrgbClr r="0" g="0" b="0"/>
-          </a:fillRef>
-          <a:effectRef idx="0">
-            <a:scrgbClr r="0" g="0" b="0"/>
-          </a:effectRef>
-          <a:fontRef idx="minor"/>
-        </p:style>
-        <p:txBody>
-          <a:bodyPr lIns="68400" tIns="34200" rIns="68400" bIns="34200" anchor="t">
-            <a:noAutofit/>
-          </a:bodyPr>
-          <a:lstStyle/>
-          <a:p>
-            <a:pPr>
-              <a:lnSpc>
-                <a:spcPct val="100000"/>
-              </a:lnSpc>
-              <a:tabLst>
-                <a:tab pos="0" algn="l"/>
-              </a:tabLst>
-            </a:pPr>
-            <a:r>
-              <a:rPr lang="hr-HR" sz="1500" b="1" strike="noStrike" spc="-1">
-                <a:solidFill>
-                  <a:srgbClr val="C9211E"/>
-                </a:solidFill>
-                <a:latin typeface="Libre Franklin"/>
-                <a:ea typeface="Libre Franklin"/>
-              </a:rPr>
-              <a:t>Virtualization</a:t>
-            </a:r>
-            <a:endParaRPr lang="en-GB" sz="1500" b="0" strike="noStrike" spc="-1">
-              <a:solidFill>
-                <a:srgbClr val="000000"/>
-              </a:solidFill>
-              <a:latin typeface="Arial"/>
-            </a:endParaRPr>
-          </a:p>
-        </p:txBody>
-      </p:sp>
-    </p:spTree>
-  </p:cSld>
-  <p:clrMapOvr>
-    <a:masterClrMapping/>
-  </p:clrMapOvr>
-</p:sld>
-</file>
-
-<file path=ppt/slides/slide40.xml><?xml version="1.0" encoding="utf-8"?>
+<file path=ppt/slides/slide39.xml><?xml version="1.0" encoding="utf-8"?>
 <p:sld xmlns:a="http://schemas.openxmlformats.org/drawingml/2006/main" xmlns:r="http://schemas.openxmlformats.org/officeDocument/2006/relationships" xmlns:p="http://schemas.openxmlformats.org/presentationml/2006/main">
   <p:cSld>
     <p:spTree>
@@ -21284,7 +20182,392 @@
 </p:sld>
 </file>
 
-<file path=ppt/slides/slide41.xml><?xml version="1.0" encoding="utf-8"?>
+<file path=ppt/slides/slide4.xml><?xml version="1.0" encoding="utf-8"?>
+<p:sld xmlns:a="http://schemas.openxmlformats.org/drawingml/2006/main" xmlns:r="http://schemas.openxmlformats.org/officeDocument/2006/relationships" xmlns:p="http://schemas.openxmlformats.org/presentationml/2006/main">
+  <p:cSld>
+    <p:spTree>
+      <p:nvGrpSpPr>
+        <p:cNvPr id="1" name=""/>
+        <p:cNvGrpSpPr/>
+        <p:nvPr/>
+      </p:nvGrpSpPr>
+      <p:grpSpPr>
+        <a:xfrm>
+          <a:off x="0" y="0"/>
+          <a:ext cx="0" cy="0"/>
+          <a:chOff x="0" y="0"/>
+          <a:chExt cx="0" cy="0"/>
+        </a:xfrm>
+      </p:grpSpPr>
+      <p:sp>
+        <p:nvSpPr>
+          <p:cNvPr id="175" name="Google Shape;155;p29"/>
+          <p:cNvSpPr/>
+          <p:nvPr/>
+        </p:nvSpPr>
+        <p:spPr>
+          <a:xfrm>
+            <a:off x="357120" y="384840"/>
+            <a:ext cx="3171240" cy="344520"/>
+          </a:xfrm>
+          <a:prstGeom prst="rect">
+            <a:avLst/>
+          </a:prstGeom>
+          <a:noFill/>
+          <a:ln w="0">
+            <a:noFill/>
+          </a:ln>
+        </p:spPr>
+        <p:style>
+          <a:lnRef idx="0">
+            <a:scrgbClr r="0" g="0" b="0"/>
+          </a:lnRef>
+          <a:fillRef idx="0">
+            <a:scrgbClr r="0" g="0" b="0"/>
+          </a:fillRef>
+          <a:effectRef idx="0">
+            <a:scrgbClr r="0" g="0" b="0"/>
+          </a:effectRef>
+          <a:fontRef idx="minor"/>
+        </p:style>
+        <p:txBody>
+          <a:bodyPr lIns="68400" tIns="34200" rIns="68400" bIns="34200" anchor="t">
+            <a:noAutofit/>
+          </a:bodyPr>
+          <a:lstStyle/>
+          <a:p>
+            <a:pPr>
+              <a:lnSpc>
+                <a:spcPct val="100000"/>
+              </a:lnSpc>
+              <a:tabLst>
+                <a:tab pos="0" algn="l"/>
+              </a:tabLst>
+            </a:pPr>
+            <a:endParaRPr lang="en-GB" sz="1500" b="1" strike="noStrike" spc="-1">
+              <a:solidFill>
+                <a:srgbClr val="40E0D0"/>
+              </a:solidFill>
+              <a:latin typeface="Libre Franklin"/>
+              <a:ea typeface="Libre Franklin"/>
+            </a:endParaRPr>
+          </a:p>
+        </p:txBody>
+      </p:sp>
+      <p:sp>
+        <p:nvSpPr>
+          <p:cNvPr id="176" name="Google Shape;156;p29"/>
+          <p:cNvSpPr/>
+          <p:nvPr/>
+        </p:nvSpPr>
+        <p:spPr>
+          <a:xfrm>
+            <a:off x="421200" y="4722840"/>
+            <a:ext cx="5330880" cy="154080"/>
+          </a:xfrm>
+          <a:prstGeom prst="rect">
+            <a:avLst/>
+          </a:prstGeom>
+          <a:noFill/>
+          <a:ln w="0">
+            <a:noFill/>
+          </a:ln>
+        </p:spPr>
+        <p:style>
+          <a:lnRef idx="0">
+            <a:scrgbClr r="0" g="0" b="0"/>
+          </a:lnRef>
+          <a:fillRef idx="0">
+            <a:scrgbClr r="0" g="0" b="0"/>
+          </a:fillRef>
+          <a:effectRef idx="0">
+            <a:scrgbClr r="0" g="0" b="0"/>
+          </a:effectRef>
+          <a:fontRef idx="minor"/>
+        </p:style>
+        <p:txBody>
+          <a:bodyPr lIns="51480" tIns="25560" rIns="51480" bIns="25560" anchor="t">
+            <a:noAutofit/>
+          </a:bodyPr>
+          <a:lstStyle/>
+          <a:p>
+            <a:pPr>
+              <a:lnSpc>
+                <a:spcPct val="100000"/>
+              </a:lnSpc>
+              <a:tabLst>
+                <a:tab pos="0" algn="l"/>
+              </a:tabLst>
+            </a:pPr>
+            <a:r>
+              <a:rPr lang="hr-HR" sz="800" b="1" strike="noStrike" spc="-1">
+                <a:solidFill>
+                  <a:srgbClr val="0A323E"/>
+                </a:solidFill>
+                <a:latin typeface="Libre Franklin"/>
+                <a:ea typeface="Libre Franklin"/>
+              </a:rPr>
+              <a:t>Virtualization</a:t>
+            </a:r>
+            <a:endParaRPr lang="en-GB" sz="800" b="0" strike="noStrike" spc="-1">
+              <a:solidFill>
+                <a:srgbClr val="000000"/>
+              </a:solidFill>
+              <a:latin typeface="Arial"/>
+            </a:endParaRPr>
+          </a:p>
+        </p:txBody>
+      </p:sp>
+      <p:sp>
+        <p:nvSpPr>
+          <p:cNvPr id="177" name="Google Shape;157;p29"/>
+          <p:cNvSpPr/>
+          <p:nvPr/>
+        </p:nvSpPr>
+        <p:spPr>
+          <a:xfrm>
+            <a:off x="362160" y="1445400"/>
+            <a:ext cx="3328200" cy="713520"/>
+          </a:xfrm>
+          <a:prstGeom prst="rect">
+            <a:avLst/>
+          </a:prstGeom>
+          <a:noFill/>
+          <a:ln w="0">
+            <a:noFill/>
+          </a:ln>
+        </p:spPr>
+        <p:style>
+          <a:lnRef idx="0">
+            <a:scrgbClr r="0" g="0" b="0"/>
+          </a:lnRef>
+          <a:fillRef idx="0">
+            <a:scrgbClr r="0" g="0" b="0"/>
+          </a:fillRef>
+          <a:effectRef idx="0">
+            <a:scrgbClr r="0" g="0" b="0"/>
+          </a:effectRef>
+          <a:fontRef idx="minor"/>
+        </p:style>
+        <p:txBody>
+          <a:bodyPr lIns="68400" tIns="34200" rIns="68400" bIns="34200" anchor="t">
+            <a:noAutofit/>
+          </a:bodyPr>
+          <a:lstStyle/>
+          <a:p>
+            <a:pPr>
+              <a:lnSpc>
+                <a:spcPct val="150000"/>
+              </a:lnSpc>
+              <a:tabLst>
+                <a:tab pos="0" algn="l"/>
+              </a:tabLst>
+            </a:pPr>
+            <a:r>
+              <a:rPr lang="en-GB" sz="1000" b="0" strike="noStrike" spc="-1">
+                <a:solidFill>
+                  <a:srgbClr val="0A323E"/>
+                </a:solidFill>
+                <a:latin typeface="Libre Franklin"/>
+                <a:ea typeface="Arial"/>
+              </a:rPr>
+              <a:t>Virtualization is the process of running a virtual instance of a computer system in a layer abstracted from the actual hardware.</a:t>
+            </a:r>
+            <a:endParaRPr lang="en-GB" sz="1000" b="0" strike="noStrike" spc="-1">
+              <a:solidFill>
+                <a:srgbClr val="000000"/>
+              </a:solidFill>
+              <a:latin typeface="Arial"/>
+            </a:endParaRPr>
+          </a:p>
+          <a:p>
+            <a:pPr>
+              <a:lnSpc>
+                <a:spcPct val="150000"/>
+              </a:lnSpc>
+              <a:tabLst>
+                <a:tab pos="0" algn="l"/>
+              </a:tabLst>
+            </a:pPr>
+            <a:endParaRPr lang="en-GB" sz="1000" b="0" strike="noStrike" spc="-1">
+              <a:solidFill>
+                <a:srgbClr val="000000"/>
+              </a:solidFill>
+              <a:latin typeface="Arial"/>
+            </a:endParaRPr>
+          </a:p>
+          <a:p>
+            <a:pPr>
+              <a:lnSpc>
+                <a:spcPct val="150000"/>
+              </a:lnSpc>
+              <a:tabLst>
+                <a:tab pos="0" algn="l"/>
+              </a:tabLst>
+            </a:pPr>
+            <a:r>
+              <a:rPr lang="en-GB" sz="1000" b="0" strike="noStrike" spc="-1">
+                <a:solidFill>
+                  <a:srgbClr val="0A323E"/>
+                </a:solidFill>
+                <a:latin typeface="Libre Franklin"/>
+                <a:ea typeface="Arial"/>
+              </a:rPr>
+              <a:t>Distributing a machines physical capabilities among different users and environments</a:t>
+            </a:r>
+            <a:endParaRPr lang="en-GB" sz="1000" b="0" strike="noStrike" spc="-1">
+              <a:solidFill>
+                <a:srgbClr val="000000"/>
+              </a:solidFill>
+              <a:latin typeface="Arial"/>
+            </a:endParaRPr>
+          </a:p>
+          <a:p>
+            <a:pPr>
+              <a:lnSpc>
+                <a:spcPct val="150000"/>
+              </a:lnSpc>
+              <a:tabLst>
+                <a:tab pos="0" algn="l"/>
+              </a:tabLst>
+            </a:pPr>
+            <a:endParaRPr lang="en-GB" sz="1000" b="0" strike="noStrike" spc="-1">
+              <a:solidFill>
+                <a:srgbClr val="000000"/>
+              </a:solidFill>
+              <a:latin typeface="Arial"/>
+            </a:endParaRPr>
+          </a:p>
+          <a:p>
+            <a:pPr>
+              <a:lnSpc>
+                <a:spcPct val="150000"/>
+              </a:lnSpc>
+              <a:tabLst>
+                <a:tab pos="0" algn="l"/>
+              </a:tabLst>
+            </a:pPr>
+            <a:endParaRPr lang="en-GB" sz="1000" b="0" strike="noStrike" spc="-1">
+              <a:solidFill>
+                <a:srgbClr val="000000"/>
+              </a:solidFill>
+              <a:latin typeface="Arial"/>
+            </a:endParaRPr>
+          </a:p>
+          <a:p>
+            <a:pPr>
+              <a:lnSpc>
+                <a:spcPct val="150000"/>
+              </a:lnSpc>
+              <a:tabLst>
+                <a:tab pos="0" algn="l"/>
+              </a:tabLst>
+            </a:pPr>
+            <a:endParaRPr lang="en-GB" sz="1000" b="0" strike="noStrike" spc="-1">
+              <a:solidFill>
+                <a:srgbClr val="000000"/>
+              </a:solidFill>
+              <a:latin typeface="Arial"/>
+            </a:endParaRPr>
+          </a:p>
+        </p:txBody>
+      </p:sp>
+      <p:pic>
+        <p:nvPicPr>
+          <p:cNvPr id="178" name="Picture 177"/>
+          <p:cNvPicPr/>
+          <p:nvPr/>
+        </p:nvPicPr>
+        <p:blipFill>
+          <a:blip r:embed="rId2"/>
+          <a:stretch/>
+        </p:blipFill>
+        <p:spPr>
+          <a:xfrm>
+            <a:off x="3960720" y="1260000"/>
+            <a:ext cx="4858200" cy="2465640"/>
+          </a:xfrm>
+          <a:prstGeom prst="rect">
+            <a:avLst/>
+          </a:prstGeom>
+          <a:ln w="0">
+            <a:noFill/>
+          </a:ln>
+        </p:spPr>
+      </p:pic>
+      <p:sp>
+        <p:nvSpPr>
+          <p:cNvPr id="179" name="Google Shape;163;p 1"/>
+          <p:cNvSpPr/>
+          <p:nvPr/>
+        </p:nvSpPr>
+        <p:spPr>
+          <a:xfrm>
+            <a:off x="357120" y="879120"/>
+            <a:ext cx="3171240" cy="344520"/>
+          </a:xfrm>
+          <a:prstGeom prst="rect">
+            <a:avLst/>
+          </a:prstGeom>
+          <a:noFill/>
+          <a:ln w="0">
+            <a:noFill/>
+          </a:ln>
+        </p:spPr>
+        <p:style>
+          <a:lnRef idx="0">
+            <a:scrgbClr r="0" g="0" b="0"/>
+          </a:lnRef>
+          <a:fillRef idx="0">
+            <a:scrgbClr r="0" g="0" b="0"/>
+          </a:fillRef>
+          <a:effectRef idx="0">
+            <a:scrgbClr r="0" g="0" b="0"/>
+          </a:effectRef>
+          <a:fontRef idx="minor"/>
+        </p:style>
+        <p:txBody>
+          <a:bodyPr lIns="68400" tIns="34200" rIns="68400" bIns="34200" anchor="t">
+            <a:noAutofit/>
+          </a:bodyPr>
+          <a:lstStyle/>
+          <a:p>
+            <a:pPr>
+              <a:lnSpc>
+                <a:spcPct val="100000"/>
+              </a:lnSpc>
+              <a:tabLst>
+                <a:tab pos="0" algn="l"/>
+              </a:tabLst>
+            </a:pPr>
+            <a:r>
+              <a:rPr lang="hr-HR" sz="1500" b="1" strike="noStrike" spc="-1">
+                <a:solidFill>
+                  <a:srgbClr val="C9211E"/>
+                </a:solidFill>
+                <a:latin typeface="Libre Franklin"/>
+                <a:ea typeface="Libre Franklin"/>
+              </a:rPr>
+              <a:t>Virtualization</a:t>
+            </a:r>
+            <a:endParaRPr lang="en-GB" sz="1500" b="0" strike="noStrike" spc="-1">
+              <a:solidFill>
+                <a:srgbClr val="000000"/>
+              </a:solidFill>
+              <a:latin typeface="Arial"/>
+            </a:endParaRPr>
+          </a:p>
+        </p:txBody>
+      </p:sp>
+    </p:spTree>
+  </p:cSld>
+  <p:clrMapOvr>
+    <a:masterClrMapping/>
+  </p:clrMapOvr>
+</p:sld>
+</file>
+
+<file path=ppt/slides/slide40.xml><?xml version="1.0" encoding="utf-8"?>
 <p:sld xmlns:a="http://schemas.openxmlformats.org/drawingml/2006/main" xmlns:r="http://schemas.openxmlformats.org/officeDocument/2006/relationships" xmlns:p="http://schemas.openxmlformats.org/presentationml/2006/main">
   <p:cSld>
     <p:spTree>
@@ -21733,7 +21016,7 @@
 </p:sld>
 </file>
 
-<file path=ppt/slides/slide42.xml><?xml version="1.0" encoding="utf-8"?>
+<file path=ppt/slides/slide41.xml><?xml version="1.0" encoding="utf-8"?>
 <p:sld xmlns:a="http://schemas.openxmlformats.org/drawingml/2006/main" xmlns:r="http://schemas.openxmlformats.org/officeDocument/2006/relationships" xmlns:p="http://schemas.openxmlformats.org/presentationml/2006/main">
   <p:cSld>
     <p:spTree>
@@ -22595,7 +21878,7 @@
 </p:sld>
 </file>
 
-<file path=ppt/slides/slide43.xml><?xml version="1.0" encoding="utf-8"?>
+<file path=ppt/slides/slide42.xml><?xml version="1.0" encoding="utf-8"?>
 <p:sld xmlns:a="http://schemas.openxmlformats.org/drawingml/2006/main" xmlns:r="http://schemas.openxmlformats.org/officeDocument/2006/relationships" xmlns:p="http://schemas.openxmlformats.org/presentationml/2006/main">
   <p:cSld>
     <p:spTree>
@@ -23565,7 +22848,7 @@
 </p:sld>
 </file>
 
-<file path=ppt/slides/slide44.xml><?xml version="1.0" encoding="utf-8"?>
+<file path=ppt/slides/slide43.xml><?xml version="1.0" encoding="utf-8"?>
 <p:sld xmlns:a="http://schemas.openxmlformats.org/drawingml/2006/main" xmlns:r="http://schemas.openxmlformats.org/officeDocument/2006/relationships" xmlns:p="http://schemas.openxmlformats.org/presentationml/2006/main">
   <p:cSld>
     <p:bg>
@@ -23657,7 +22940,7 @@
 </p:sld>
 </file>
 
-<file path=ppt/slides/slide45.xml><?xml version="1.0" encoding="utf-8"?>
+<file path=ppt/slides/slide44.xml><?xml version="1.0" encoding="utf-8"?>
 <p:sld xmlns:a="http://schemas.openxmlformats.org/drawingml/2006/main" xmlns:r="http://schemas.openxmlformats.org/officeDocument/2006/relationships" xmlns:p="http://schemas.openxmlformats.org/presentationml/2006/main">
   <p:cSld>
     <p:spTree>
@@ -24292,7 +23575,7 @@
 </p:sld>
 </file>
 
-<file path=ppt/slides/slide46.xml><?xml version="1.0" encoding="utf-8"?>
+<file path=ppt/slides/slide45.xml><?xml version="1.0" encoding="utf-8"?>
 <p:sld xmlns:a="http://schemas.openxmlformats.org/drawingml/2006/main" xmlns:r="http://schemas.openxmlformats.org/officeDocument/2006/relationships" xmlns:p="http://schemas.openxmlformats.org/presentationml/2006/main">
   <p:cSld>
     <p:spTree>
@@ -25228,7 +24511,7 @@
 </p:sld>
 </file>
 
-<file path=ppt/slides/slide47.xml><?xml version="1.0" encoding="utf-8"?>
+<file path=ppt/slides/slide46.xml><?xml version="1.0" encoding="utf-8"?>
 <p:sld xmlns:a="http://schemas.openxmlformats.org/drawingml/2006/main" xmlns:r="http://schemas.openxmlformats.org/officeDocument/2006/relationships" xmlns:p="http://schemas.openxmlformats.org/presentationml/2006/main">
   <p:cSld>
     <p:spTree>
@@ -26390,7 +25673,1170 @@
 </p:sld>
 </file>
 
+<file path=ppt/slides/slide47.xml><?xml version="1.0" encoding="utf-8"?>
+<p:sld xmlns:a="http://schemas.openxmlformats.org/drawingml/2006/main" xmlns:r="http://schemas.openxmlformats.org/officeDocument/2006/relationships" xmlns:p="http://schemas.openxmlformats.org/presentationml/2006/main">
+  <p:cSld>
+    <p:bg>
+      <p:bgPr>
+        <a:solidFill>
+          <a:schemeClr val="accent4">
+            <a:lumMod val="75000"/>
+          </a:schemeClr>
+        </a:solidFill>
+        <a:effectLst/>
+      </p:bgPr>
+    </p:bg>
+    <p:spTree>
+      <p:nvGrpSpPr>
+        <p:cNvPr id="1" name="">
+          <a:extLst>
+            <a:ext uri="{FF2B5EF4-FFF2-40B4-BE49-F238E27FC236}">
+              <a16:creationId xmlns:a16="http://schemas.microsoft.com/office/drawing/2014/main" id="{3A500224-DBEA-4504-CF18-B1A8741A611C}"/>
+            </a:ext>
+          </a:extLst>
+        </p:cNvPr>
+        <p:cNvGrpSpPr/>
+        <p:nvPr/>
+      </p:nvGrpSpPr>
+      <p:grpSpPr>
+        <a:xfrm>
+          <a:off x="0" y="0"/>
+          <a:ext cx="0" cy="0"/>
+          <a:chOff x="0" y="0"/>
+          <a:chExt cx="0" cy="0"/>
+        </a:xfrm>
+      </p:grpSpPr>
+      <p:sp>
+        <p:nvSpPr>
+          <p:cNvPr id="391" name="PlaceHolder 1">
+            <a:extLst>
+              <a:ext uri="{FF2B5EF4-FFF2-40B4-BE49-F238E27FC236}">
+                <a16:creationId xmlns:a16="http://schemas.microsoft.com/office/drawing/2014/main" id="{20883A17-9DD6-E92A-2E2E-6F9A97AEA3C6}"/>
+              </a:ext>
+            </a:extLst>
+          </p:cNvPr>
+          <p:cNvSpPr>
+            <a:spLocks noGrp="1"/>
+          </p:cNvSpPr>
+          <p:nvPr>
+            <p:ph type="title"/>
+          </p:nvPr>
+        </p:nvSpPr>
+        <p:spPr>
+          <a:xfrm>
+            <a:off x="3438397" y="2105137"/>
+            <a:ext cx="5261040" cy="1438920"/>
+          </a:xfrm>
+          <a:prstGeom prst="rect">
+            <a:avLst/>
+          </a:prstGeom>
+          <a:noFill/>
+          <a:ln w="0">
+            <a:noFill/>
+          </a:ln>
+        </p:spPr>
+        <p:txBody>
+          <a:bodyPr lIns="68400" tIns="34200" rIns="68400" bIns="34200" anchor="b">
+            <a:normAutofit/>
+          </a:bodyPr>
+          <a:lstStyle/>
+          <a:p>
+            <a:pPr>
+              <a:lnSpc>
+                <a:spcPct val="100000"/>
+              </a:lnSpc>
+              <a:tabLst>
+                <a:tab pos="0" algn="l"/>
+              </a:tabLst>
+            </a:pPr>
+            <a:r>
+              <a:rPr lang="hr-HR" b="1" spc="-1" dirty="0" err="1">
+                <a:solidFill>
+                  <a:schemeClr val="lt1"/>
+                </a:solidFill>
+                <a:latin typeface="Libre Franklin"/>
+              </a:rPr>
+              <a:t>Podman</a:t>
+            </a:r>
+            <a:r>
+              <a:rPr lang="hr-HR" b="1" spc="-1" dirty="0">
+                <a:solidFill>
+                  <a:schemeClr val="lt1"/>
+                </a:solidFill>
+                <a:latin typeface="Libre Franklin"/>
+              </a:rPr>
+              <a:t> </a:t>
+            </a:r>
+            <a:r>
+              <a:rPr lang="hr-HR" b="1" spc="-1" dirty="0" err="1">
+                <a:solidFill>
+                  <a:schemeClr val="lt1"/>
+                </a:solidFill>
+                <a:latin typeface="Libre Franklin"/>
+              </a:rPr>
+              <a:t>compose</a:t>
+            </a:r>
+            <a:endParaRPr lang="en-US" dirty="0" err="1">
+              <a:solidFill>
+                <a:schemeClr val="lt1"/>
+              </a:solidFill>
+            </a:endParaRPr>
+          </a:p>
+        </p:txBody>
+      </p:sp>
+    </p:spTree>
+    <p:extLst>
+      <p:ext uri="{BB962C8B-B14F-4D97-AF65-F5344CB8AC3E}">
+        <p14:creationId xmlns:p14="http://schemas.microsoft.com/office/powerpoint/2010/main" val="3103395832"/>
+      </p:ext>
+    </p:extLst>
+  </p:cSld>
+  <p:clrMapOvr>
+    <a:masterClrMapping/>
+  </p:clrMapOvr>
+</p:sld>
+</file>
+
 <file path=ppt/slides/slide48.xml><?xml version="1.0" encoding="utf-8"?>
+<p:sld xmlns:a="http://schemas.openxmlformats.org/drawingml/2006/main" xmlns:r="http://schemas.openxmlformats.org/officeDocument/2006/relationships" xmlns:p="http://schemas.openxmlformats.org/presentationml/2006/main">
+  <p:cSld>
+    <p:spTree>
+      <p:nvGrpSpPr>
+        <p:cNvPr id="1" name="">
+          <a:extLst>
+            <a:ext uri="{FF2B5EF4-FFF2-40B4-BE49-F238E27FC236}">
+              <a16:creationId xmlns:a16="http://schemas.microsoft.com/office/drawing/2014/main" id="{BCF022B7-1D1A-7017-1759-1E0A263059A7}"/>
+            </a:ext>
+          </a:extLst>
+        </p:cNvPr>
+        <p:cNvGrpSpPr/>
+        <p:nvPr/>
+      </p:nvGrpSpPr>
+      <p:grpSpPr>
+        <a:xfrm>
+          <a:off x="0" y="0"/>
+          <a:ext cx="0" cy="0"/>
+          <a:chOff x="0" y="0"/>
+          <a:chExt cx="0" cy="0"/>
+        </a:xfrm>
+      </p:grpSpPr>
+      <p:sp>
+        <p:nvSpPr>
+          <p:cNvPr id="398" name="Google Shape;155;p 8">
+            <a:extLst>
+              <a:ext uri="{FF2B5EF4-FFF2-40B4-BE49-F238E27FC236}">
+                <a16:creationId xmlns:a16="http://schemas.microsoft.com/office/drawing/2014/main" id="{043F8164-2E6C-608B-6BA2-42D90512AC45}"/>
+              </a:ext>
+            </a:extLst>
+          </p:cNvPr>
+          <p:cNvSpPr/>
+          <p:nvPr/>
+        </p:nvSpPr>
+        <p:spPr>
+          <a:xfrm>
+            <a:off x="357120" y="384840"/>
+            <a:ext cx="3171240" cy="344520"/>
+          </a:xfrm>
+          <a:prstGeom prst="rect">
+            <a:avLst/>
+          </a:prstGeom>
+          <a:noFill/>
+          <a:ln w="0">
+            <a:noFill/>
+          </a:ln>
+        </p:spPr>
+        <p:style>
+          <a:lnRef idx="0">
+            <a:scrgbClr r="0" g="0" b="0"/>
+          </a:lnRef>
+          <a:fillRef idx="0">
+            <a:scrgbClr r="0" g="0" b="0"/>
+          </a:fillRef>
+          <a:effectRef idx="0">
+            <a:scrgbClr r="0" g="0" b="0"/>
+          </a:effectRef>
+          <a:fontRef idx="minor"/>
+        </p:style>
+        <p:txBody>
+          <a:bodyPr lIns="68400" tIns="34200" rIns="68400" bIns="34200" anchor="t">
+            <a:noAutofit/>
+          </a:bodyPr>
+          <a:lstStyle/>
+          <a:p>
+            <a:pPr>
+              <a:lnSpc>
+                <a:spcPct val="100000"/>
+              </a:lnSpc>
+            </a:pPr>
+            <a:endParaRPr lang="en-GB" sz="1500" b="1" strike="noStrike" spc="-1">
+              <a:solidFill>
+                <a:srgbClr val="40E0D0"/>
+              </a:solidFill>
+              <a:latin typeface="Libre Franklin"/>
+              <a:ea typeface="Libre Franklin"/>
+            </a:endParaRPr>
+          </a:p>
+        </p:txBody>
+      </p:sp>
+      <p:sp>
+        <p:nvSpPr>
+          <p:cNvPr id="399" name="Google Shape;156;p 8">
+            <a:extLst>
+              <a:ext uri="{FF2B5EF4-FFF2-40B4-BE49-F238E27FC236}">
+                <a16:creationId xmlns:a16="http://schemas.microsoft.com/office/drawing/2014/main" id="{CB56CE34-A2F0-BA2F-E57F-27937815A39C}"/>
+              </a:ext>
+            </a:extLst>
+          </p:cNvPr>
+          <p:cNvSpPr/>
+          <p:nvPr/>
+        </p:nvSpPr>
+        <p:spPr>
+          <a:xfrm>
+            <a:off x="421200" y="4722840"/>
+            <a:ext cx="5330880" cy="154080"/>
+          </a:xfrm>
+          <a:prstGeom prst="rect">
+            <a:avLst/>
+          </a:prstGeom>
+          <a:noFill/>
+          <a:ln w="0">
+            <a:noFill/>
+          </a:ln>
+        </p:spPr>
+        <p:style>
+          <a:lnRef idx="0">
+            <a:scrgbClr r="0" g="0" b="0"/>
+          </a:lnRef>
+          <a:fillRef idx="0">
+            <a:scrgbClr r="0" g="0" b="0"/>
+          </a:fillRef>
+          <a:effectRef idx="0">
+            <a:scrgbClr r="0" g="0" b="0"/>
+          </a:effectRef>
+          <a:fontRef idx="minor"/>
+        </p:style>
+        <p:txBody>
+          <a:bodyPr lIns="51480" tIns="25560" rIns="51480" bIns="25560" anchor="t">
+            <a:noAutofit/>
+          </a:bodyPr>
+          <a:lstStyle/>
+          <a:p>
+            <a:pPr>
+              <a:lnSpc>
+                <a:spcPct val="100000"/>
+              </a:lnSpc>
+              <a:tabLst>
+                <a:tab pos="0" algn="l"/>
+              </a:tabLst>
+            </a:pPr>
+            <a:r>
+              <a:rPr lang="hr-HR" sz="800" b="1" strike="noStrike" spc="-1">
+                <a:solidFill>
+                  <a:srgbClr val="0A323E"/>
+                </a:solidFill>
+                <a:latin typeface="Libre Franklin"/>
+                <a:ea typeface="Libre Franklin"/>
+              </a:rPr>
+              <a:t>Cloud-native development</a:t>
+            </a:r>
+            <a:endParaRPr lang="en-GB" sz="800" b="0" strike="noStrike" spc="-1">
+              <a:solidFill>
+                <a:srgbClr val="000000"/>
+              </a:solidFill>
+              <a:latin typeface="Arial"/>
+            </a:endParaRPr>
+          </a:p>
+        </p:txBody>
+      </p:sp>
+      <p:sp>
+        <p:nvSpPr>
+          <p:cNvPr id="400" name="Google Shape;157;p 8">
+            <a:extLst>
+              <a:ext uri="{FF2B5EF4-FFF2-40B4-BE49-F238E27FC236}">
+                <a16:creationId xmlns:a16="http://schemas.microsoft.com/office/drawing/2014/main" id="{6F469973-4D23-795B-6AC4-861630CA364C}"/>
+              </a:ext>
+            </a:extLst>
+          </p:cNvPr>
+          <p:cNvSpPr/>
+          <p:nvPr/>
+        </p:nvSpPr>
+        <p:spPr>
+          <a:xfrm>
+            <a:off x="362160" y="841680"/>
+            <a:ext cx="3328200" cy="713520"/>
+          </a:xfrm>
+          <a:prstGeom prst="rect">
+            <a:avLst/>
+          </a:prstGeom>
+          <a:noFill/>
+          <a:ln w="0">
+            <a:noFill/>
+          </a:ln>
+        </p:spPr>
+        <p:style>
+          <a:lnRef idx="0">
+            <a:scrgbClr r="0" g="0" b="0"/>
+          </a:lnRef>
+          <a:fillRef idx="0">
+            <a:scrgbClr r="0" g="0" b="0"/>
+          </a:fillRef>
+          <a:effectRef idx="0">
+            <a:scrgbClr r="0" g="0" b="0"/>
+          </a:effectRef>
+          <a:fontRef idx="minor"/>
+        </p:style>
+        <p:txBody>
+          <a:bodyPr lIns="68400" tIns="34200" rIns="68400" bIns="34200" anchor="t">
+            <a:noAutofit/>
+          </a:bodyPr>
+          <a:lstStyle/>
+          <a:p>
+            <a:pPr>
+              <a:lnSpc>
+                <a:spcPct val="100000"/>
+              </a:lnSpc>
+            </a:pPr>
+            <a:endParaRPr lang="pt-BR" sz="1000" b="0" strike="noStrike" spc="-1">
+              <a:solidFill>
+                <a:srgbClr val="0A323E"/>
+              </a:solidFill>
+              <a:latin typeface="Libre Franklin"/>
+              <a:ea typeface="Libre Franklin"/>
+            </a:endParaRPr>
+          </a:p>
+        </p:txBody>
+      </p:sp>
+      <p:sp>
+        <p:nvSpPr>
+          <p:cNvPr id="401" name="Google Shape;163;p 10">
+            <a:extLst>
+              <a:ext uri="{FF2B5EF4-FFF2-40B4-BE49-F238E27FC236}">
+                <a16:creationId xmlns:a16="http://schemas.microsoft.com/office/drawing/2014/main" id="{528B8474-2590-6FB1-F148-58F135307505}"/>
+              </a:ext>
+            </a:extLst>
+          </p:cNvPr>
+          <p:cNvSpPr/>
+          <p:nvPr/>
+        </p:nvSpPr>
+        <p:spPr>
+          <a:xfrm>
+            <a:off x="509760" y="537120"/>
+            <a:ext cx="7792200" cy="344520"/>
+          </a:xfrm>
+          <a:prstGeom prst="rect">
+            <a:avLst/>
+          </a:prstGeom>
+          <a:noFill/>
+          <a:ln w="0">
+            <a:noFill/>
+          </a:ln>
+        </p:spPr>
+        <p:style>
+          <a:lnRef idx="0">
+            <a:scrgbClr r="0" g="0" b="0"/>
+          </a:lnRef>
+          <a:fillRef idx="0">
+            <a:scrgbClr r="0" g="0" b="0"/>
+          </a:fillRef>
+          <a:effectRef idx="0">
+            <a:scrgbClr r="0" g="0" b="0"/>
+          </a:effectRef>
+          <a:fontRef idx="minor"/>
+        </p:style>
+        <p:txBody>
+          <a:bodyPr lIns="68400" tIns="34200" rIns="68400" bIns="34200" anchor="t">
+            <a:noAutofit/>
+          </a:bodyPr>
+          <a:lstStyle/>
+          <a:p>
+            <a:pPr>
+              <a:tabLst>
+                <a:tab pos="0" algn="l"/>
+              </a:tabLst>
+            </a:pPr>
+            <a:r>
+              <a:rPr lang="hr-HR" sz="1500" b="1" spc="-1" dirty="0" err="1">
+                <a:solidFill>
+                  <a:srgbClr val="C9211E"/>
+                </a:solidFill>
+                <a:latin typeface="Libre Franklin"/>
+              </a:rPr>
+              <a:t>Podman</a:t>
+            </a:r>
+            <a:r>
+              <a:rPr lang="hr-HR" sz="1500" b="1" spc="-1" dirty="0">
+                <a:solidFill>
+                  <a:srgbClr val="C9211E"/>
+                </a:solidFill>
+                <a:latin typeface="Libre Franklin"/>
+              </a:rPr>
+              <a:t> (</a:t>
+            </a:r>
+            <a:r>
+              <a:rPr lang="hr-HR" sz="1500" b="1" spc="-1" dirty="0" err="1">
+                <a:solidFill>
+                  <a:srgbClr val="C9211E"/>
+                </a:solidFill>
+                <a:latin typeface="Libre Franklin"/>
+              </a:rPr>
+              <a:t>docker</a:t>
+            </a:r>
+            <a:r>
+              <a:rPr lang="hr-HR" sz="1500" b="1" spc="-1" dirty="0">
+                <a:solidFill>
+                  <a:srgbClr val="C9211E"/>
+                </a:solidFill>
+                <a:latin typeface="Libre Franklin"/>
+              </a:rPr>
+              <a:t>) </a:t>
+            </a:r>
+            <a:r>
+              <a:rPr lang="hr-HR" sz="1500" b="1" spc="-1" dirty="0" err="1">
+                <a:solidFill>
+                  <a:srgbClr val="C9211E"/>
+                </a:solidFill>
+                <a:latin typeface="Libre Franklin"/>
+              </a:rPr>
+              <a:t>compose</a:t>
+            </a:r>
+            <a:endParaRPr lang="en-US" dirty="0" err="1"/>
+          </a:p>
+        </p:txBody>
+      </p:sp>
+      <p:sp>
+        <p:nvSpPr>
+          <p:cNvPr id="402" name="TextBox 7">
+            <a:extLst>
+              <a:ext uri="{FF2B5EF4-FFF2-40B4-BE49-F238E27FC236}">
+                <a16:creationId xmlns:a16="http://schemas.microsoft.com/office/drawing/2014/main" id="{BD336B0D-02DD-7DD5-8128-9368CDE2B6D8}"/>
+              </a:ext>
+            </a:extLst>
+          </p:cNvPr>
+          <p:cNvSpPr/>
+          <p:nvPr/>
+        </p:nvSpPr>
+        <p:spPr>
+          <a:xfrm>
+            <a:off x="568080" y="954000"/>
+            <a:ext cx="4790775" cy="1937538"/>
+          </a:xfrm>
+          <a:prstGeom prst="rect">
+            <a:avLst/>
+          </a:prstGeom>
+          <a:noFill/>
+          <a:ln w="0">
+            <a:noFill/>
+          </a:ln>
+        </p:spPr>
+        <p:style>
+          <a:lnRef idx="0">
+            <a:scrgbClr r="0" g="0" b="0"/>
+          </a:lnRef>
+          <a:fillRef idx="0">
+            <a:scrgbClr r="0" g="0" b="0"/>
+          </a:fillRef>
+          <a:effectRef idx="0">
+            <a:scrgbClr r="0" g="0" b="0"/>
+          </a:effectRef>
+          <a:fontRef idx="minor"/>
+        </p:style>
+        <p:txBody>
+          <a:bodyPr wrap="square" lIns="90000" tIns="45000" rIns="90000" bIns="45000" anchor="t">
+            <a:spAutoFit/>
+          </a:bodyPr>
+          <a:lstStyle/>
+          <a:p>
+            <a:pPr marL="171450" indent="-171450">
+              <a:buClr>
+                <a:srgbClr val="000000"/>
+              </a:buClr>
+              <a:buFont typeface="Arial"/>
+              <a:buChar char="•"/>
+            </a:pPr>
+            <a:r>
+              <a:rPr lang="en-GB" sz="1200" spc="-1" dirty="0">
+                <a:solidFill>
+                  <a:srgbClr val="000000"/>
+                </a:solidFill>
+                <a:latin typeface="Arial"/>
+              </a:rPr>
+              <a:t>Tool through </a:t>
+            </a:r>
+            <a:r>
+              <a:rPr lang="en-GB" sz="1200" spc="-1" dirty="0" err="1">
+                <a:solidFill>
+                  <a:srgbClr val="000000"/>
+                </a:solidFill>
+                <a:latin typeface="Arial"/>
+              </a:rPr>
+              <a:t>twhich</a:t>
+            </a:r>
+            <a:r>
+              <a:rPr lang="en-GB" sz="1200" spc="-1" dirty="0">
+                <a:solidFill>
+                  <a:srgbClr val="000000"/>
+                </a:solidFill>
+                <a:latin typeface="Arial"/>
+              </a:rPr>
+              <a:t> you can define local development environment</a:t>
+            </a:r>
+          </a:p>
+          <a:p>
+            <a:pPr marL="628650" lvl="1" indent="-171450">
+              <a:buClr>
+                <a:srgbClr val="000000"/>
+              </a:buClr>
+              <a:buFont typeface="Arial"/>
+              <a:buChar char="•"/>
+            </a:pPr>
+            <a:r>
+              <a:rPr lang="en-GB" sz="1200" spc="-1" err="1">
+                <a:solidFill>
+                  <a:srgbClr val="000000"/>
+                </a:solidFill>
+                <a:latin typeface="Arial"/>
+              </a:rPr>
+              <a:t>Podman</a:t>
+            </a:r>
+            <a:r>
+              <a:rPr lang="en-GB" sz="1200" spc="-1">
+                <a:solidFill>
+                  <a:srgbClr val="000000"/>
+                </a:solidFill>
+                <a:latin typeface="Arial"/>
+              </a:rPr>
+              <a:t> networks</a:t>
+            </a:r>
+          </a:p>
+          <a:p>
+            <a:pPr marL="628650" lvl="1" indent="-171450">
+              <a:buClr>
+                <a:srgbClr val="000000"/>
+              </a:buClr>
+              <a:buFont typeface="Arial"/>
+              <a:buChar char="•"/>
+            </a:pPr>
+            <a:r>
+              <a:rPr lang="en-GB" sz="1200" spc="-1">
+                <a:solidFill>
+                  <a:srgbClr val="000000"/>
+                </a:solidFill>
+                <a:latin typeface="Arial"/>
+              </a:rPr>
+              <a:t>Multiple services (containers)</a:t>
+            </a:r>
+            <a:endParaRPr lang="en-GB" sz="1200" spc="-1" dirty="0">
+              <a:solidFill>
+                <a:srgbClr val="000000"/>
+              </a:solidFill>
+              <a:latin typeface="Arial"/>
+            </a:endParaRPr>
+          </a:p>
+          <a:p>
+            <a:pPr marL="628650" lvl="1" indent="-171450">
+              <a:buClr>
+                <a:srgbClr val="000000"/>
+              </a:buClr>
+              <a:buFont typeface="Arial"/>
+              <a:buChar char="•"/>
+            </a:pPr>
+            <a:r>
+              <a:rPr lang="en-GB" sz="1200" spc="-1" dirty="0">
+                <a:solidFill>
+                  <a:srgbClr val="000000"/>
+                </a:solidFill>
+                <a:latin typeface="Arial"/>
+              </a:rPr>
+              <a:t>Persistent volumes</a:t>
+            </a:r>
+          </a:p>
+          <a:p>
+            <a:pPr marL="628650" lvl="1" indent="-171450">
+              <a:buClr>
+                <a:srgbClr val="000000"/>
+              </a:buClr>
+              <a:buFont typeface="Arial"/>
+              <a:buChar char="•"/>
+            </a:pPr>
+            <a:r>
+              <a:rPr lang="en-GB" sz="1200" spc="-1">
+                <a:solidFill>
+                  <a:srgbClr val="000000"/>
+                </a:solidFill>
+                <a:latin typeface="Arial"/>
+              </a:rPr>
+              <a:t>Exposed ports</a:t>
+            </a:r>
+            <a:endParaRPr lang="en-GB" sz="1200" spc="-1" dirty="0">
+              <a:solidFill>
+                <a:srgbClr val="000000"/>
+              </a:solidFill>
+              <a:latin typeface="Arial"/>
+            </a:endParaRPr>
+          </a:p>
+          <a:p>
+            <a:pPr marL="628650" lvl="1" indent="-171450">
+              <a:buClr>
+                <a:srgbClr val="000000"/>
+              </a:buClr>
+              <a:buFont typeface="Arial"/>
+              <a:buChar char="•"/>
+            </a:pPr>
+            <a:r>
+              <a:rPr lang="en-GB" sz="1200" spc="-1">
+                <a:solidFill>
+                  <a:srgbClr val="000000"/>
+                </a:solidFill>
+                <a:latin typeface="Arial"/>
+              </a:rPr>
+              <a:t>Etc...</a:t>
+            </a:r>
+            <a:endParaRPr lang="en-GB" sz="1200" spc="-1" dirty="0">
+              <a:solidFill>
+                <a:srgbClr val="000000"/>
+              </a:solidFill>
+              <a:latin typeface="Arial"/>
+            </a:endParaRPr>
+          </a:p>
+          <a:p>
+            <a:pPr marL="628650" lvl="1" indent="-171450">
+              <a:buClr>
+                <a:srgbClr val="000000"/>
+              </a:buClr>
+              <a:buFont typeface="Arial"/>
+              <a:buChar char="•"/>
+            </a:pPr>
+            <a:endParaRPr lang="en-GB" sz="1200" spc="-1" dirty="0">
+              <a:solidFill>
+                <a:srgbClr val="000000"/>
+              </a:solidFill>
+              <a:latin typeface="Arial"/>
+            </a:endParaRPr>
+          </a:p>
+          <a:p>
+            <a:pPr marL="171450" indent="-171450">
+              <a:buClr>
+                <a:srgbClr val="000000"/>
+              </a:buClr>
+              <a:buFont typeface="Arial"/>
+              <a:buChar char="•"/>
+            </a:pPr>
+            <a:r>
+              <a:rPr lang="en-GB" sz="1200" spc="-1">
+                <a:solidFill>
+                  <a:srgbClr val="000000"/>
+                </a:solidFill>
+                <a:latin typeface="Arial"/>
+              </a:rPr>
+              <a:t>Everything in one file (</a:t>
+            </a:r>
+            <a:r>
+              <a:rPr lang="en-GB" sz="1200" spc="-1" err="1">
+                <a:solidFill>
+                  <a:srgbClr val="000000"/>
+                </a:solidFill>
+                <a:latin typeface="Arial"/>
+              </a:rPr>
+              <a:t>compose.yaml</a:t>
+            </a:r>
+            <a:r>
+              <a:rPr lang="en-GB" sz="1200" spc="-1">
+                <a:solidFill>
+                  <a:srgbClr val="000000"/>
+                </a:solidFill>
+                <a:latin typeface="Arial"/>
+              </a:rPr>
+              <a:t>)</a:t>
+            </a:r>
+          </a:p>
+          <a:p>
+            <a:pPr marL="171450" indent="-171450">
+              <a:buClr>
+                <a:srgbClr val="000000"/>
+              </a:buClr>
+              <a:buFont typeface="Arial"/>
+              <a:buChar char="•"/>
+            </a:pPr>
+            <a:r>
+              <a:rPr lang="en-GB" sz="1200" spc="-1" dirty="0">
+                <a:solidFill>
+                  <a:srgbClr val="000000"/>
+                </a:solidFill>
+                <a:latin typeface="Arial"/>
+              </a:rPr>
+              <a:t>Starting the environment with one command</a:t>
+            </a:r>
+          </a:p>
+        </p:txBody>
+      </p:sp>
+      <p:sp>
+        <p:nvSpPr>
+          <p:cNvPr id="2" name="TextBox 1">
+            <a:extLst>
+              <a:ext uri="{FF2B5EF4-FFF2-40B4-BE49-F238E27FC236}">
+                <a16:creationId xmlns:a16="http://schemas.microsoft.com/office/drawing/2014/main" id="{8B1714A7-5F69-4A43-DDD0-7B43E56316F4}"/>
+              </a:ext>
+            </a:extLst>
+          </p:cNvPr>
+          <p:cNvSpPr txBox="1"/>
+          <p:nvPr/>
+        </p:nvSpPr>
+        <p:spPr>
+          <a:xfrm>
+            <a:off x="4791205" y="281834"/>
+            <a:ext cx="3878371" cy="4708981"/>
+          </a:xfrm>
+          <a:prstGeom prst="rect">
+            <a:avLst/>
+          </a:prstGeom>
+          <a:noFill/>
+        </p:spPr>
+        <p:txBody>
+          <a:bodyPr rot="0" spcFirstLastPara="0" vertOverflow="overflow" horzOverflow="overflow" vert="horz" wrap="square" lIns="91440" tIns="45720" rIns="91440" bIns="45720" numCol="1" spcCol="0" rtlCol="0" fromWordArt="0" anchor="t" anchorCtr="0" forceAA="0" compatLnSpc="1">
+            <a:prstTxWarp prst="textNoShape">
+              <a:avLst/>
+            </a:prstTxWarp>
+            <a:spAutoFit/>
+          </a:bodyPr>
+          <a:lstStyle/>
+          <a:p>
+            <a:r>
+              <a:rPr lang="en-US" sz="1000" dirty="0">
+                <a:latin typeface="Courier New"/>
+                <a:ea typeface="+mn-lt"/>
+                <a:cs typeface="+mn-lt"/>
+              </a:rPr>
+              <a:t>services:</a:t>
+            </a:r>
+          </a:p>
+          <a:p>
+            <a:r>
+              <a:rPr lang="en-US" sz="1000" dirty="0">
+                <a:latin typeface="Courier New"/>
+                <a:ea typeface="+mn-lt"/>
+                <a:cs typeface="+mn-lt"/>
+              </a:rPr>
+              <a:t>  </a:t>
+            </a:r>
+            <a:r>
+              <a:rPr lang="en-US" sz="1000" err="1">
+                <a:latin typeface="Courier New"/>
+                <a:ea typeface="+mn-lt"/>
+                <a:cs typeface="+mn-lt"/>
+              </a:rPr>
+              <a:t>db</a:t>
+            </a:r>
+            <a:r>
+              <a:rPr lang="en-US" sz="1000" dirty="0">
+                <a:latin typeface="Courier New"/>
+                <a:ea typeface="+mn-lt"/>
+                <a:cs typeface="+mn-lt"/>
+              </a:rPr>
+              <a:t>:</a:t>
+            </a:r>
+          </a:p>
+          <a:p>
+            <a:r>
+              <a:rPr lang="en-US" sz="1000" dirty="0">
+                <a:latin typeface="Courier New"/>
+                <a:ea typeface="+mn-lt"/>
+                <a:cs typeface="+mn-lt"/>
+              </a:rPr>
+              <a:t>    image: postgres:5</a:t>
+            </a:r>
+          </a:p>
+          <a:p>
+            <a:r>
+              <a:rPr lang="en-US" sz="1000" dirty="0">
+                <a:latin typeface="Courier New"/>
+                <a:ea typeface="+mn-lt"/>
+                <a:cs typeface="+mn-lt"/>
+              </a:rPr>
+              <a:t>    environment:</a:t>
+            </a:r>
+          </a:p>
+          <a:p>
+            <a:r>
+              <a:rPr lang="en-US" sz="1000" dirty="0">
+                <a:latin typeface="Courier New"/>
+                <a:ea typeface="+mn-lt"/>
+                <a:cs typeface="+mn-lt"/>
+              </a:rPr>
+              <a:t>      POSTGRES_DB: </a:t>
+            </a:r>
+            <a:r>
+              <a:rPr lang="en-US" sz="1000" err="1">
+                <a:latin typeface="Courier New"/>
+                <a:ea typeface="+mn-lt"/>
+                <a:cs typeface="+mn-lt"/>
+              </a:rPr>
+              <a:t>devdb</a:t>
+            </a:r>
+            <a:endParaRPr lang="en-US" sz="1000">
+              <a:latin typeface="Courier New"/>
+              <a:ea typeface="+mn-lt"/>
+              <a:cs typeface="+mn-lt"/>
+            </a:endParaRPr>
+          </a:p>
+          <a:p>
+            <a:r>
+              <a:rPr lang="en-US" sz="1000" dirty="0">
+                <a:latin typeface="Courier New"/>
+                <a:ea typeface="+mn-lt"/>
+                <a:cs typeface="+mn-lt"/>
+              </a:rPr>
+              <a:t>      POSTGRES_USER: user</a:t>
+            </a:r>
+          </a:p>
+          <a:p>
+            <a:r>
+              <a:rPr lang="en-US" sz="1000" dirty="0">
+                <a:latin typeface="Courier New"/>
+                <a:ea typeface="+mn-lt"/>
+                <a:cs typeface="+mn-lt"/>
+              </a:rPr>
+              <a:t>      POSTGRES_PASSWORD: supersecret</a:t>
+            </a:r>
+          </a:p>
+          <a:p>
+            <a:r>
+              <a:rPr lang="en-US" sz="1000" dirty="0">
+                <a:latin typeface="Courier New"/>
+                <a:ea typeface="+mn-lt"/>
+                <a:cs typeface="+mn-lt"/>
+              </a:rPr>
+              <a:t>    networks:</a:t>
+            </a:r>
+          </a:p>
+          <a:p>
+            <a:r>
+              <a:rPr lang="en-US" sz="1000" dirty="0">
+                <a:latin typeface="Courier New"/>
+                <a:ea typeface="+mn-lt"/>
+                <a:cs typeface="+mn-lt"/>
+              </a:rPr>
+              <a:t>    - internal</a:t>
+            </a:r>
+          </a:p>
+          <a:p>
+            <a:r>
+              <a:rPr lang="en-US" sz="1000" dirty="0">
+                <a:latin typeface="Courier New"/>
+                <a:ea typeface="+mn-lt"/>
+                <a:cs typeface="+mn-lt"/>
+              </a:rPr>
+              <a:t>  backend:</a:t>
+            </a:r>
+          </a:p>
+          <a:p>
+            <a:r>
+              <a:rPr lang="en-US" sz="1000" dirty="0">
+                <a:latin typeface="Courier New"/>
+                <a:ea typeface="+mn-lt"/>
+                <a:cs typeface="+mn-lt"/>
+              </a:rPr>
+              <a:t>    image: </a:t>
+            </a:r>
+            <a:r>
+              <a:rPr lang="en-US" sz="1000" dirty="0" err="1">
+                <a:latin typeface="Courier New"/>
+                <a:ea typeface="+mn-lt"/>
+                <a:cs typeface="+mn-lt"/>
+              </a:rPr>
+              <a:t>mybackend:latest</a:t>
+            </a:r>
+            <a:endParaRPr lang="en-US" sz="1000" dirty="0">
+              <a:latin typeface="Courier New"/>
+              <a:ea typeface="+mn-lt"/>
+              <a:cs typeface="+mn-lt"/>
+            </a:endParaRPr>
+          </a:p>
+          <a:p>
+            <a:r>
+              <a:rPr lang="en-US" sz="1000" dirty="0">
+                <a:latin typeface="Courier New"/>
+                <a:ea typeface="+mn-lt"/>
+                <a:cs typeface="+mn-lt"/>
+              </a:rPr>
+              <a:t>    environment:</a:t>
+            </a:r>
+          </a:p>
+          <a:p>
+            <a:r>
+              <a:rPr lang="en-US" sz="1000" dirty="0">
+                <a:latin typeface="Courier New"/>
+                <a:ea typeface="+mn-lt"/>
+                <a:cs typeface="+mn-lt"/>
+              </a:rPr>
+              <a:t>      PSQL_HOST: </a:t>
+            </a:r>
+            <a:r>
+              <a:rPr lang="en-US" sz="1000" dirty="0" err="1">
+                <a:latin typeface="Courier New"/>
+                <a:ea typeface="+mn-lt"/>
+                <a:cs typeface="+mn-lt"/>
+              </a:rPr>
+              <a:t>db</a:t>
+            </a:r>
+            <a:endParaRPr lang="en-US" sz="1000" dirty="0">
+              <a:latin typeface="Courier New"/>
+              <a:ea typeface="+mn-lt"/>
+              <a:cs typeface="+mn-lt"/>
+            </a:endParaRPr>
+          </a:p>
+          <a:p>
+            <a:r>
+              <a:rPr lang="en-US" sz="1000" dirty="0">
+                <a:latin typeface="Courier New"/>
+                <a:ea typeface="+mn-lt"/>
+                <a:cs typeface="+mn-lt"/>
+              </a:rPr>
+              <a:t>      PSQL_PORT: 5432</a:t>
+            </a:r>
+          </a:p>
+          <a:p>
+            <a:r>
+              <a:rPr lang="en-US" sz="1000" dirty="0">
+                <a:latin typeface="Courier New"/>
+                <a:ea typeface="+mn-lt"/>
+                <a:cs typeface="+mn-lt"/>
+              </a:rPr>
+              <a:t>      PSQL_USER: user</a:t>
+            </a:r>
+          </a:p>
+          <a:p>
+            <a:r>
+              <a:rPr lang="en-US" sz="1000" dirty="0">
+                <a:latin typeface="Courier New"/>
+                <a:ea typeface="+mn-lt"/>
+                <a:cs typeface="+mn-lt"/>
+              </a:rPr>
+              <a:t>      PSQL_PASSWORD: supersecret</a:t>
+            </a:r>
+          </a:p>
+          <a:p>
+            <a:r>
+              <a:rPr lang="en-US" sz="1000" dirty="0">
+                <a:latin typeface="Courier New"/>
+                <a:ea typeface="+mn-lt"/>
+                <a:cs typeface="+mn-lt"/>
+              </a:rPr>
+              <a:t>    networks:</a:t>
+            </a:r>
+          </a:p>
+          <a:p>
+            <a:r>
+              <a:rPr lang="en-US" sz="1000" dirty="0">
+                <a:latin typeface="Courier New"/>
+                <a:ea typeface="+mn-lt"/>
+                <a:cs typeface="+mn-lt"/>
+              </a:rPr>
+              <a:t>    - internal</a:t>
+            </a:r>
+          </a:p>
+          <a:p>
+            <a:r>
+              <a:rPr lang="en-US" sz="1000" dirty="0">
+                <a:latin typeface="Courier New"/>
+                <a:cs typeface="Courier New"/>
+              </a:rPr>
+              <a:t>  frontend:</a:t>
+            </a:r>
+          </a:p>
+          <a:p>
+            <a:r>
+              <a:rPr lang="en-US" sz="1000" dirty="0">
+                <a:latin typeface="Courier New"/>
+                <a:cs typeface="Courier New"/>
+              </a:rPr>
+              <a:t>    image: </a:t>
+            </a:r>
+            <a:r>
+              <a:rPr lang="en-US" sz="1000" dirty="0" err="1">
+                <a:latin typeface="Courier New"/>
+                <a:cs typeface="Courier New"/>
+              </a:rPr>
+              <a:t>myfront:latest</a:t>
+            </a:r>
+            <a:endParaRPr lang="en-US" sz="1000" dirty="0">
+              <a:latin typeface="Courier New"/>
+              <a:cs typeface="Courier New"/>
+            </a:endParaRPr>
+          </a:p>
+          <a:p>
+            <a:r>
+              <a:rPr lang="en-US" sz="1000" dirty="0">
+                <a:latin typeface="Courier New"/>
+                <a:cs typeface="Courier New"/>
+              </a:rPr>
+              <a:t>    environment:</a:t>
+            </a:r>
+          </a:p>
+          <a:p>
+            <a:r>
+              <a:rPr lang="en-US" sz="1000" dirty="0">
+                <a:latin typeface="Courier New"/>
+                <a:cs typeface="Courier New"/>
+              </a:rPr>
+              <a:t>      API_HOST: backend:8080</a:t>
+            </a:r>
+          </a:p>
+          <a:p>
+            <a:r>
+              <a:rPr lang="en-US" sz="1000" dirty="0">
+                <a:latin typeface="Courier New"/>
+                <a:cs typeface="Courier New"/>
+              </a:rPr>
+              <a:t>    networks:</a:t>
+            </a:r>
+          </a:p>
+          <a:p>
+            <a:r>
+              <a:rPr lang="en-US" sz="1000" dirty="0">
+                <a:latin typeface="Courier New"/>
+                <a:cs typeface="Courier New"/>
+              </a:rPr>
+              <a:t>    - internal</a:t>
+            </a:r>
+          </a:p>
+          <a:p>
+            <a:r>
+              <a:rPr lang="en-US" sz="1000" dirty="0">
+                <a:latin typeface="Courier New"/>
+                <a:cs typeface="Courier New"/>
+              </a:rPr>
+              <a:t>    ports:</a:t>
+            </a:r>
+          </a:p>
+          <a:p>
+            <a:r>
+              <a:rPr lang="en-US" sz="1000" dirty="0">
+                <a:latin typeface="Courier New"/>
+                <a:cs typeface="Courier New"/>
+              </a:rPr>
+              <a:t>    - 8080:8080</a:t>
+            </a:r>
+          </a:p>
+          <a:p>
+            <a:endParaRPr lang="en-US" sz="1000" dirty="0">
+              <a:latin typeface="Courier New"/>
+              <a:ea typeface="+mn-lt"/>
+              <a:cs typeface="+mn-lt"/>
+            </a:endParaRPr>
+          </a:p>
+          <a:p>
+            <a:r>
+              <a:rPr lang="en-US" sz="1000" dirty="0">
+                <a:latin typeface="Courier New"/>
+                <a:ea typeface="+mn-lt"/>
+                <a:cs typeface="+mn-lt"/>
+              </a:rPr>
+              <a:t>networks:</a:t>
+            </a:r>
+          </a:p>
+          <a:p>
+            <a:r>
+              <a:rPr lang="en-US" sz="1000" dirty="0">
+                <a:latin typeface="Courier New"/>
+                <a:ea typeface="+mn-lt"/>
+                <a:cs typeface="+mn-lt"/>
+              </a:rPr>
+              <a:t>  internal:</a:t>
+            </a:r>
+          </a:p>
+          <a:p>
+            <a:pPr algn="l"/>
+            <a:endParaRPr lang="en-US" sz="1000" dirty="0">
+              <a:latin typeface="Courier New"/>
+            </a:endParaRPr>
+          </a:p>
+        </p:txBody>
+      </p:sp>
+      <p:sp>
+        <p:nvSpPr>
+          <p:cNvPr id="3" name="TextBox 2">
+            <a:extLst>
+              <a:ext uri="{FF2B5EF4-FFF2-40B4-BE49-F238E27FC236}">
+                <a16:creationId xmlns:a16="http://schemas.microsoft.com/office/drawing/2014/main" id="{91C4978B-A55C-258D-07F7-F745C331ACFC}"/>
+              </a:ext>
+            </a:extLst>
+          </p:cNvPr>
+          <p:cNvSpPr txBox="1"/>
+          <p:nvPr/>
+        </p:nvSpPr>
+        <p:spPr>
+          <a:xfrm>
+            <a:off x="571499" y="3233280"/>
+            <a:ext cx="3479104" cy="923330"/>
+          </a:xfrm>
+          <a:prstGeom prst="rect">
+            <a:avLst/>
+          </a:prstGeom>
+          <a:noFill/>
+        </p:spPr>
+        <p:txBody>
+          <a:bodyPr rot="0" spcFirstLastPara="0" vertOverflow="overflow" horzOverflow="overflow" vert="horz" wrap="square" lIns="91440" tIns="45720" rIns="91440" bIns="45720" numCol="1" spcCol="0" rtlCol="0" fromWordArt="0" anchor="t" anchorCtr="0" forceAA="0" compatLnSpc="1">
+            <a:prstTxWarp prst="textNoShape">
+              <a:avLst/>
+            </a:prstTxWarp>
+            <a:spAutoFit/>
+          </a:bodyPr>
+          <a:lstStyle/>
+          <a:p>
+            <a:r>
+              <a:rPr lang="en-US" err="1">
+                <a:latin typeface="Courier New"/>
+              </a:rPr>
+              <a:t>podman</a:t>
+            </a:r>
+            <a:r>
+              <a:rPr lang="en-US" dirty="0">
+                <a:latin typeface="Courier New"/>
+              </a:rPr>
+              <a:t>-compose up –d</a:t>
+            </a:r>
+          </a:p>
+          <a:p>
+            <a:r>
+              <a:rPr lang="en-US">
+                <a:latin typeface="Courier New"/>
+              </a:rPr>
+              <a:t>...</a:t>
+            </a:r>
+            <a:endParaRPr lang="en-US" dirty="0">
+              <a:latin typeface="Courier New"/>
+            </a:endParaRPr>
+          </a:p>
+          <a:p>
+            <a:r>
+              <a:rPr lang="en-US" err="1">
+                <a:latin typeface="Courier New"/>
+              </a:rPr>
+              <a:t>podman</a:t>
+            </a:r>
+            <a:r>
+              <a:rPr lang="en-US" dirty="0">
+                <a:latin typeface="Courier New"/>
+              </a:rPr>
+              <a:t>-compose down</a:t>
+            </a:r>
+          </a:p>
+        </p:txBody>
+      </p:sp>
+    </p:spTree>
+    <p:extLst>
+      <p:ext uri="{BB962C8B-B14F-4D97-AF65-F5344CB8AC3E}">
+        <p14:creationId xmlns:p14="http://schemas.microsoft.com/office/powerpoint/2010/main" val="1887241747"/>
+      </p:ext>
+    </p:extLst>
+  </p:cSld>
+  <p:clrMapOvr>
+    <a:masterClrMapping/>
+  </p:clrMapOvr>
+</p:sld>
+</file>
+
+<file path=ppt/slides/slide49.xml><?xml version="1.0" encoding="utf-8"?>
 <p:sld xmlns:a="http://schemas.openxmlformats.org/drawingml/2006/main" xmlns:r="http://schemas.openxmlformats.org/officeDocument/2006/relationships" xmlns:p="http://schemas.openxmlformats.org/presentationml/2006/main">
   <p:cSld>
     <p:bg>
@@ -26446,821 +26892,53 @@
           </a:bodyPr>
           <a:lstStyle/>
           <a:p>
-            <a:pPr indent="0">
-              <a:lnSpc>
-                <a:spcPct val="100000"/>
-              </a:lnSpc>
-              <a:buNone/>
-              <a:tabLst>
-                <a:tab pos="0" algn="l"/>
-              </a:tabLst>
-            </a:pPr>
-            <a:r>
-              <a:rPr lang="hr-HR" sz="4400" b="1" strike="noStrike" spc="-1">
+            <a:pPr>
+              <a:lnSpc>
+                <a:spcPct val="100000"/>
+              </a:lnSpc>
+              <a:tabLst>
+                <a:tab pos="0" algn="l"/>
+              </a:tabLst>
+            </a:pPr>
+            <a:r>
+              <a:rPr lang="hr-HR" b="1" spc="-1" dirty="0">
                 <a:solidFill>
                   <a:schemeClr val="lt1"/>
                 </a:solidFill>
                 <a:latin typeface="Libre Franklin"/>
-                <a:ea typeface="Libre Franklin"/>
-              </a:rPr>
-              <a:t>Cloud-native</a:t>
+              </a:rPr>
+              <a:t>Cloud-</a:t>
+            </a:r>
+            <a:r>
+              <a:rPr lang="hr-HR" b="1" spc="-1" err="1">
+                <a:solidFill>
+                  <a:schemeClr val="lt1"/>
+                </a:solidFill>
+                <a:latin typeface="Libre Franklin"/>
+              </a:rPr>
+              <a:t>native</a:t>
             </a:r>
             <a:br>
-              <a:rPr sz="4400"/>
+              <a:rPr lang="hr-HR" dirty="0"/>
             </a:br>
             <a:r>
-              <a:rPr lang="hr-HR" sz="4400" b="1" strike="noStrike" spc="-1">
+              <a:rPr lang="hr-HR" b="1" spc="-1" dirty="0">
                 <a:solidFill>
                   <a:schemeClr val="lt1"/>
                 </a:solidFill>
                 <a:latin typeface="Libre Franklin"/>
-                <a:ea typeface="Libre Franklin"/>
               </a:rPr>
               <a:t>development</a:t>
             </a:r>
-            <a:endParaRPr lang="en-GB" sz="4400" b="0" strike="noStrike" spc="-1">
-              <a:solidFill>
-                <a:srgbClr val="FFFFFF"/>
+            <a:endParaRPr lang="en-GB" sz="4400" strike="noStrike" spc="-1" dirty="0">
+              <a:solidFill>
+                <a:schemeClr val="lt1"/>
               </a:solidFill>
               <a:latin typeface="Arial"/>
             </a:endParaRPr>
           </a:p>
         </p:txBody>
       </p:sp>
-    </p:spTree>
-  </p:cSld>
-  <p:clrMapOvr>
-    <a:masterClrMapping/>
-  </p:clrMapOvr>
-</p:sld>
-</file>
-
-<file path=ppt/slides/slide49.xml><?xml version="1.0" encoding="utf-8"?>
-<p:sld xmlns:a="http://schemas.openxmlformats.org/drawingml/2006/main" xmlns:r="http://schemas.openxmlformats.org/officeDocument/2006/relationships" xmlns:p="http://schemas.openxmlformats.org/presentationml/2006/main">
-  <p:cSld>
-    <p:spTree>
-      <p:nvGrpSpPr>
-        <p:cNvPr id="1" name=""/>
-        <p:cNvGrpSpPr/>
-        <p:nvPr/>
-      </p:nvGrpSpPr>
-      <p:grpSpPr>
-        <a:xfrm>
-          <a:off x="0" y="0"/>
-          <a:ext cx="0" cy="0"/>
-          <a:chOff x="0" y="0"/>
-          <a:chExt cx="0" cy="0"/>
-        </a:xfrm>
-      </p:grpSpPr>
-      <p:sp>
-        <p:nvSpPr>
-          <p:cNvPr id="392" name="Google Shape;155;p 7"/>
-          <p:cNvSpPr/>
-          <p:nvPr/>
-        </p:nvSpPr>
-        <p:spPr>
-          <a:xfrm>
-            <a:off x="357120" y="384840"/>
-            <a:ext cx="3171240" cy="344520"/>
-          </a:xfrm>
-          <a:prstGeom prst="rect">
-            <a:avLst/>
-          </a:prstGeom>
-          <a:noFill/>
-          <a:ln w="0">
-            <a:noFill/>
-          </a:ln>
-        </p:spPr>
-        <p:style>
-          <a:lnRef idx="0">
-            <a:scrgbClr r="0" g="0" b="0"/>
-          </a:lnRef>
-          <a:fillRef idx="0">
-            <a:scrgbClr r="0" g="0" b="0"/>
-          </a:fillRef>
-          <a:effectRef idx="0">
-            <a:scrgbClr r="0" g="0" b="0"/>
-          </a:effectRef>
-          <a:fontRef idx="minor"/>
-        </p:style>
-        <p:txBody>
-          <a:bodyPr lIns="68400" tIns="34200" rIns="68400" bIns="34200" anchor="t">
-            <a:noAutofit/>
-          </a:bodyPr>
-          <a:lstStyle/>
-          <a:p>
-            <a:pPr>
-              <a:lnSpc>
-                <a:spcPct val="100000"/>
-              </a:lnSpc>
-            </a:pPr>
-            <a:endParaRPr lang="en-GB" sz="1500" b="1" strike="noStrike" spc="-1">
-              <a:solidFill>
-                <a:srgbClr val="40E0D0"/>
-              </a:solidFill>
-              <a:latin typeface="Libre Franklin"/>
-              <a:ea typeface="Libre Franklin"/>
-            </a:endParaRPr>
-          </a:p>
-        </p:txBody>
-      </p:sp>
-      <p:sp>
-        <p:nvSpPr>
-          <p:cNvPr id="393" name="Google Shape;156;p 7"/>
-          <p:cNvSpPr/>
-          <p:nvPr/>
-        </p:nvSpPr>
-        <p:spPr>
-          <a:xfrm>
-            <a:off x="421200" y="4722840"/>
-            <a:ext cx="5330880" cy="154080"/>
-          </a:xfrm>
-          <a:prstGeom prst="rect">
-            <a:avLst/>
-          </a:prstGeom>
-          <a:noFill/>
-          <a:ln w="0">
-            <a:noFill/>
-          </a:ln>
-        </p:spPr>
-        <p:style>
-          <a:lnRef idx="0">
-            <a:scrgbClr r="0" g="0" b="0"/>
-          </a:lnRef>
-          <a:fillRef idx="0">
-            <a:scrgbClr r="0" g="0" b="0"/>
-          </a:fillRef>
-          <a:effectRef idx="0">
-            <a:scrgbClr r="0" g="0" b="0"/>
-          </a:effectRef>
-          <a:fontRef idx="minor"/>
-        </p:style>
-        <p:txBody>
-          <a:bodyPr lIns="51480" tIns="25560" rIns="51480" bIns="25560" anchor="t">
-            <a:noAutofit/>
-          </a:bodyPr>
-          <a:lstStyle/>
-          <a:p>
-            <a:pPr>
-              <a:lnSpc>
-                <a:spcPct val="100000"/>
-              </a:lnSpc>
-              <a:tabLst>
-                <a:tab pos="0" algn="l"/>
-              </a:tabLst>
-            </a:pPr>
-            <a:r>
-              <a:rPr lang="hr-HR" sz="800" b="1" strike="noStrike" spc="-1">
-                <a:solidFill>
-                  <a:srgbClr val="0A323E"/>
-                </a:solidFill>
-                <a:latin typeface="Libre Franklin"/>
-                <a:ea typeface="Libre Franklin"/>
-              </a:rPr>
-              <a:t>Cloud-native development</a:t>
-            </a:r>
-            <a:endParaRPr lang="en-GB" sz="800" b="0" strike="noStrike" spc="-1">
-              <a:solidFill>
-                <a:srgbClr val="000000"/>
-              </a:solidFill>
-              <a:latin typeface="Arial"/>
-            </a:endParaRPr>
-          </a:p>
-        </p:txBody>
-      </p:sp>
-      <p:sp>
-        <p:nvSpPr>
-          <p:cNvPr id="394" name="Google Shape;157;p 7"/>
-          <p:cNvSpPr/>
-          <p:nvPr/>
-        </p:nvSpPr>
-        <p:spPr>
-          <a:xfrm>
-            <a:off x="362160" y="841680"/>
-            <a:ext cx="3328200" cy="713520"/>
-          </a:xfrm>
-          <a:prstGeom prst="rect">
-            <a:avLst/>
-          </a:prstGeom>
-          <a:noFill/>
-          <a:ln w="0">
-            <a:noFill/>
-          </a:ln>
-        </p:spPr>
-        <p:style>
-          <a:lnRef idx="0">
-            <a:scrgbClr r="0" g="0" b="0"/>
-          </a:lnRef>
-          <a:fillRef idx="0">
-            <a:scrgbClr r="0" g="0" b="0"/>
-          </a:fillRef>
-          <a:effectRef idx="0">
-            <a:scrgbClr r="0" g="0" b="0"/>
-          </a:effectRef>
-          <a:fontRef idx="minor"/>
-        </p:style>
-        <p:txBody>
-          <a:bodyPr lIns="68400" tIns="34200" rIns="68400" bIns="34200" anchor="t">
-            <a:noAutofit/>
-          </a:bodyPr>
-          <a:lstStyle/>
-          <a:p>
-            <a:pPr>
-              <a:lnSpc>
-                <a:spcPct val="100000"/>
-              </a:lnSpc>
-            </a:pPr>
-            <a:endParaRPr lang="pt-BR" sz="1000" b="0" strike="noStrike" spc="-1">
-              <a:solidFill>
-                <a:srgbClr val="0A323E"/>
-              </a:solidFill>
-              <a:latin typeface="Libre Franklin"/>
-              <a:ea typeface="Libre Franklin"/>
-            </a:endParaRPr>
-          </a:p>
-        </p:txBody>
-      </p:sp>
-      <p:sp>
-        <p:nvSpPr>
-          <p:cNvPr id="395" name="Google Shape;163;p 9"/>
-          <p:cNvSpPr/>
-          <p:nvPr/>
-        </p:nvSpPr>
-        <p:spPr>
-          <a:xfrm>
-            <a:off x="509760" y="537120"/>
-            <a:ext cx="7792200" cy="344520"/>
-          </a:xfrm>
-          <a:prstGeom prst="rect">
-            <a:avLst/>
-          </a:prstGeom>
-          <a:noFill/>
-          <a:ln w="0">
-            <a:noFill/>
-          </a:ln>
-        </p:spPr>
-        <p:style>
-          <a:lnRef idx="0">
-            <a:scrgbClr r="0" g="0" b="0"/>
-          </a:lnRef>
-          <a:fillRef idx="0">
-            <a:scrgbClr r="0" g="0" b="0"/>
-          </a:fillRef>
-          <a:effectRef idx="0">
-            <a:scrgbClr r="0" g="0" b="0"/>
-          </a:effectRef>
-          <a:fontRef idx="minor"/>
-        </p:style>
-        <p:txBody>
-          <a:bodyPr lIns="68400" tIns="34200" rIns="68400" bIns="34200" anchor="t">
-            <a:noAutofit/>
-          </a:bodyPr>
-          <a:lstStyle/>
-          <a:p>
-            <a:pPr>
-              <a:lnSpc>
-                <a:spcPct val="100000"/>
-              </a:lnSpc>
-              <a:tabLst>
-                <a:tab pos="0" algn="l"/>
-              </a:tabLst>
-            </a:pPr>
-            <a:r>
-              <a:rPr lang="hr-HR" sz="1500" b="1" strike="noStrike" spc="-1">
-                <a:solidFill>
-                  <a:srgbClr val="C9211E"/>
-                </a:solidFill>
-                <a:latin typeface="Libre Franklin"/>
-                <a:ea typeface="Libre Franklin"/>
-              </a:rPr>
-              <a:t>The Twelve Factors</a:t>
-            </a:r>
-            <a:endParaRPr lang="en-GB" sz="1500" b="0" strike="noStrike" spc="-1">
-              <a:solidFill>
-                <a:srgbClr val="000000"/>
-              </a:solidFill>
-              <a:latin typeface="Arial"/>
-            </a:endParaRPr>
-          </a:p>
-        </p:txBody>
-      </p:sp>
-      <p:sp>
-        <p:nvSpPr>
-          <p:cNvPr id="396" name="TextBox 5"/>
-          <p:cNvSpPr/>
-          <p:nvPr/>
-        </p:nvSpPr>
-        <p:spPr>
-          <a:xfrm>
-            <a:off x="568080" y="954000"/>
-            <a:ext cx="4460400" cy="3564360"/>
-          </a:xfrm>
-          <a:prstGeom prst="rect">
-            <a:avLst/>
-          </a:prstGeom>
-          <a:noFill/>
-          <a:ln w="0">
-            <a:noFill/>
-          </a:ln>
-        </p:spPr>
-        <p:style>
-          <a:lnRef idx="0">
-            <a:scrgbClr r="0" g="0" b="0"/>
-          </a:lnRef>
-          <a:fillRef idx="0">
-            <a:scrgbClr r="0" g="0" b="0"/>
-          </a:fillRef>
-          <a:effectRef idx="0">
-            <a:scrgbClr r="0" g="0" b="0"/>
-          </a:effectRef>
-          <a:fontRef idx="minor"/>
-        </p:style>
-        <p:txBody>
-          <a:bodyPr lIns="90000" tIns="45000" rIns="90000" bIns="45000" anchor="t">
-            <a:spAutoFit/>
-          </a:bodyPr>
-          <a:lstStyle/>
-          <a:p>
-            <a:pPr marL="285840" indent="-285840">
-              <a:lnSpc>
-                <a:spcPct val="100000"/>
-              </a:lnSpc>
-              <a:buClr>
-                <a:srgbClr val="000000"/>
-              </a:buClr>
-              <a:buFont typeface="Arial"/>
-              <a:buAutoNum type="arabicParenR"/>
-            </a:pPr>
-            <a:r>
-              <a:rPr lang="en-GB" sz="1200" b="1" strike="noStrike" spc="-1">
-                <a:solidFill>
-                  <a:srgbClr val="000000"/>
-                </a:solidFill>
-                <a:latin typeface="Arial"/>
-                <a:ea typeface="Noto Sans CJK SC"/>
-              </a:rPr>
-              <a:t>Codebase</a:t>
-            </a:r>
-            <a:r>
-              <a:rPr lang="en-GB" sz="1200" b="0" strike="noStrike" spc="-1">
-                <a:solidFill>
-                  <a:srgbClr val="000000"/>
-                </a:solidFill>
-                <a:latin typeface="Arial"/>
-                <a:ea typeface="Noto Sans CJK SC"/>
-              </a:rPr>
-              <a:t> - One codebase tracked in revision control, many deploys</a:t>
-            </a:r>
-            <a:endParaRPr lang="en-GB" sz="1200" b="0" strike="noStrike" spc="-1">
-              <a:solidFill>
-                <a:srgbClr val="000000"/>
-              </a:solidFill>
-              <a:latin typeface="Arial"/>
-            </a:endParaRPr>
-          </a:p>
-          <a:p>
-            <a:pPr marL="285840" indent="-285840">
-              <a:lnSpc>
-                <a:spcPct val="100000"/>
-              </a:lnSpc>
-              <a:buClr>
-                <a:srgbClr val="000000"/>
-              </a:buClr>
-              <a:buFont typeface="Arial"/>
-              <a:buAutoNum type="arabicParenR"/>
-            </a:pPr>
-            <a:r>
-              <a:rPr lang="en-GB" sz="1200" b="1" strike="noStrike" spc="-1">
-                <a:solidFill>
-                  <a:srgbClr val="000000"/>
-                </a:solidFill>
-                <a:latin typeface="Arial"/>
-                <a:ea typeface="Noto Sans CJK SC"/>
-              </a:rPr>
-              <a:t>Dependencies</a:t>
-            </a:r>
-            <a:r>
-              <a:rPr lang="en-GB" sz="1200" b="0" strike="noStrike" spc="-1">
-                <a:solidFill>
-                  <a:srgbClr val="000000"/>
-                </a:solidFill>
-                <a:latin typeface="Arial"/>
-                <a:ea typeface="Noto Sans CJK SC"/>
-              </a:rPr>
-              <a:t> - Explicitly declare and isolate dependencies</a:t>
-            </a:r>
-            <a:endParaRPr lang="en-GB" sz="1200" b="0" strike="noStrike" spc="-1">
-              <a:solidFill>
-                <a:srgbClr val="000000"/>
-              </a:solidFill>
-              <a:latin typeface="Arial"/>
-            </a:endParaRPr>
-          </a:p>
-          <a:p>
-            <a:pPr marL="285840" indent="-285840">
-              <a:lnSpc>
-                <a:spcPct val="100000"/>
-              </a:lnSpc>
-              <a:buClr>
-                <a:srgbClr val="000000"/>
-              </a:buClr>
-              <a:buFont typeface="Arial"/>
-              <a:buAutoNum type="arabicParenR"/>
-            </a:pPr>
-            <a:r>
-              <a:rPr lang="en-GB" sz="1200" b="1" strike="noStrike" spc="-1">
-                <a:solidFill>
-                  <a:srgbClr val="000000"/>
-                </a:solidFill>
-                <a:latin typeface="Arial"/>
-                <a:ea typeface="Noto Sans CJK SC"/>
-              </a:rPr>
-              <a:t>Config</a:t>
-            </a:r>
-            <a:r>
-              <a:rPr lang="en-GB" sz="1200" b="0" strike="noStrike" spc="-1">
-                <a:solidFill>
-                  <a:srgbClr val="000000"/>
-                </a:solidFill>
-                <a:latin typeface="Arial"/>
-                <a:ea typeface="Noto Sans CJK SC"/>
-              </a:rPr>
-              <a:t> - Store config in the environment</a:t>
-            </a:r>
-            <a:endParaRPr lang="en-GB" sz="1200" b="0" strike="noStrike" spc="-1">
-              <a:solidFill>
-                <a:srgbClr val="000000"/>
-              </a:solidFill>
-              <a:latin typeface="Arial"/>
-            </a:endParaRPr>
-          </a:p>
-          <a:p>
-            <a:pPr marL="285840" indent="-285840">
-              <a:lnSpc>
-                <a:spcPct val="100000"/>
-              </a:lnSpc>
-              <a:buClr>
-                <a:srgbClr val="000000"/>
-              </a:buClr>
-              <a:buFont typeface="Arial"/>
-              <a:buAutoNum type="arabicParenR"/>
-            </a:pPr>
-            <a:r>
-              <a:rPr lang="en-GB" sz="1200" b="1" strike="noStrike" spc="-1">
-                <a:solidFill>
-                  <a:srgbClr val="000000"/>
-                </a:solidFill>
-                <a:latin typeface="Arial"/>
-                <a:ea typeface="Noto Sans CJK SC"/>
-              </a:rPr>
-              <a:t>Backing services</a:t>
-            </a:r>
-            <a:r>
-              <a:rPr lang="en-GB" sz="1200" b="0" strike="noStrike" spc="-1">
-                <a:solidFill>
-                  <a:srgbClr val="000000"/>
-                </a:solidFill>
-                <a:latin typeface="Arial"/>
-                <a:ea typeface="Noto Sans CJK SC"/>
-              </a:rPr>
-              <a:t> - Treat backing services as attached resources</a:t>
-            </a:r>
-            <a:endParaRPr lang="en-GB" sz="1200" b="0" strike="noStrike" spc="-1">
-              <a:solidFill>
-                <a:srgbClr val="000000"/>
-              </a:solidFill>
-              <a:latin typeface="Arial"/>
-            </a:endParaRPr>
-          </a:p>
-          <a:p>
-            <a:pPr marL="285840" indent="-285840">
-              <a:lnSpc>
-                <a:spcPct val="100000"/>
-              </a:lnSpc>
-              <a:buClr>
-                <a:srgbClr val="000000"/>
-              </a:buClr>
-              <a:buFont typeface="Arial"/>
-              <a:buAutoNum type="arabicParenR"/>
-            </a:pPr>
-            <a:r>
-              <a:rPr lang="en-GB" sz="1200" b="1" strike="noStrike" spc="-1">
-                <a:solidFill>
-                  <a:srgbClr val="000000"/>
-                </a:solidFill>
-                <a:latin typeface="Arial"/>
-                <a:ea typeface="Noto Sans CJK SC"/>
-              </a:rPr>
-              <a:t>Build, release, run</a:t>
-            </a:r>
-            <a:r>
-              <a:rPr lang="en-GB" sz="1200" b="0" strike="noStrike" spc="-1">
-                <a:solidFill>
-                  <a:srgbClr val="000000"/>
-                </a:solidFill>
-                <a:latin typeface="Arial"/>
-                <a:ea typeface="Noto Sans CJK SC"/>
-              </a:rPr>
-              <a:t> - Strictly separate build and run stages</a:t>
-            </a:r>
-            <a:endParaRPr lang="en-GB" sz="1200" b="0" strike="noStrike" spc="-1">
-              <a:solidFill>
-                <a:srgbClr val="000000"/>
-              </a:solidFill>
-              <a:latin typeface="Arial"/>
-            </a:endParaRPr>
-          </a:p>
-          <a:p>
-            <a:pPr marL="285840" indent="-285840">
-              <a:lnSpc>
-                <a:spcPct val="100000"/>
-              </a:lnSpc>
-              <a:buClr>
-                <a:srgbClr val="000000"/>
-              </a:buClr>
-              <a:buFont typeface="Arial"/>
-              <a:buAutoNum type="arabicParenR"/>
-            </a:pPr>
-            <a:r>
-              <a:rPr lang="en-GB" sz="1200" b="1" strike="noStrike" spc="-1">
-                <a:solidFill>
-                  <a:srgbClr val="000000"/>
-                </a:solidFill>
-                <a:latin typeface="Arial"/>
-                <a:ea typeface="Noto Sans CJK SC"/>
-              </a:rPr>
-              <a:t>Processes</a:t>
-            </a:r>
-            <a:r>
-              <a:rPr lang="en-GB" sz="1200" b="0" strike="noStrike" spc="-1">
-                <a:solidFill>
-                  <a:srgbClr val="000000"/>
-                </a:solidFill>
-                <a:latin typeface="Arial"/>
-                <a:ea typeface="Noto Sans CJK SC"/>
-              </a:rPr>
-              <a:t> - Execute the app as one or more stateless processes</a:t>
-            </a:r>
-            <a:endParaRPr lang="en-GB" sz="1200" b="0" strike="noStrike" spc="-1">
-              <a:solidFill>
-                <a:srgbClr val="000000"/>
-              </a:solidFill>
-              <a:latin typeface="Arial"/>
-            </a:endParaRPr>
-          </a:p>
-          <a:p>
-            <a:pPr marL="285840" indent="-285840">
-              <a:lnSpc>
-                <a:spcPct val="100000"/>
-              </a:lnSpc>
-              <a:buClr>
-                <a:srgbClr val="000000"/>
-              </a:buClr>
-              <a:buFont typeface="Arial"/>
-              <a:buAutoNum type="arabicParenR"/>
-            </a:pPr>
-            <a:r>
-              <a:rPr lang="en-GB" sz="1200" b="1" strike="noStrike" spc="-1">
-                <a:solidFill>
-                  <a:srgbClr val="000000"/>
-                </a:solidFill>
-                <a:latin typeface="Arial"/>
-                <a:ea typeface="Noto Sans CJK SC"/>
-              </a:rPr>
-              <a:t>Port binding</a:t>
-            </a:r>
-            <a:r>
-              <a:rPr lang="en-GB" sz="1200" b="0" strike="noStrike" spc="-1">
-                <a:solidFill>
-                  <a:srgbClr val="000000"/>
-                </a:solidFill>
-                <a:latin typeface="Arial"/>
-                <a:ea typeface="Noto Sans CJK SC"/>
-              </a:rPr>
-              <a:t> - Export services via port binding</a:t>
-            </a:r>
-            <a:endParaRPr lang="en-GB" sz="1200" b="0" strike="noStrike" spc="-1">
-              <a:solidFill>
-                <a:srgbClr val="000000"/>
-              </a:solidFill>
-              <a:latin typeface="Arial"/>
-            </a:endParaRPr>
-          </a:p>
-          <a:p>
-            <a:pPr marL="285840" indent="-285840">
-              <a:lnSpc>
-                <a:spcPct val="100000"/>
-              </a:lnSpc>
-              <a:buClr>
-                <a:srgbClr val="000000"/>
-              </a:buClr>
-              <a:buFont typeface="Arial"/>
-              <a:buAutoNum type="arabicParenR"/>
-            </a:pPr>
-            <a:r>
-              <a:rPr lang="en-GB" sz="1200" b="1" strike="noStrike" spc="-1">
-                <a:solidFill>
-                  <a:srgbClr val="000000"/>
-                </a:solidFill>
-                <a:latin typeface="Arial"/>
-                <a:ea typeface="Noto Sans CJK SC"/>
-              </a:rPr>
-              <a:t>Concurrency</a:t>
-            </a:r>
-            <a:r>
-              <a:rPr lang="en-GB" sz="1200" b="0" strike="noStrike" spc="-1">
-                <a:solidFill>
-                  <a:srgbClr val="000000"/>
-                </a:solidFill>
-                <a:latin typeface="Arial"/>
-                <a:ea typeface="Noto Sans CJK SC"/>
-              </a:rPr>
-              <a:t> - Scale out via the process model</a:t>
-            </a:r>
-            <a:endParaRPr lang="en-GB" sz="1200" b="0" strike="noStrike" spc="-1">
-              <a:solidFill>
-                <a:srgbClr val="000000"/>
-              </a:solidFill>
-              <a:latin typeface="Arial"/>
-            </a:endParaRPr>
-          </a:p>
-          <a:p>
-            <a:pPr marL="285840" indent="-285840">
-              <a:lnSpc>
-                <a:spcPct val="100000"/>
-              </a:lnSpc>
-              <a:buClr>
-                <a:srgbClr val="000000"/>
-              </a:buClr>
-              <a:buFont typeface="Arial"/>
-              <a:buAutoNum type="arabicParenR"/>
-            </a:pPr>
-            <a:r>
-              <a:rPr lang="en-GB" sz="1200" b="1" strike="noStrike" spc="-1">
-                <a:solidFill>
-                  <a:srgbClr val="000000"/>
-                </a:solidFill>
-                <a:latin typeface="Arial"/>
-                <a:ea typeface="Noto Sans CJK SC"/>
-              </a:rPr>
-              <a:t>Disposability</a:t>
-            </a:r>
-            <a:r>
-              <a:rPr lang="en-GB" sz="1200" b="0" strike="noStrike" spc="-1">
-                <a:solidFill>
-                  <a:srgbClr val="000000"/>
-                </a:solidFill>
-                <a:latin typeface="Arial"/>
-                <a:ea typeface="Noto Sans CJK SC"/>
-              </a:rPr>
-              <a:t> - Maximize robustness with fast startup and graceful shutdown</a:t>
-            </a:r>
-            <a:endParaRPr lang="en-GB" sz="1200" b="0" strike="noStrike" spc="-1">
-              <a:solidFill>
-                <a:srgbClr val="000000"/>
-              </a:solidFill>
-              <a:latin typeface="Arial"/>
-            </a:endParaRPr>
-          </a:p>
-          <a:p>
-            <a:pPr marL="285840" indent="-285840">
-              <a:lnSpc>
-                <a:spcPct val="100000"/>
-              </a:lnSpc>
-              <a:buClr>
-                <a:srgbClr val="000000"/>
-              </a:buClr>
-              <a:buFont typeface="Arial"/>
-              <a:buAutoNum type="arabicParenR"/>
-            </a:pPr>
-            <a:r>
-              <a:rPr lang="en-GB" sz="1200" b="1" strike="noStrike" spc="-1">
-                <a:solidFill>
-                  <a:srgbClr val="000000"/>
-                </a:solidFill>
-                <a:latin typeface="Arial"/>
-                <a:ea typeface="Noto Sans CJK SC"/>
-              </a:rPr>
-              <a:t>Dev/prod parity</a:t>
-            </a:r>
-            <a:r>
-              <a:rPr lang="en-GB" sz="1200" b="0" strike="noStrike" spc="-1">
-                <a:solidFill>
-                  <a:srgbClr val="000000"/>
-                </a:solidFill>
-                <a:latin typeface="Arial"/>
-                <a:ea typeface="Noto Sans CJK SC"/>
-              </a:rPr>
-              <a:t> - Keep development, staging, and production as similar as possible</a:t>
-            </a:r>
-            <a:endParaRPr lang="en-GB" sz="1200" b="0" strike="noStrike" spc="-1">
-              <a:solidFill>
-                <a:srgbClr val="000000"/>
-              </a:solidFill>
-              <a:latin typeface="Arial"/>
-            </a:endParaRPr>
-          </a:p>
-          <a:p>
-            <a:pPr marL="285840" indent="-285840">
-              <a:lnSpc>
-                <a:spcPct val="100000"/>
-              </a:lnSpc>
-              <a:buClr>
-                <a:srgbClr val="000000"/>
-              </a:buClr>
-              <a:buFont typeface="Arial"/>
-              <a:buAutoNum type="arabicParenR"/>
-            </a:pPr>
-            <a:r>
-              <a:rPr lang="en-GB" sz="1200" b="1" strike="noStrike" spc="-1">
-                <a:solidFill>
-                  <a:srgbClr val="000000"/>
-                </a:solidFill>
-                <a:latin typeface="Arial"/>
-                <a:ea typeface="Noto Sans CJK SC"/>
-              </a:rPr>
-              <a:t>Logs</a:t>
-            </a:r>
-            <a:r>
-              <a:rPr lang="en-GB" sz="1200" b="0" strike="noStrike" spc="-1">
-                <a:solidFill>
-                  <a:srgbClr val="000000"/>
-                </a:solidFill>
-                <a:latin typeface="Arial"/>
-                <a:ea typeface="Noto Sans CJK SC"/>
-              </a:rPr>
-              <a:t> - Treat logs as event streams</a:t>
-            </a:r>
-            <a:endParaRPr lang="en-GB" sz="1200" b="0" strike="noStrike" spc="-1">
-              <a:solidFill>
-                <a:srgbClr val="000000"/>
-              </a:solidFill>
-              <a:latin typeface="Arial"/>
-            </a:endParaRPr>
-          </a:p>
-          <a:p>
-            <a:pPr marL="285840" indent="-285840">
-              <a:lnSpc>
-                <a:spcPct val="100000"/>
-              </a:lnSpc>
-              <a:buClr>
-                <a:srgbClr val="000000"/>
-              </a:buClr>
-              <a:buFont typeface="Arial"/>
-              <a:buAutoNum type="arabicParenR"/>
-            </a:pPr>
-            <a:r>
-              <a:rPr lang="en-GB" sz="1200" b="1" strike="noStrike" spc="-1">
-                <a:solidFill>
-                  <a:srgbClr val="000000"/>
-                </a:solidFill>
-                <a:latin typeface="Arial"/>
-                <a:ea typeface="Noto Sans CJK SC"/>
-              </a:rPr>
-              <a:t>Admin processes</a:t>
-            </a:r>
-            <a:r>
-              <a:rPr lang="en-GB" sz="1200" b="0" strike="noStrike" spc="-1">
-                <a:solidFill>
-                  <a:srgbClr val="000000"/>
-                </a:solidFill>
-                <a:latin typeface="Arial"/>
-                <a:ea typeface="Noto Sans CJK SC"/>
-              </a:rPr>
-              <a:t> - Run admin/management tasks as one-off processes</a:t>
-            </a:r>
-            <a:endParaRPr lang="en-GB" sz="1200" b="0" strike="noStrike" spc="-1">
-              <a:solidFill>
-                <a:srgbClr val="000000"/>
-              </a:solidFill>
-              <a:latin typeface="Arial"/>
-            </a:endParaRPr>
-          </a:p>
-        </p:txBody>
-      </p:sp>
-      <p:pic>
-        <p:nvPicPr>
-          <p:cNvPr id="397" name="Picture 396"/>
-          <p:cNvPicPr/>
-          <p:nvPr/>
-        </p:nvPicPr>
-        <p:blipFill>
-          <a:blip r:embed="rId2"/>
-          <a:stretch/>
-        </p:blipFill>
-        <p:spPr>
-          <a:xfrm>
-            <a:off x="5029200" y="1371600"/>
-            <a:ext cx="3768840" cy="2564640"/>
-          </a:xfrm>
-          <a:prstGeom prst="rect">
-            <a:avLst/>
-          </a:prstGeom>
-          <a:ln w="0">
-            <a:noFill/>
-          </a:ln>
-        </p:spPr>
-      </p:pic>
     </p:spTree>
   </p:cSld>
   <p:clrMapOvr>
@@ -27542,6 +27220,780 @@
       </p:grpSpPr>
       <p:sp>
         <p:nvSpPr>
+          <p:cNvPr id="392" name="Google Shape;155;p 7"/>
+          <p:cNvSpPr/>
+          <p:nvPr/>
+        </p:nvSpPr>
+        <p:spPr>
+          <a:xfrm>
+            <a:off x="357120" y="384840"/>
+            <a:ext cx="3171240" cy="344520"/>
+          </a:xfrm>
+          <a:prstGeom prst="rect">
+            <a:avLst/>
+          </a:prstGeom>
+          <a:noFill/>
+          <a:ln w="0">
+            <a:noFill/>
+          </a:ln>
+        </p:spPr>
+        <p:style>
+          <a:lnRef idx="0">
+            <a:scrgbClr r="0" g="0" b="0"/>
+          </a:lnRef>
+          <a:fillRef idx="0">
+            <a:scrgbClr r="0" g="0" b="0"/>
+          </a:fillRef>
+          <a:effectRef idx="0">
+            <a:scrgbClr r="0" g="0" b="0"/>
+          </a:effectRef>
+          <a:fontRef idx="minor"/>
+        </p:style>
+        <p:txBody>
+          <a:bodyPr lIns="68400" tIns="34200" rIns="68400" bIns="34200" anchor="t">
+            <a:noAutofit/>
+          </a:bodyPr>
+          <a:lstStyle/>
+          <a:p>
+            <a:pPr>
+              <a:lnSpc>
+                <a:spcPct val="100000"/>
+              </a:lnSpc>
+            </a:pPr>
+            <a:endParaRPr lang="en-GB" sz="1500" b="1" strike="noStrike" spc="-1">
+              <a:solidFill>
+                <a:srgbClr val="40E0D0"/>
+              </a:solidFill>
+              <a:latin typeface="Libre Franklin"/>
+              <a:ea typeface="Libre Franklin"/>
+            </a:endParaRPr>
+          </a:p>
+        </p:txBody>
+      </p:sp>
+      <p:sp>
+        <p:nvSpPr>
+          <p:cNvPr id="393" name="Google Shape;156;p 7"/>
+          <p:cNvSpPr/>
+          <p:nvPr/>
+        </p:nvSpPr>
+        <p:spPr>
+          <a:xfrm>
+            <a:off x="421200" y="4722840"/>
+            <a:ext cx="5330880" cy="154080"/>
+          </a:xfrm>
+          <a:prstGeom prst="rect">
+            <a:avLst/>
+          </a:prstGeom>
+          <a:noFill/>
+          <a:ln w="0">
+            <a:noFill/>
+          </a:ln>
+        </p:spPr>
+        <p:style>
+          <a:lnRef idx="0">
+            <a:scrgbClr r="0" g="0" b="0"/>
+          </a:lnRef>
+          <a:fillRef idx="0">
+            <a:scrgbClr r="0" g="0" b="0"/>
+          </a:fillRef>
+          <a:effectRef idx="0">
+            <a:scrgbClr r="0" g="0" b="0"/>
+          </a:effectRef>
+          <a:fontRef idx="minor"/>
+        </p:style>
+        <p:txBody>
+          <a:bodyPr lIns="51480" tIns="25560" rIns="51480" bIns="25560" anchor="t">
+            <a:noAutofit/>
+          </a:bodyPr>
+          <a:lstStyle/>
+          <a:p>
+            <a:pPr>
+              <a:lnSpc>
+                <a:spcPct val="100000"/>
+              </a:lnSpc>
+              <a:tabLst>
+                <a:tab pos="0" algn="l"/>
+              </a:tabLst>
+            </a:pPr>
+            <a:r>
+              <a:rPr lang="hr-HR" sz="800" b="1" strike="noStrike" spc="-1">
+                <a:solidFill>
+                  <a:srgbClr val="0A323E"/>
+                </a:solidFill>
+                <a:latin typeface="Libre Franklin"/>
+                <a:ea typeface="Libre Franklin"/>
+              </a:rPr>
+              <a:t>Cloud-native development</a:t>
+            </a:r>
+            <a:endParaRPr lang="en-GB" sz="800" b="0" strike="noStrike" spc="-1">
+              <a:solidFill>
+                <a:srgbClr val="000000"/>
+              </a:solidFill>
+              <a:latin typeface="Arial"/>
+            </a:endParaRPr>
+          </a:p>
+        </p:txBody>
+      </p:sp>
+      <p:sp>
+        <p:nvSpPr>
+          <p:cNvPr id="394" name="Google Shape;157;p 7"/>
+          <p:cNvSpPr/>
+          <p:nvPr/>
+        </p:nvSpPr>
+        <p:spPr>
+          <a:xfrm>
+            <a:off x="362160" y="841680"/>
+            <a:ext cx="3328200" cy="713520"/>
+          </a:xfrm>
+          <a:prstGeom prst="rect">
+            <a:avLst/>
+          </a:prstGeom>
+          <a:noFill/>
+          <a:ln w="0">
+            <a:noFill/>
+          </a:ln>
+        </p:spPr>
+        <p:style>
+          <a:lnRef idx="0">
+            <a:scrgbClr r="0" g="0" b="0"/>
+          </a:lnRef>
+          <a:fillRef idx="0">
+            <a:scrgbClr r="0" g="0" b="0"/>
+          </a:fillRef>
+          <a:effectRef idx="0">
+            <a:scrgbClr r="0" g="0" b="0"/>
+          </a:effectRef>
+          <a:fontRef idx="minor"/>
+        </p:style>
+        <p:txBody>
+          <a:bodyPr lIns="68400" tIns="34200" rIns="68400" bIns="34200" anchor="t">
+            <a:noAutofit/>
+          </a:bodyPr>
+          <a:lstStyle/>
+          <a:p>
+            <a:pPr>
+              <a:lnSpc>
+                <a:spcPct val="100000"/>
+              </a:lnSpc>
+            </a:pPr>
+            <a:endParaRPr lang="pt-BR" sz="1000" b="0" strike="noStrike" spc="-1">
+              <a:solidFill>
+                <a:srgbClr val="0A323E"/>
+              </a:solidFill>
+              <a:latin typeface="Libre Franklin"/>
+              <a:ea typeface="Libre Franklin"/>
+            </a:endParaRPr>
+          </a:p>
+        </p:txBody>
+      </p:sp>
+      <p:sp>
+        <p:nvSpPr>
+          <p:cNvPr id="395" name="Google Shape;163;p 9"/>
+          <p:cNvSpPr/>
+          <p:nvPr/>
+        </p:nvSpPr>
+        <p:spPr>
+          <a:xfrm>
+            <a:off x="509760" y="537120"/>
+            <a:ext cx="7792200" cy="344520"/>
+          </a:xfrm>
+          <a:prstGeom prst="rect">
+            <a:avLst/>
+          </a:prstGeom>
+          <a:noFill/>
+          <a:ln w="0">
+            <a:noFill/>
+          </a:ln>
+        </p:spPr>
+        <p:style>
+          <a:lnRef idx="0">
+            <a:scrgbClr r="0" g="0" b="0"/>
+          </a:lnRef>
+          <a:fillRef idx="0">
+            <a:scrgbClr r="0" g="0" b="0"/>
+          </a:fillRef>
+          <a:effectRef idx="0">
+            <a:scrgbClr r="0" g="0" b="0"/>
+          </a:effectRef>
+          <a:fontRef idx="minor"/>
+        </p:style>
+        <p:txBody>
+          <a:bodyPr lIns="68400" tIns="34200" rIns="68400" bIns="34200" anchor="t">
+            <a:noAutofit/>
+          </a:bodyPr>
+          <a:lstStyle/>
+          <a:p>
+            <a:pPr>
+              <a:lnSpc>
+                <a:spcPct val="100000"/>
+              </a:lnSpc>
+              <a:tabLst>
+                <a:tab pos="0" algn="l"/>
+              </a:tabLst>
+            </a:pPr>
+            <a:r>
+              <a:rPr lang="hr-HR" sz="1500" b="1" strike="noStrike" spc="-1">
+                <a:solidFill>
+                  <a:srgbClr val="C9211E"/>
+                </a:solidFill>
+                <a:latin typeface="Libre Franklin"/>
+                <a:ea typeface="Libre Franklin"/>
+              </a:rPr>
+              <a:t>The Twelve Factors</a:t>
+            </a:r>
+            <a:endParaRPr lang="en-GB" sz="1500" b="0" strike="noStrike" spc="-1">
+              <a:solidFill>
+                <a:srgbClr val="000000"/>
+              </a:solidFill>
+              <a:latin typeface="Arial"/>
+            </a:endParaRPr>
+          </a:p>
+        </p:txBody>
+      </p:sp>
+      <p:sp>
+        <p:nvSpPr>
+          <p:cNvPr id="396" name="TextBox 5"/>
+          <p:cNvSpPr/>
+          <p:nvPr/>
+        </p:nvSpPr>
+        <p:spPr>
+          <a:xfrm>
+            <a:off x="568080" y="954000"/>
+            <a:ext cx="4460400" cy="3564360"/>
+          </a:xfrm>
+          <a:prstGeom prst="rect">
+            <a:avLst/>
+          </a:prstGeom>
+          <a:noFill/>
+          <a:ln w="0">
+            <a:noFill/>
+          </a:ln>
+        </p:spPr>
+        <p:style>
+          <a:lnRef idx="0">
+            <a:scrgbClr r="0" g="0" b="0"/>
+          </a:lnRef>
+          <a:fillRef idx="0">
+            <a:scrgbClr r="0" g="0" b="0"/>
+          </a:fillRef>
+          <a:effectRef idx="0">
+            <a:scrgbClr r="0" g="0" b="0"/>
+          </a:effectRef>
+          <a:fontRef idx="minor"/>
+        </p:style>
+        <p:txBody>
+          <a:bodyPr lIns="90000" tIns="45000" rIns="90000" bIns="45000" anchor="t">
+            <a:spAutoFit/>
+          </a:bodyPr>
+          <a:lstStyle/>
+          <a:p>
+            <a:pPr marL="285840" indent="-285840">
+              <a:lnSpc>
+                <a:spcPct val="100000"/>
+              </a:lnSpc>
+              <a:buClr>
+                <a:srgbClr val="000000"/>
+              </a:buClr>
+              <a:buFont typeface="Arial"/>
+              <a:buAutoNum type="arabicParenR"/>
+            </a:pPr>
+            <a:r>
+              <a:rPr lang="en-GB" sz="1200" b="1" strike="noStrike" spc="-1">
+                <a:solidFill>
+                  <a:srgbClr val="000000"/>
+                </a:solidFill>
+                <a:latin typeface="Arial"/>
+                <a:ea typeface="Noto Sans CJK SC"/>
+              </a:rPr>
+              <a:t>Codebase</a:t>
+            </a:r>
+            <a:r>
+              <a:rPr lang="en-GB" sz="1200" b="0" strike="noStrike" spc="-1">
+                <a:solidFill>
+                  <a:srgbClr val="000000"/>
+                </a:solidFill>
+                <a:latin typeface="Arial"/>
+                <a:ea typeface="Noto Sans CJK SC"/>
+              </a:rPr>
+              <a:t> - One codebase tracked in revision control, many deploys</a:t>
+            </a:r>
+            <a:endParaRPr lang="en-GB" sz="1200" b="0" strike="noStrike" spc="-1">
+              <a:solidFill>
+                <a:srgbClr val="000000"/>
+              </a:solidFill>
+              <a:latin typeface="Arial"/>
+            </a:endParaRPr>
+          </a:p>
+          <a:p>
+            <a:pPr marL="285840" indent="-285840">
+              <a:lnSpc>
+                <a:spcPct val="100000"/>
+              </a:lnSpc>
+              <a:buClr>
+                <a:srgbClr val="000000"/>
+              </a:buClr>
+              <a:buFont typeface="Arial"/>
+              <a:buAutoNum type="arabicParenR"/>
+            </a:pPr>
+            <a:r>
+              <a:rPr lang="en-GB" sz="1200" b="1" strike="noStrike" spc="-1">
+                <a:solidFill>
+                  <a:srgbClr val="000000"/>
+                </a:solidFill>
+                <a:latin typeface="Arial"/>
+                <a:ea typeface="Noto Sans CJK SC"/>
+              </a:rPr>
+              <a:t>Dependencies</a:t>
+            </a:r>
+            <a:r>
+              <a:rPr lang="en-GB" sz="1200" b="0" strike="noStrike" spc="-1">
+                <a:solidFill>
+                  <a:srgbClr val="000000"/>
+                </a:solidFill>
+                <a:latin typeface="Arial"/>
+                <a:ea typeface="Noto Sans CJK SC"/>
+              </a:rPr>
+              <a:t> - Explicitly declare and isolate dependencies</a:t>
+            </a:r>
+            <a:endParaRPr lang="en-GB" sz="1200" b="0" strike="noStrike" spc="-1">
+              <a:solidFill>
+                <a:srgbClr val="000000"/>
+              </a:solidFill>
+              <a:latin typeface="Arial"/>
+            </a:endParaRPr>
+          </a:p>
+          <a:p>
+            <a:pPr marL="285840" indent="-285840">
+              <a:lnSpc>
+                <a:spcPct val="100000"/>
+              </a:lnSpc>
+              <a:buClr>
+                <a:srgbClr val="000000"/>
+              </a:buClr>
+              <a:buFont typeface="Arial"/>
+              <a:buAutoNum type="arabicParenR"/>
+            </a:pPr>
+            <a:r>
+              <a:rPr lang="en-GB" sz="1200" b="1" strike="noStrike" spc="-1">
+                <a:solidFill>
+                  <a:srgbClr val="000000"/>
+                </a:solidFill>
+                <a:latin typeface="Arial"/>
+                <a:ea typeface="Noto Sans CJK SC"/>
+              </a:rPr>
+              <a:t>Config</a:t>
+            </a:r>
+            <a:r>
+              <a:rPr lang="en-GB" sz="1200" b="0" strike="noStrike" spc="-1">
+                <a:solidFill>
+                  <a:srgbClr val="000000"/>
+                </a:solidFill>
+                <a:latin typeface="Arial"/>
+                <a:ea typeface="Noto Sans CJK SC"/>
+              </a:rPr>
+              <a:t> - Store config in the environment</a:t>
+            </a:r>
+            <a:endParaRPr lang="en-GB" sz="1200" b="0" strike="noStrike" spc="-1">
+              <a:solidFill>
+                <a:srgbClr val="000000"/>
+              </a:solidFill>
+              <a:latin typeface="Arial"/>
+            </a:endParaRPr>
+          </a:p>
+          <a:p>
+            <a:pPr marL="285840" indent="-285840">
+              <a:lnSpc>
+                <a:spcPct val="100000"/>
+              </a:lnSpc>
+              <a:buClr>
+                <a:srgbClr val="000000"/>
+              </a:buClr>
+              <a:buFont typeface="Arial"/>
+              <a:buAutoNum type="arabicParenR"/>
+            </a:pPr>
+            <a:r>
+              <a:rPr lang="en-GB" sz="1200" b="1" strike="noStrike" spc="-1">
+                <a:solidFill>
+                  <a:srgbClr val="000000"/>
+                </a:solidFill>
+                <a:latin typeface="Arial"/>
+                <a:ea typeface="Noto Sans CJK SC"/>
+              </a:rPr>
+              <a:t>Backing services</a:t>
+            </a:r>
+            <a:r>
+              <a:rPr lang="en-GB" sz="1200" b="0" strike="noStrike" spc="-1">
+                <a:solidFill>
+                  <a:srgbClr val="000000"/>
+                </a:solidFill>
+                <a:latin typeface="Arial"/>
+                <a:ea typeface="Noto Sans CJK SC"/>
+              </a:rPr>
+              <a:t> - Treat backing services as attached resources</a:t>
+            </a:r>
+            <a:endParaRPr lang="en-GB" sz="1200" b="0" strike="noStrike" spc="-1">
+              <a:solidFill>
+                <a:srgbClr val="000000"/>
+              </a:solidFill>
+              <a:latin typeface="Arial"/>
+            </a:endParaRPr>
+          </a:p>
+          <a:p>
+            <a:pPr marL="285840" indent="-285840">
+              <a:lnSpc>
+                <a:spcPct val="100000"/>
+              </a:lnSpc>
+              <a:buClr>
+                <a:srgbClr val="000000"/>
+              </a:buClr>
+              <a:buFont typeface="Arial"/>
+              <a:buAutoNum type="arabicParenR"/>
+            </a:pPr>
+            <a:r>
+              <a:rPr lang="en-GB" sz="1200" b="1" strike="noStrike" spc="-1">
+                <a:solidFill>
+                  <a:srgbClr val="000000"/>
+                </a:solidFill>
+                <a:latin typeface="Arial"/>
+                <a:ea typeface="Noto Sans CJK SC"/>
+              </a:rPr>
+              <a:t>Build, release, run</a:t>
+            </a:r>
+            <a:r>
+              <a:rPr lang="en-GB" sz="1200" b="0" strike="noStrike" spc="-1">
+                <a:solidFill>
+                  <a:srgbClr val="000000"/>
+                </a:solidFill>
+                <a:latin typeface="Arial"/>
+                <a:ea typeface="Noto Sans CJK SC"/>
+              </a:rPr>
+              <a:t> - Strictly separate build and run stages</a:t>
+            </a:r>
+            <a:endParaRPr lang="en-GB" sz="1200" b="0" strike="noStrike" spc="-1">
+              <a:solidFill>
+                <a:srgbClr val="000000"/>
+              </a:solidFill>
+              <a:latin typeface="Arial"/>
+            </a:endParaRPr>
+          </a:p>
+          <a:p>
+            <a:pPr marL="285840" indent="-285840">
+              <a:lnSpc>
+                <a:spcPct val="100000"/>
+              </a:lnSpc>
+              <a:buClr>
+                <a:srgbClr val="000000"/>
+              </a:buClr>
+              <a:buFont typeface="Arial"/>
+              <a:buAutoNum type="arabicParenR"/>
+            </a:pPr>
+            <a:r>
+              <a:rPr lang="en-GB" sz="1200" b="1" strike="noStrike" spc="-1">
+                <a:solidFill>
+                  <a:srgbClr val="000000"/>
+                </a:solidFill>
+                <a:latin typeface="Arial"/>
+                <a:ea typeface="Noto Sans CJK SC"/>
+              </a:rPr>
+              <a:t>Processes</a:t>
+            </a:r>
+            <a:r>
+              <a:rPr lang="en-GB" sz="1200" b="0" strike="noStrike" spc="-1">
+                <a:solidFill>
+                  <a:srgbClr val="000000"/>
+                </a:solidFill>
+                <a:latin typeface="Arial"/>
+                <a:ea typeface="Noto Sans CJK SC"/>
+              </a:rPr>
+              <a:t> - Execute the app as one or more stateless processes</a:t>
+            </a:r>
+            <a:endParaRPr lang="en-GB" sz="1200" b="0" strike="noStrike" spc="-1">
+              <a:solidFill>
+                <a:srgbClr val="000000"/>
+              </a:solidFill>
+              <a:latin typeface="Arial"/>
+            </a:endParaRPr>
+          </a:p>
+          <a:p>
+            <a:pPr marL="285840" indent="-285840">
+              <a:lnSpc>
+                <a:spcPct val="100000"/>
+              </a:lnSpc>
+              <a:buClr>
+                <a:srgbClr val="000000"/>
+              </a:buClr>
+              <a:buFont typeface="Arial"/>
+              <a:buAutoNum type="arabicParenR"/>
+            </a:pPr>
+            <a:r>
+              <a:rPr lang="en-GB" sz="1200" b="1" strike="noStrike" spc="-1">
+                <a:solidFill>
+                  <a:srgbClr val="000000"/>
+                </a:solidFill>
+                <a:latin typeface="Arial"/>
+                <a:ea typeface="Noto Sans CJK SC"/>
+              </a:rPr>
+              <a:t>Port binding</a:t>
+            </a:r>
+            <a:r>
+              <a:rPr lang="en-GB" sz="1200" b="0" strike="noStrike" spc="-1">
+                <a:solidFill>
+                  <a:srgbClr val="000000"/>
+                </a:solidFill>
+                <a:latin typeface="Arial"/>
+                <a:ea typeface="Noto Sans CJK SC"/>
+              </a:rPr>
+              <a:t> - Export services via port binding</a:t>
+            </a:r>
+            <a:endParaRPr lang="en-GB" sz="1200" b="0" strike="noStrike" spc="-1">
+              <a:solidFill>
+                <a:srgbClr val="000000"/>
+              </a:solidFill>
+              <a:latin typeface="Arial"/>
+            </a:endParaRPr>
+          </a:p>
+          <a:p>
+            <a:pPr marL="285840" indent="-285840">
+              <a:lnSpc>
+                <a:spcPct val="100000"/>
+              </a:lnSpc>
+              <a:buClr>
+                <a:srgbClr val="000000"/>
+              </a:buClr>
+              <a:buFont typeface="Arial"/>
+              <a:buAutoNum type="arabicParenR"/>
+            </a:pPr>
+            <a:r>
+              <a:rPr lang="en-GB" sz="1200" b="1" strike="noStrike" spc="-1">
+                <a:solidFill>
+                  <a:srgbClr val="000000"/>
+                </a:solidFill>
+                <a:latin typeface="Arial"/>
+                <a:ea typeface="Noto Sans CJK SC"/>
+              </a:rPr>
+              <a:t>Concurrency</a:t>
+            </a:r>
+            <a:r>
+              <a:rPr lang="en-GB" sz="1200" b="0" strike="noStrike" spc="-1">
+                <a:solidFill>
+                  <a:srgbClr val="000000"/>
+                </a:solidFill>
+                <a:latin typeface="Arial"/>
+                <a:ea typeface="Noto Sans CJK SC"/>
+              </a:rPr>
+              <a:t> - Scale out via the process model</a:t>
+            </a:r>
+            <a:endParaRPr lang="en-GB" sz="1200" b="0" strike="noStrike" spc="-1">
+              <a:solidFill>
+                <a:srgbClr val="000000"/>
+              </a:solidFill>
+              <a:latin typeface="Arial"/>
+            </a:endParaRPr>
+          </a:p>
+          <a:p>
+            <a:pPr marL="285840" indent="-285840">
+              <a:lnSpc>
+                <a:spcPct val="100000"/>
+              </a:lnSpc>
+              <a:buClr>
+                <a:srgbClr val="000000"/>
+              </a:buClr>
+              <a:buFont typeface="Arial"/>
+              <a:buAutoNum type="arabicParenR"/>
+            </a:pPr>
+            <a:r>
+              <a:rPr lang="en-GB" sz="1200" b="1" strike="noStrike" spc="-1">
+                <a:solidFill>
+                  <a:srgbClr val="000000"/>
+                </a:solidFill>
+                <a:latin typeface="Arial"/>
+                <a:ea typeface="Noto Sans CJK SC"/>
+              </a:rPr>
+              <a:t>Disposability</a:t>
+            </a:r>
+            <a:r>
+              <a:rPr lang="en-GB" sz="1200" b="0" strike="noStrike" spc="-1">
+                <a:solidFill>
+                  <a:srgbClr val="000000"/>
+                </a:solidFill>
+                <a:latin typeface="Arial"/>
+                <a:ea typeface="Noto Sans CJK SC"/>
+              </a:rPr>
+              <a:t> - Maximize robustness with fast startup and graceful shutdown</a:t>
+            </a:r>
+            <a:endParaRPr lang="en-GB" sz="1200" b="0" strike="noStrike" spc="-1">
+              <a:solidFill>
+                <a:srgbClr val="000000"/>
+              </a:solidFill>
+              <a:latin typeface="Arial"/>
+            </a:endParaRPr>
+          </a:p>
+          <a:p>
+            <a:pPr marL="285840" indent="-285840">
+              <a:lnSpc>
+                <a:spcPct val="100000"/>
+              </a:lnSpc>
+              <a:buClr>
+                <a:srgbClr val="000000"/>
+              </a:buClr>
+              <a:buFont typeface="Arial"/>
+              <a:buAutoNum type="arabicParenR"/>
+            </a:pPr>
+            <a:r>
+              <a:rPr lang="en-GB" sz="1200" b="1" strike="noStrike" spc="-1">
+                <a:solidFill>
+                  <a:srgbClr val="000000"/>
+                </a:solidFill>
+                <a:latin typeface="Arial"/>
+                <a:ea typeface="Noto Sans CJK SC"/>
+              </a:rPr>
+              <a:t>Dev/prod parity</a:t>
+            </a:r>
+            <a:r>
+              <a:rPr lang="en-GB" sz="1200" b="0" strike="noStrike" spc="-1">
+                <a:solidFill>
+                  <a:srgbClr val="000000"/>
+                </a:solidFill>
+                <a:latin typeface="Arial"/>
+                <a:ea typeface="Noto Sans CJK SC"/>
+              </a:rPr>
+              <a:t> - Keep development, staging, and production as similar as possible</a:t>
+            </a:r>
+            <a:endParaRPr lang="en-GB" sz="1200" b="0" strike="noStrike" spc="-1">
+              <a:solidFill>
+                <a:srgbClr val="000000"/>
+              </a:solidFill>
+              <a:latin typeface="Arial"/>
+            </a:endParaRPr>
+          </a:p>
+          <a:p>
+            <a:pPr marL="285840" indent="-285840">
+              <a:lnSpc>
+                <a:spcPct val="100000"/>
+              </a:lnSpc>
+              <a:buClr>
+                <a:srgbClr val="000000"/>
+              </a:buClr>
+              <a:buFont typeface="Arial"/>
+              <a:buAutoNum type="arabicParenR"/>
+            </a:pPr>
+            <a:r>
+              <a:rPr lang="en-GB" sz="1200" b="1" strike="noStrike" spc="-1">
+                <a:solidFill>
+                  <a:srgbClr val="000000"/>
+                </a:solidFill>
+                <a:latin typeface="Arial"/>
+                <a:ea typeface="Noto Sans CJK SC"/>
+              </a:rPr>
+              <a:t>Logs</a:t>
+            </a:r>
+            <a:r>
+              <a:rPr lang="en-GB" sz="1200" b="0" strike="noStrike" spc="-1">
+                <a:solidFill>
+                  <a:srgbClr val="000000"/>
+                </a:solidFill>
+                <a:latin typeface="Arial"/>
+                <a:ea typeface="Noto Sans CJK SC"/>
+              </a:rPr>
+              <a:t> - Treat logs as event streams</a:t>
+            </a:r>
+            <a:endParaRPr lang="en-GB" sz="1200" b="0" strike="noStrike" spc="-1">
+              <a:solidFill>
+                <a:srgbClr val="000000"/>
+              </a:solidFill>
+              <a:latin typeface="Arial"/>
+            </a:endParaRPr>
+          </a:p>
+          <a:p>
+            <a:pPr marL="285840" indent="-285840">
+              <a:lnSpc>
+                <a:spcPct val="100000"/>
+              </a:lnSpc>
+              <a:buClr>
+                <a:srgbClr val="000000"/>
+              </a:buClr>
+              <a:buFont typeface="Arial"/>
+              <a:buAutoNum type="arabicParenR"/>
+            </a:pPr>
+            <a:r>
+              <a:rPr lang="en-GB" sz="1200" b="1" strike="noStrike" spc="-1">
+                <a:solidFill>
+                  <a:srgbClr val="000000"/>
+                </a:solidFill>
+                <a:latin typeface="Arial"/>
+                <a:ea typeface="Noto Sans CJK SC"/>
+              </a:rPr>
+              <a:t>Admin processes</a:t>
+            </a:r>
+            <a:r>
+              <a:rPr lang="en-GB" sz="1200" b="0" strike="noStrike" spc="-1">
+                <a:solidFill>
+                  <a:srgbClr val="000000"/>
+                </a:solidFill>
+                <a:latin typeface="Arial"/>
+                <a:ea typeface="Noto Sans CJK SC"/>
+              </a:rPr>
+              <a:t> - Run admin/management tasks as one-off processes</a:t>
+            </a:r>
+            <a:endParaRPr lang="en-GB" sz="1200" b="0" strike="noStrike" spc="-1">
+              <a:solidFill>
+                <a:srgbClr val="000000"/>
+              </a:solidFill>
+              <a:latin typeface="Arial"/>
+            </a:endParaRPr>
+          </a:p>
+        </p:txBody>
+      </p:sp>
+      <p:pic>
+        <p:nvPicPr>
+          <p:cNvPr id="397" name="Picture 396"/>
+          <p:cNvPicPr/>
+          <p:nvPr/>
+        </p:nvPicPr>
+        <p:blipFill>
+          <a:blip r:embed="rId2"/>
+          <a:stretch/>
+        </p:blipFill>
+        <p:spPr>
+          <a:xfrm>
+            <a:off x="5029200" y="1371600"/>
+            <a:ext cx="3768840" cy="2564640"/>
+          </a:xfrm>
+          <a:prstGeom prst="rect">
+            <a:avLst/>
+          </a:prstGeom>
+          <a:ln w="0">
+            <a:noFill/>
+          </a:ln>
+        </p:spPr>
+      </p:pic>
+    </p:spTree>
+  </p:cSld>
+  <p:clrMapOvr>
+    <a:masterClrMapping/>
+  </p:clrMapOvr>
+</p:sld>
+</file>
+
+<file path=ppt/slides/slide51.xml><?xml version="1.0" encoding="utf-8"?>
+<p:sld xmlns:a="http://schemas.openxmlformats.org/drawingml/2006/main" xmlns:r="http://schemas.openxmlformats.org/officeDocument/2006/relationships" xmlns:p="http://schemas.openxmlformats.org/presentationml/2006/main">
+  <p:cSld>
+    <p:spTree>
+      <p:nvGrpSpPr>
+        <p:cNvPr id="1" name=""/>
+        <p:cNvGrpSpPr/>
+        <p:nvPr/>
+      </p:nvGrpSpPr>
+      <p:grpSpPr>
+        <a:xfrm>
+          <a:off x="0" y="0"/>
+          <a:ext cx="0" cy="0"/>
+          <a:chOff x="0" y="0"/>
+          <a:chExt cx="0" cy="0"/>
+        </a:xfrm>
+      </p:grpSpPr>
+      <p:sp>
+        <p:nvSpPr>
           <p:cNvPr id="398" name="Google Shape;155;p 8"/>
           <p:cNvSpPr/>
           <p:nvPr/>
@@ -28274,7 +28726,7 @@
 </p:sld>
 </file>
 
-<file path=ppt/slides/slide51.xml><?xml version="1.0" encoding="utf-8"?>
+<file path=ppt/slides/slide52.xml><?xml version="1.0" encoding="utf-8"?>
 <p:sld xmlns:a="http://schemas.openxmlformats.org/drawingml/2006/main" xmlns:r="http://schemas.openxmlformats.org/officeDocument/2006/relationships" xmlns:p="http://schemas.openxmlformats.org/presentationml/2006/main">
   <p:cSld>
     <p:spTree>
@@ -29610,7 +30062,7 @@
 </p:sld>
 </file>
 
-<file path=ppt/slides/slide52.xml><?xml version="1.0" encoding="utf-8"?>
+<file path=ppt/slides/slide53.xml><?xml version="1.0" encoding="utf-8"?>
 <p:sld xmlns:a="http://schemas.openxmlformats.org/drawingml/2006/main" xmlns:r="http://schemas.openxmlformats.org/officeDocument/2006/relationships" xmlns:p="http://schemas.openxmlformats.org/presentationml/2006/main">
   <p:cSld>
     <p:spTree>
@@ -30151,7 +30603,7 @@
 </p:sld>
 </file>
 
-<file path=ppt/slides/slide53.xml><?xml version="1.0" encoding="utf-8"?>
+<file path=ppt/slides/slide54.xml><?xml version="1.0" encoding="utf-8"?>
 <p:sld xmlns:a="http://schemas.openxmlformats.org/drawingml/2006/main" xmlns:r="http://schemas.openxmlformats.org/officeDocument/2006/relationships" xmlns:p="http://schemas.openxmlformats.org/presentationml/2006/main">
   <p:cSld>
     <p:spTree>
@@ -30932,7 +31384,7 @@
 </p:sld>
 </file>
 
-<file path=ppt/slides/slide54.xml><?xml version="1.0" encoding="utf-8"?>
+<file path=ppt/slides/slide55.xml><?xml version="1.0" encoding="utf-8"?>
 <p:sld xmlns:a="http://schemas.openxmlformats.org/drawingml/2006/main" xmlns:r="http://schemas.openxmlformats.org/officeDocument/2006/relationships" xmlns:p="http://schemas.openxmlformats.org/presentationml/2006/main">
   <p:cSld>
     <p:spTree>
@@ -31069,1201 +31521,7 @@
 </p:sld>
 </file>
 
-<file path=ppt/slides/slide55.xml><?xml version="1.0" encoding="utf-8"?>
-<p:sld xmlns:a="http://schemas.openxmlformats.org/drawingml/2006/main" xmlns:r="http://schemas.openxmlformats.org/officeDocument/2006/relationships" xmlns:p="http://schemas.openxmlformats.org/presentationml/2006/main">
-  <p:cSld>
-    <p:spTree>
-      <p:nvGrpSpPr>
-        <p:cNvPr id="1" name=""/>
-        <p:cNvGrpSpPr/>
-        <p:nvPr/>
-      </p:nvGrpSpPr>
-      <p:grpSpPr>
-        <a:xfrm>
-          <a:off x="0" y="0"/>
-          <a:ext cx="0" cy="0"/>
-          <a:chOff x="0" y="0"/>
-          <a:chExt cx="0" cy="0"/>
-        </a:xfrm>
-      </p:grpSpPr>
-      <p:sp>
-        <p:nvSpPr>
-          <p:cNvPr id="430" name="Google Shape;155;p29"/>
-          <p:cNvSpPr/>
-          <p:nvPr/>
-        </p:nvSpPr>
-        <p:spPr>
-          <a:xfrm>
-            <a:off x="357120" y="384840"/>
-            <a:ext cx="3171240" cy="344520"/>
-          </a:xfrm>
-          <a:prstGeom prst="rect">
-            <a:avLst/>
-          </a:prstGeom>
-          <a:noFill/>
-          <a:ln w="0">
-            <a:noFill/>
-          </a:ln>
-        </p:spPr>
-        <p:style>
-          <a:lnRef idx="0">
-            <a:scrgbClr r="0" g="0" b="0"/>
-          </a:lnRef>
-          <a:fillRef idx="0">
-            <a:scrgbClr r="0" g="0" b="0"/>
-          </a:fillRef>
-          <a:effectRef idx="0">
-            <a:scrgbClr r="0" g="0" b="0"/>
-          </a:effectRef>
-          <a:fontRef idx="minor"/>
-        </p:style>
-        <p:txBody>
-          <a:bodyPr lIns="68400" tIns="34200" rIns="68400" bIns="34200" anchor="t">
-            <a:noAutofit/>
-          </a:bodyPr>
-          <a:lstStyle/>
-          <a:p>
-            <a:pPr>
-              <a:lnSpc>
-                <a:spcPct val="100000"/>
-              </a:lnSpc>
-              <a:tabLst>
-                <a:tab pos="0" algn="l"/>
-              </a:tabLst>
-            </a:pPr>
-            <a:endParaRPr lang="en-GB" sz="1500" b="1" strike="noStrike" spc="-1">
-              <a:solidFill>
-                <a:srgbClr val="40E0D0"/>
-              </a:solidFill>
-              <a:latin typeface="Libre Franklin"/>
-              <a:ea typeface="Libre Franklin"/>
-            </a:endParaRPr>
-          </a:p>
-        </p:txBody>
-      </p:sp>
-      <p:sp>
-        <p:nvSpPr>
-          <p:cNvPr id="431" name="Google Shape;156;p29"/>
-          <p:cNvSpPr/>
-          <p:nvPr/>
-        </p:nvSpPr>
-        <p:spPr>
-          <a:xfrm>
-            <a:off x="421200" y="4722840"/>
-            <a:ext cx="5330880" cy="154080"/>
-          </a:xfrm>
-          <a:prstGeom prst="rect">
-            <a:avLst/>
-          </a:prstGeom>
-          <a:noFill/>
-          <a:ln w="0">
-            <a:noFill/>
-          </a:ln>
-        </p:spPr>
-        <p:style>
-          <a:lnRef idx="0">
-            <a:scrgbClr r="0" g="0" b="0"/>
-          </a:lnRef>
-          <a:fillRef idx="0">
-            <a:scrgbClr r="0" g="0" b="0"/>
-          </a:fillRef>
-          <a:effectRef idx="0">
-            <a:scrgbClr r="0" g="0" b="0"/>
-          </a:effectRef>
-          <a:fontRef idx="minor"/>
-        </p:style>
-        <p:txBody>
-          <a:bodyPr lIns="51480" tIns="25560" rIns="51480" bIns="25560" anchor="t">
-            <a:noAutofit/>
-          </a:bodyPr>
-          <a:lstStyle/>
-          <a:p>
-            <a:pPr>
-              <a:lnSpc>
-                <a:spcPct val="100000"/>
-              </a:lnSpc>
-              <a:tabLst>
-                <a:tab pos="0" algn="l"/>
-              </a:tabLst>
-            </a:pPr>
-            <a:r>
-              <a:rPr lang="hr-HR" sz="800" b="1" strike="noStrike" spc="-1">
-                <a:solidFill>
-                  <a:srgbClr val="0A323E"/>
-                </a:solidFill>
-                <a:latin typeface="Libre Franklin"/>
-                <a:ea typeface="Libre Franklin"/>
-              </a:rPr>
-              <a:t>Virtualization</a:t>
-            </a:r>
-            <a:endParaRPr lang="en-GB" sz="800" b="0" strike="noStrike" spc="-1">
-              <a:solidFill>
-                <a:srgbClr val="000000"/>
-              </a:solidFill>
-              <a:latin typeface="Arial"/>
-            </a:endParaRPr>
-          </a:p>
-        </p:txBody>
-      </p:sp>
-      <p:sp>
-        <p:nvSpPr>
-          <p:cNvPr id="432" name="Google Shape;157;p29"/>
-          <p:cNvSpPr/>
-          <p:nvPr/>
-        </p:nvSpPr>
-        <p:spPr>
-          <a:xfrm>
-            <a:off x="362160" y="841680"/>
-            <a:ext cx="3328200" cy="713520"/>
-          </a:xfrm>
-          <a:prstGeom prst="rect">
-            <a:avLst/>
-          </a:prstGeom>
-          <a:noFill/>
-          <a:ln w="0">
-            <a:noFill/>
-          </a:ln>
-        </p:spPr>
-        <p:style>
-          <a:lnRef idx="0">
-            <a:scrgbClr r="0" g="0" b="0"/>
-          </a:lnRef>
-          <a:fillRef idx="0">
-            <a:scrgbClr r="0" g="0" b="0"/>
-          </a:fillRef>
-          <a:effectRef idx="0">
-            <a:scrgbClr r="0" g="0" b="0"/>
-          </a:effectRef>
-          <a:fontRef idx="minor"/>
-        </p:style>
-        <p:txBody>
-          <a:bodyPr lIns="68400" tIns="34200" rIns="68400" bIns="34200" anchor="t">
-            <a:noAutofit/>
-          </a:bodyPr>
-          <a:lstStyle/>
-          <a:p>
-            <a:pPr>
-              <a:lnSpc>
-                <a:spcPct val="150000"/>
-              </a:lnSpc>
-              <a:tabLst>
-                <a:tab pos="0" algn="l"/>
-              </a:tabLst>
-            </a:pPr>
-            <a:endParaRPr lang="pt-BR" sz="1000" b="0" strike="noStrike" spc="-1">
-              <a:solidFill>
-                <a:srgbClr val="0A323E"/>
-              </a:solidFill>
-              <a:latin typeface="Libre Franklin"/>
-              <a:ea typeface="Libre Franklin"/>
-            </a:endParaRPr>
-          </a:p>
-        </p:txBody>
-      </p:sp>
-      <p:sp>
-        <p:nvSpPr>
-          <p:cNvPr id="433" name="Google Shape;163;p30"/>
-          <p:cNvSpPr/>
-          <p:nvPr/>
-        </p:nvSpPr>
-        <p:spPr>
-          <a:xfrm>
-            <a:off x="509760" y="537120"/>
-            <a:ext cx="3892680" cy="344520"/>
-          </a:xfrm>
-          <a:prstGeom prst="rect">
-            <a:avLst/>
-          </a:prstGeom>
-          <a:noFill/>
-          <a:ln w="0">
-            <a:noFill/>
-          </a:ln>
-        </p:spPr>
-        <p:style>
-          <a:lnRef idx="0">
-            <a:scrgbClr r="0" g="0" b="0"/>
-          </a:lnRef>
-          <a:fillRef idx="0">
-            <a:scrgbClr r="0" g="0" b="0"/>
-          </a:fillRef>
-          <a:effectRef idx="0">
-            <a:scrgbClr r="0" g="0" b="0"/>
-          </a:effectRef>
-          <a:fontRef idx="minor"/>
-        </p:style>
-        <p:txBody>
-          <a:bodyPr lIns="68400" tIns="34200" rIns="68400" bIns="34200" anchor="t">
-            <a:noAutofit/>
-          </a:bodyPr>
-          <a:lstStyle/>
-          <a:p>
-            <a:pPr>
-              <a:lnSpc>
-                <a:spcPct val="100000"/>
-              </a:lnSpc>
-              <a:tabLst>
-                <a:tab pos="0" algn="l"/>
-              </a:tabLst>
-            </a:pPr>
-            <a:r>
-              <a:rPr lang="hr-HR" sz="1500" b="1" strike="noStrike" spc="-1">
-                <a:solidFill>
-                  <a:srgbClr val="C9211E"/>
-                </a:solidFill>
-                <a:latin typeface="Libre Franklin"/>
-                <a:ea typeface="Libre Franklin"/>
-              </a:rPr>
-              <a:t>Hypervisor based virtualization</a:t>
-            </a:r>
-            <a:endParaRPr lang="en-GB" sz="1500" b="0" strike="noStrike" spc="-1">
-              <a:solidFill>
-                <a:srgbClr val="000000"/>
-              </a:solidFill>
-              <a:latin typeface="Arial"/>
-            </a:endParaRPr>
-          </a:p>
-          <a:p>
-            <a:pPr>
-              <a:lnSpc>
-                <a:spcPct val="100000"/>
-              </a:lnSpc>
-              <a:tabLst>
-                <a:tab pos="0" algn="l"/>
-              </a:tabLst>
-            </a:pPr>
-            <a:endParaRPr lang="en-GB" sz="1800" b="0" strike="noStrike" spc="-1">
-              <a:solidFill>
-                <a:srgbClr val="000000"/>
-              </a:solidFill>
-              <a:latin typeface="Arial"/>
-            </a:endParaRPr>
-          </a:p>
-          <a:p>
-            <a:pPr>
-              <a:lnSpc>
-                <a:spcPct val="100000"/>
-              </a:lnSpc>
-              <a:tabLst>
-                <a:tab pos="0" algn="l"/>
-              </a:tabLst>
-            </a:pPr>
-            <a:endParaRPr lang="en-GB" sz="1800" b="0" strike="noStrike" spc="-1">
-              <a:solidFill>
-                <a:srgbClr val="000000"/>
-              </a:solidFill>
-              <a:latin typeface="Arial"/>
-            </a:endParaRPr>
-          </a:p>
-          <a:p>
-            <a:pPr>
-              <a:lnSpc>
-                <a:spcPct val="100000"/>
-              </a:lnSpc>
-              <a:tabLst>
-                <a:tab pos="0" algn="l"/>
-              </a:tabLst>
-            </a:pPr>
-            <a:r>
-              <a:rPr lang="en-GB" sz="1800" b="0" strike="noStrike" spc="-1">
-                <a:solidFill>
-                  <a:srgbClr val="0A323E"/>
-                </a:solidFill>
-                <a:latin typeface="Libre Franklin"/>
-                <a:ea typeface="Arial"/>
-              </a:rPr>
-              <a:t>VMs run on top of a physical machine using</a:t>
-            </a:r>
-            <a:r>
-              <a:rPr lang="hr-HR" sz="1800" b="0" strike="noStrike" spc="-1">
-                <a:solidFill>
-                  <a:srgbClr val="0A323E"/>
-                </a:solidFill>
-                <a:latin typeface="Libre Franklin"/>
-                <a:ea typeface="Arial"/>
-              </a:rPr>
-              <a:t> </a:t>
-            </a:r>
-            <a:r>
-              <a:rPr lang="en-GB" sz="1800" b="0" strike="noStrike" spc="-1">
-                <a:solidFill>
-                  <a:srgbClr val="0A323E"/>
-                </a:solidFill>
-                <a:latin typeface="Libre Franklin"/>
-                <a:ea typeface="Arial"/>
-              </a:rPr>
-              <a:t>a</a:t>
-            </a:r>
-            <a:r>
-              <a:rPr lang="hr-HR" sz="1800" b="0" strike="noStrike" spc="-1">
-                <a:solidFill>
-                  <a:srgbClr val="0A323E"/>
-                </a:solidFill>
-                <a:latin typeface="Libre Franklin"/>
-                <a:ea typeface="Arial"/>
-              </a:rPr>
-              <a:t> “hypervisor”</a:t>
-            </a:r>
-            <a:r>
-              <a:rPr lang="en-GB" sz="1800" b="0" strike="noStrike" spc="-1">
-                <a:solidFill>
-                  <a:srgbClr val="0A323E"/>
-                </a:solidFill>
-                <a:latin typeface="Libre Franklin"/>
-                <a:ea typeface="Arial"/>
-              </a:rPr>
-              <a:t>. </a:t>
-            </a:r>
-            <a:endParaRPr lang="en-GB" sz="1800" b="0" strike="noStrike" spc="-1">
-              <a:solidFill>
-                <a:srgbClr val="000000"/>
-              </a:solidFill>
-              <a:latin typeface="Arial"/>
-            </a:endParaRPr>
-          </a:p>
-          <a:p>
-            <a:pPr>
-              <a:lnSpc>
-                <a:spcPct val="100000"/>
-              </a:lnSpc>
-              <a:tabLst>
-                <a:tab pos="0" algn="l"/>
-              </a:tabLst>
-            </a:pPr>
-            <a:endParaRPr lang="en-GB" sz="1800" b="0" strike="noStrike" spc="-1">
-              <a:solidFill>
-                <a:srgbClr val="000000"/>
-              </a:solidFill>
-              <a:latin typeface="Arial"/>
-            </a:endParaRPr>
-          </a:p>
-          <a:p>
-            <a:pPr marL="285840" indent="-285840">
-              <a:lnSpc>
-                <a:spcPct val="100000"/>
-              </a:lnSpc>
-              <a:buClr>
-                <a:srgbClr val="000000"/>
-              </a:buClr>
-              <a:buFont typeface="Arial"/>
-              <a:buChar char="•"/>
-              <a:tabLst>
-                <a:tab pos="0" algn="l"/>
-              </a:tabLst>
-            </a:pPr>
-            <a:r>
-              <a:rPr lang="en-GB" sz="1800" b="0" strike="noStrike" spc="-1">
-                <a:solidFill>
-                  <a:srgbClr val="0A323E"/>
-                </a:solidFill>
-                <a:latin typeface="Libre Franklin"/>
-                <a:ea typeface="Arial"/>
-              </a:rPr>
-              <a:t>hosted hypervisor</a:t>
-            </a:r>
-            <a:endParaRPr lang="en-GB" sz="1800" b="0" strike="noStrike" spc="-1">
-              <a:solidFill>
-                <a:srgbClr val="000000"/>
-              </a:solidFill>
-              <a:latin typeface="Arial"/>
-            </a:endParaRPr>
-          </a:p>
-          <a:p>
-            <a:pPr marL="285840" indent="-285840">
-              <a:lnSpc>
-                <a:spcPct val="100000"/>
-              </a:lnSpc>
-              <a:buClr>
-                <a:srgbClr val="000000"/>
-              </a:buClr>
-              <a:buFont typeface="Arial"/>
-              <a:buChar char="•"/>
-              <a:tabLst>
-                <a:tab pos="0" algn="l"/>
-              </a:tabLst>
-            </a:pPr>
-            <a:r>
-              <a:rPr lang="en-GB" sz="1800" b="0" strike="noStrike" spc="-1">
-                <a:solidFill>
-                  <a:srgbClr val="0A323E"/>
-                </a:solidFill>
-                <a:latin typeface="Libre Franklin"/>
-                <a:ea typeface="Arial"/>
-              </a:rPr>
-              <a:t>bare-metal hypervisor</a:t>
-            </a:r>
-            <a:r>
-              <a:rPr lang="en-GB" sz="1100" b="0" strike="noStrike" spc="-1">
-                <a:solidFill>
-                  <a:srgbClr val="0A323E"/>
-                </a:solidFill>
-                <a:latin typeface="Libre Franklin"/>
-                <a:ea typeface="Arial"/>
-              </a:rPr>
-              <a:t> </a:t>
-            </a:r>
-            <a:endParaRPr lang="en-GB" sz="1100" b="0" strike="noStrike" spc="-1">
-              <a:solidFill>
-                <a:srgbClr val="000000"/>
-              </a:solidFill>
-              <a:latin typeface="Arial"/>
-            </a:endParaRPr>
-          </a:p>
-          <a:p>
-            <a:pPr>
-              <a:lnSpc>
-                <a:spcPct val="100000"/>
-              </a:lnSpc>
-              <a:tabLst>
-                <a:tab pos="0" algn="l"/>
-              </a:tabLst>
-            </a:pPr>
-            <a:endParaRPr lang="en-GB" sz="1500" b="0" strike="noStrike" spc="-1">
-              <a:solidFill>
-                <a:srgbClr val="000000"/>
-              </a:solidFill>
-              <a:latin typeface="Arial"/>
-            </a:endParaRPr>
-          </a:p>
-        </p:txBody>
-      </p:sp>
-      <p:pic>
-        <p:nvPicPr>
-          <p:cNvPr id="434" name="Picture 2" descr="Graphical user interface&#10;&#10;Description automatically generated"/>
-          <p:cNvPicPr/>
-          <p:nvPr/>
-        </p:nvPicPr>
-        <p:blipFill>
-          <a:blip r:embed="rId2"/>
-          <a:stretch/>
-        </p:blipFill>
-        <p:spPr>
-          <a:xfrm>
-            <a:off x="4309920" y="1334160"/>
-            <a:ext cx="2695320" cy="2037240"/>
-          </a:xfrm>
-          <a:prstGeom prst="rect">
-            <a:avLst/>
-          </a:prstGeom>
-          <a:ln w="0">
-            <a:noFill/>
-          </a:ln>
-        </p:spPr>
-      </p:pic>
-    </p:spTree>
-  </p:cSld>
-  <p:clrMapOvr>
-    <a:masterClrMapping/>
-  </p:clrMapOvr>
-</p:sld>
-</file>
-
 <file path=ppt/slides/slide6.xml><?xml version="1.0" encoding="utf-8"?>
-<p:sld xmlns:a="http://schemas.openxmlformats.org/drawingml/2006/main" xmlns:r="http://schemas.openxmlformats.org/officeDocument/2006/relationships" xmlns:p="http://schemas.openxmlformats.org/presentationml/2006/main">
-  <p:cSld>
-    <p:spTree>
-      <p:nvGrpSpPr>
-        <p:cNvPr id="1" name=""/>
-        <p:cNvGrpSpPr/>
-        <p:nvPr/>
-      </p:nvGrpSpPr>
-      <p:grpSpPr>
-        <a:xfrm>
-          <a:off x="0" y="0"/>
-          <a:ext cx="0" cy="0"/>
-          <a:chOff x="0" y="0"/>
-          <a:chExt cx="0" cy="0"/>
-        </a:xfrm>
-      </p:grpSpPr>
-      <p:sp>
-        <p:nvSpPr>
-          <p:cNvPr id="183" name="Google Shape;155;p29"/>
-          <p:cNvSpPr/>
-          <p:nvPr/>
-        </p:nvSpPr>
-        <p:spPr>
-          <a:xfrm>
-            <a:off x="357120" y="384840"/>
-            <a:ext cx="3171240" cy="344520"/>
-          </a:xfrm>
-          <a:prstGeom prst="rect">
-            <a:avLst/>
-          </a:prstGeom>
-          <a:noFill/>
-          <a:ln w="0">
-            <a:noFill/>
-          </a:ln>
-        </p:spPr>
-        <p:style>
-          <a:lnRef idx="0">
-            <a:scrgbClr r="0" g="0" b="0"/>
-          </a:lnRef>
-          <a:fillRef idx="0">
-            <a:scrgbClr r="0" g="0" b="0"/>
-          </a:fillRef>
-          <a:effectRef idx="0">
-            <a:scrgbClr r="0" g="0" b="0"/>
-          </a:effectRef>
-          <a:fontRef idx="minor"/>
-        </p:style>
-        <p:txBody>
-          <a:bodyPr lIns="68400" tIns="34200" rIns="68400" bIns="34200" anchor="t">
-            <a:noAutofit/>
-          </a:bodyPr>
-          <a:lstStyle/>
-          <a:p>
-            <a:pPr>
-              <a:lnSpc>
-                <a:spcPct val="100000"/>
-              </a:lnSpc>
-              <a:tabLst>
-                <a:tab pos="0" algn="l"/>
-              </a:tabLst>
-            </a:pPr>
-            <a:endParaRPr lang="en-GB" sz="1500" b="1" strike="noStrike" spc="-1">
-              <a:solidFill>
-                <a:srgbClr val="40E0D0"/>
-              </a:solidFill>
-              <a:latin typeface="Libre Franklin"/>
-              <a:ea typeface="Libre Franklin"/>
-            </a:endParaRPr>
-          </a:p>
-        </p:txBody>
-      </p:sp>
-      <p:sp>
-        <p:nvSpPr>
-          <p:cNvPr id="184" name="Google Shape;156;p29"/>
-          <p:cNvSpPr/>
-          <p:nvPr/>
-        </p:nvSpPr>
-        <p:spPr>
-          <a:xfrm>
-            <a:off x="421200" y="4722840"/>
-            <a:ext cx="5330880" cy="154080"/>
-          </a:xfrm>
-          <a:prstGeom prst="rect">
-            <a:avLst/>
-          </a:prstGeom>
-          <a:noFill/>
-          <a:ln w="0">
-            <a:noFill/>
-          </a:ln>
-        </p:spPr>
-        <p:style>
-          <a:lnRef idx="0">
-            <a:scrgbClr r="0" g="0" b="0"/>
-          </a:lnRef>
-          <a:fillRef idx="0">
-            <a:scrgbClr r="0" g="0" b="0"/>
-          </a:fillRef>
-          <a:effectRef idx="0">
-            <a:scrgbClr r="0" g="0" b="0"/>
-          </a:effectRef>
-          <a:fontRef idx="minor"/>
-        </p:style>
-        <p:txBody>
-          <a:bodyPr lIns="51480" tIns="25560" rIns="51480" bIns="25560" anchor="t">
-            <a:noAutofit/>
-          </a:bodyPr>
-          <a:lstStyle/>
-          <a:p>
-            <a:pPr>
-              <a:lnSpc>
-                <a:spcPct val="100000"/>
-              </a:lnSpc>
-              <a:tabLst>
-                <a:tab pos="0" algn="l"/>
-              </a:tabLst>
-            </a:pPr>
-            <a:r>
-              <a:rPr lang="hr-HR" sz="800" b="1" strike="noStrike" spc="-1">
-                <a:solidFill>
-                  <a:srgbClr val="0A323E"/>
-                </a:solidFill>
-                <a:latin typeface="Libre Franklin"/>
-                <a:ea typeface="Libre Franklin"/>
-              </a:rPr>
-              <a:t>Virtualization</a:t>
-            </a:r>
-            <a:endParaRPr lang="en-GB" sz="800" b="0" strike="noStrike" spc="-1">
-              <a:solidFill>
-                <a:srgbClr val="000000"/>
-              </a:solidFill>
-              <a:latin typeface="Arial"/>
-            </a:endParaRPr>
-          </a:p>
-        </p:txBody>
-      </p:sp>
-      <p:sp>
-        <p:nvSpPr>
-          <p:cNvPr id="185" name="Google Shape;157;p29"/>
-          <p:cNvSpPr/>
-          <p:nvPr/>
-        </p:nvSpPr>
-        <p:spPr>
-          <a:xfrm>
-            <a:off x="362160" y="841680"/>
-            <a:ext cx="3328200" cy="713520"/>
-          </a:xfrm>
-          <a:prstGeom prst="rect">
-            <a:avLst/>
-          </a:prstGeom>
-          <a:noFill/>
-          <a:ln w="0">
-            <a:noFill/>
-          </a:ln>
-        </p:spPr>
-        <p:style>
-          <a:lnRef idx="0">
-            <a:scrgbClr r="0" g="0" b="0"/>
-          </a:lnRef>
-          <a:fillRef idx="0">
-            <a:scrgbClr r="0" g="0" b="0"/>
-          </a:fillRef>
-          <a:effectRef idx="0">
-            <a:scrgbClr r="0" g="0" b="0"/>
-          </a:effectRef>
-          <a:fontRef idx="minor"/>
-        </p:style>
-        <p:txBody>
-          <a:bodyPr lIns="68400" tIns="34200" rIns="68400" bIns="34200" anchor="t">
-            <a:noAutofit/>
-          </a:bodyPr>
-          <a:lstStyle/>
-          <a:p>
-            <a:pPr>
-              <a:lnSpc>
-                <a:spcPct val="150000"/>
-              </a:lnSpc>
-              <a:tabLst>
-                <a:tab pos="0" algn="l"/>
-              </a:tabLst>
-            </a:pPr>
-            <a:endParaRPr lang="pt-BR" sz="1000" b="0" strike="noStrike" spc="-1">
-              <a:solidFill>
-                <a:srgbClr val="0A323E"/>
-              </a:solidFill>
-              <a:latin typeface="Libre Franklin"/>
-              <a:ea typeface="Libre Franklin"/>
-            </a:endParaRPr>
-          </a:p>
-        </p:txBody>
-      </p:sp>
-      <p:sp>
-        <p:nvSpPr>
-          <p:cNvPr id="186" name="Google Shape;163;p30"/>
-          <p:cNvSpPr/>
-          <p:nvPr/>
-        </p:nvSpPr>
-        <p:spPr>
-          <a:xfrm>
-            <a:off x="509760" y="537120"/>
-            <a:ext cx="3171240" cy="344520"/>
-          </a:xfrm>
-          <a:prstGeom prst="rect">
-            <a:avLst/>
-          </a:prstGeom>
-          <a:noFill/>
-          <a:ln w="0">
-            <a:noFill/>
-          </a:ln>
-        </p:spPr>
-        <p:style>
-          <a:lnRef idx="0">
-            <a:scrgbClr r="0" g="0" b="0"/>
-          </a:lnRef>
-          <a:fillRef idx="0">
-            <a:scrgbClr r="0" g="0" b="0"/>
-          </a:fillRef>
-          <a:effectRef idx="0">
-            <a:scrgbClr r="0" g="0" b="0"/>
-          </a:effectRef>
-          <a:fontRef idx="minor"/>
-        </p:style>
-        <p:txBody>
-          <a:bodyPr lIns="68400" tIns="34200" rIns="68400" bIns="34200" anchor="t">
-            <a:noAutofit/>
-          </a:bodyPr>
-          <a:lstStyle/>
-          <a:p>
-            <a:pPr>
-              <a:lnSpc>
-                <a:spcPct val="100000"/>
-              </a:lnSpc>
-              <a:tabLst>
-                <a:tab pos="0" algn="l"/>
-              </a:tabLst>
-            </a:pPr>
-            <a:r>
-              <a:rPr lang="hr-HR" sz="1500" b="1" strike="noStrike" spc="-1">
-                <a:solidFill>
-                  <a:srgbClr val="C9211E"/>
-                </a:solidFill>
-                <a:latin typeface="Libre Franklin"/>
-                <a:ea typeface="Libre Franklin"/>
-              </a:rPr>
-              <a:t>Types of virtualization</a:t>
-            </a:r>
-            <a:endParaRPr lang="en-GB" sz="1500" b="0" strike="noStrike" spc="-1">
-              <a:solidFill>
-                <a:srgbClr val="000000"/>
-              </a:solidFill>
-              <a:latin typeface="Arial"/>
-            </a:endParaRPr>
-          </a:p>
-          <a:p>
-            <a:pPr>
-              <a:lnSpc>
-                <a:spcPct val="100000"/>
-              </a:lnSpc>
-              <a:tabLst>
-                <a:tab pos="0" algn="l"/>
-              </a:tabLst>
-            </a:pPr>
-            <a:endParaRPr lang="en-GB" sz="1500" b="0" strike="noStrike" spc="-1">
-              <a:solidFill>
-                <a:srgbClr val="000000"/>
-              </a:solidFill>
-              <a:latin typeface="Arial"/>
-            </a:endParaRPr>
-          </a:p>
-          <a:p>
-            <a:pPr>
-              <a:lnSpc>
-                <a:spcPct val="100000"/>
-              </a:lnSpc>
-              <a:tabLst>
-                <a:tab pos="0" algn="l"/>
-              </a:tabLst>
-            </a:pPr>
-            <a:r>
-              <a:rPr lang="hr-HR" sz="1400" b="0" strike="noStrike" spc="-1">
-                <a:solidFill>
-                  <a:srgbClr val="0A323E"/>
-                </a:solidFill>
-                <a:latin typeface="Libre Franklin"/>
-                <a:ea typeface="Arial"/>
-              </a:rPr>
-              <a:t>Data Virtualization</a:t>
-            </a:r>
-            <a:endParaRPr lang="en-GB" sz="1400" b="0" strike="noStrike" spc="-1">
-              <a:solidFill>
-                <a:srgbClr val="000000"/>
-              </a:solidFill>
-              <a:latin typeface="Arial"/>
-            </a:endParaRPr>
-          </a:p>
-          <a:p>
-            <a:pPr>
-              <a:lnSpc>
-                <a:spcPct val="100000"/>
-              </a:lnSpc>
-              <a:tabLst>
-                <a:tab pos="0" algn="l"/>
-              </a:tabLst>
-            </a:pPr>
-            <a:r>
-              <a:rPr lang="en-GB" sz="1800" b="0" strike="noStrike" spc="-1">
-                <a:solidFill>
-                  <a:srgbClr val="0A0A23"/>
-                </a:solidFill>
-                <a:latin typeface="Libre Franklin"/>
-                <a:ea typeface="Arial"/>
-              </a:rPr>
-              <a:t> </a:t>
-            </a:r>
-            <a:endParaRPr lang="en-GB" sz="1800" b="0" strike="noStrike" spc="-1">
-              <a:solidFill>
-                <a:srgbClr val="000000"/>
-              </a:solidFill>
-              <a:latin typeface="Arial"/>
-            </a:endParaRPr>
-          </a:p>
-          <a:p>
-            <a:pPr>
-              <a:lnSpc>
-                <a:spcPct val="100000"/>
-              </a:lnSpc>
-              <a:tabLst>
-                <a:tab pos="0" algn="l"/>
-              </a:tabLst>
-            </a:pPr>
-            <a:endParaRPr lang="en-GB" sz="1500" b="0" strike="noStrike" spc="-1">
-              <a:solidFill>
-                <a:srgbClr val="000000"/>
-              </a:solidFill>
-              <a:latin typeface="Arial"/>
-            </a:endParaRPr>
-          </a:p>
-        </p:txBody>
-      </p:sp>
-      <p:pic>
-        <p:nvPicPr>
-          <p:cNvPr id="187" name="Picture 5" descr="Diagram&#10;&#10;Description automatically generated with medium confidence"/>
-          <p:cNvPicPr/>
-          <p:nvPr/>
-        </p:nvPicPr>
-        <p:blipFill>
-          <a:blip r:embed="rId2"/>
-          <a:stretch/>
-        </p:blipFill>
-        <p:spPr>
-          <a:xfrm>
-            <a:off x="632160" y="1362960"/>
-            <a:ext cx="1631880" cy="1152720"/>
-          </a:xfrm>
-          <a:prstGeom prst="rect">
-            <a:avLst/>
-          </a:prstGeom>
-          <a:ln w="0">
-            <a:noFill/>
-          </a:ln>
-        </p:spPr>
-      </p:pic>
-      <p:sp>
-        <p:nvSpPr>
-          <p:cNvPr id="188" name="TextBox 6"/>
-          <p:cNvSpPr/>
-          <p:nvPr/>
-        </p:nvSpPr>
-        <p:spPr>
-          <a:xfrm>
-            <a:off x="3363840" y="995760"/>
-            <a:ext cx="2023560" cy="303120"/>
-          </a:xfrm>
-          <a:prstGeom prst="rect">
-            <a:avLst/>
-          </a:prstGeom>
-          <a:noFill/>
-          <a:ln w="0">
-            <a:noFill/>
-          </a:ln>
-        </p:spPr>
-        <p:style>
-          <a:lnRef idx="0">
-            <a:scrgbClr r="0" g="0" b="0"/>
-          </a:lnRef>
-          <a:fillRef idx="0">
-            <a:scrgbClr r="0" g="0" b="0"/>
-          </a:fillRef>
-          <a:effectRef idx="0">
-            <a:scrgbClr r="0" g="0" b="0"/>
-          </a:effectRef>
-          <a:fontRef idx="minor"/>
-        </p:style>
-        <p:txBody>
-          <a:bodyPr wrap="none" lIns="90000" tIns="45000" rIns="90000" bIns="45000" anchor="t">
-            <a:spAutoFit/>
-          </a:bodyPr>
-          <a:lstStyle/>
-          <a:p>
-            <a:pPr>
-              <a:lnSpc>
-                <a:spcPct val="100000"/>
-              </a:lnSpc>
-            </a:pPr>
-            <a:r>
-              <a:rPr lang="hr-HR" sz="1400" b="0" strike="noStrike" spc="-1">
-                <a:solidFill>
-                  <a:srgbClr val="0A323E"/>
-                </a:solidFill>
-                <a:latin typeface="Libre Franklin"/>
-                <a:ea typeface="Arial"/>
-              </a:rPr>
-              <a:t>Desktop Virtualization</a:t>
-            </a:r>
-            <a:endParaRPr lang="en-GB" sz="1400" b="0" strike="noStrike" spc="-1">
-              <a:solidFill>
-                <a:srgbClr val="000000"/>
-              </a:solidFill>
-              <a:latin typeface="Arial"/>
-            </a:endParaRPr>
-          </a:p>
-        </p:txBody>
-      </p:sp>
-      <p:pic>
-        <p:nvPicPr>
-          <p:cNvPr id="189" name="Picture 9" descr="Diagram&#10;&#10;Description automatically generated"/>
-          <p:cNvPicPr/>
-          <p:nvPr/>
-        </p:nvPicPr>
-        <p:blipFill>
-          <a:blip r:embed="rId3"/>
-          <a:stretch/>
-        </p:blipFill>
-        <p:spPr>
-          <a:xfrm>
-            <a:off x="3726360" y="1307520"/>
-            <a:ext cx="1266840" cy="1419480"/>
-          </a:xfrm>
-          <a:prstGeom prst="rect">
-            <a:avLst/>
-          </a:prstGeom>
-          <a:ln w="0">
-            <a:noFill/>
-          </a:ln>
-        </p:spPr>
-      </p:pic>
-      <p:sp>
-        <p:nvSpPr>
-          <p:cNvPr id="190" name="TextBox 10"/>
-          <p:cNvSpPr/>
-          <p:nvPr/>
-        </p:nvSpPr>
-        <p:spPr>
-          <a:xfrm>
-            <a:off x="6180480" y="988560"/>
-            <a:ext cx="1868400" cy="303120"/>
-          </a:xfrm>
-          <a:prstGeom prst="rect">
-            <a:avLst/>
-          </a:prstGeom>
-          <a:noFill/>
-          <a:ln w="0">
-            <a:noFill/>
-          </a:ln>
-        </p:spPr>
-        <p:style>
-          <a:lnRef idx="0">
-            <a:scrgbClr r="0" g="0" b="0"/>
-          </a:lnRef>
-          <a:fillRef idx="0">
-            <a:scrgbClr r="0" g="0" b="0"/>
-          </a:fillRef>
-          <a:effectRef idx="0">
-            <a:scrgbClr r="0" g="0" b="0"/>
-          </a:effectRef>
-          <a:fontRef idx="minor"/>
-        </p:style>
-        <p:txBody>
-          <a:bodyPr wrap="none" lIns="90000" tIns="45000" rIns="90000" bIns="45000" anchor="t">
-            <a:spAutoFit/>
-          </a:bodyPr>
-          <a:lstStyle/>
-          <a:p>
-            <a:pPr>
-              <a:lnSpc>
-                <a:spcPct val="100000"/>
-              </a:lnSpc>
-            </a:pPr>
-            <a:r>
-              <a:rPr lang="hr-HR" sz="1400" b="0" strike="noStrike" spc="-1">
-                <a:solidFill>
-                  <a:srgbClr val="0A323E"/>
-                </a:solidFill>
-                <a:latin typeface="Libre Franklin"/>
-                <a:ea typeface="Arial"/>
-              </a:rPr>
-              <a:t>Server Virtualization</a:t>
-            </a:r>
-            <a:endParaRPr lang="en-GB" sz="1400" b="0" strike="noStrike" spc="-1">
-              <a:solidFill>
-                <a:srgbClr val="000000"/>
-              </a:solidFill>
-              <a:latin typeface="Arial"/>
-            </a:endParaRPr>
-          </a:p>
-        </p:txBody>
-      </p:sp>
-      <p:pic>
-        <p:nvPicPr>
-          <p:cNvPr id="191" name="Picture 12" descr="Graphical user interface, diagram&#10;&#10;Description automatically generated"/>
-          <p:cNvPicPr/>
-          <p:nvPr/>
-        </p:nvPicPr>
-        <p:blipFill>
-          <a:blip r:embed="rId4"/>
-          <a:stretch/>
-        </p:blipFill>
-        <p:spPr>
-          <a:xfrm>
-            <a:off x="6357960" y="1281240"/>
-            <a:ext cx="1622160" cy="1288800"/>
-          </a:xfrm>
-          <a:prstGeom prst="rect">
-            <a:avLst/>
-          </a:prstGeom>
-          <a:ln w="0">
-            <a:noFill/>
-          </a:ln>
-        </p:spPr>
-      </p:pic>
-      <p:sp>
-        <p:nvSpPr>
-          <p:cNvPr id="192" name="TextBox 13"/>
-          <p:cNvSpPr/>
-          <p:nvPr/>
-        </p:nvSpPr>
-        <p:spPr>
-          <a:xfrm>
-            <a:off x="502920" y="2944440"/>
-            <a:ext cx="2820600" cy="303120"/>
-          </a:xfrm>
-          <a:prstGeom prst="rect">
-            <a:avLst/>
-          </a:prstGeom>
-          <a:noFill/>
-          <a:ln w="0">
-            <a:noFill/>
-          </a:ln>
-        </p:spPr>
-        <p:style>
-          <a:lnRef idx="0">
-            <a:scrgbClr r="0" g="0" b="0"/>
-          </a:lnRef>
-          <a:fillRef idx="0">
-            <a:scrgbClr r="0" g="0" b="0"/>
-          </a:fillRef>
-          <a:effectRef idx="0">
-            <a:scrgbClr r="0" g="0" b="0"/>
-          </a:effectRef>
-          <a:fontRef idx="minor"/>
-        </p:style>
-        <p:txBody>
-          <a:bodyPr wrap="none" lIns="90000" tIns="45000" rIns="90000" bIns="45000" anchor="t">
-            <a:spAutoFit/>
-          </a:bodyPr>
-          <a:lstStyle/>
-          <a:p>
-            <a:pPr>
-              <a:lnSpc>
-                <a:spcPct val="100000"/>
-              </a:lnSpc>
-            </a:pPr>
-            <a:r>
-              <a:rPr lang="hr-HR" sz="1400" b="0" strike="noStrike" spc="-1">
-                <a:solidFill>
-                  <a:srgbClr val="0A323E"/>
-                </a:solidFill>
-                <a:latin typeface="Libre Franklin"/>
-                <a:ea typeface="Arial"/>
-              </a:rPr>
-              <a:t>Operating system Virutalization</a:t>
-            </a:r>
-            <a:endParaRPr lang="en-GB" sz="1400" b="0" strike="noStrike" spc="-1">
-              <a:solidFill>
-                <a:srgbClr val="000000"/>
-              </a:solidFill>
-              <a:latin typeface="Arial"/>
-            </a:endParaRPr>
-          </a:p>
-        </p:txBody>
-      </p:sp>
-      <p:pic>
-        <p:nvPicPr>
-          <p:cNvPr id="193" name="Picture 15" descr="Box and whisker chart&#10;&#10;Description automatically generated"/>
-          <p:cNvPicPr/>
-          <p:nvPr/>
-        </p:nvPicPr>
-        <p:blipFill>
-          <a:blip r:embed="rId5"/>
-          <a:stretch/>
-        </p:blipFill>
-        <p:spPr>
-          <a:xfrm>
-            <a:off x="1043640" y="3440880"/>
-            <a:ext cx="1448640" cy="1127520"/>
-          </a:xfrm>
-          <a:prstGeom prst="rect">
-            <a:avLst/>
-          </a:prstGeom>
-          <a:ln w="0">
-            <a:noFill/>
-          </a:ln>
-        </p:spPr>
-      </p:pic>
-      <p:sp>
-        <p:nvSpPr>
-          <p:cNvPr id="194" name="TextBox 16"/>
-          <p:cNvSpPr/>
-          <p:nvPr/>
-        </p:nvSpPr>
-        <p:spPr>
-          <a:xfrm>
-            <a:off x="4401000" y="2975040"/>
-            <a:ext cx="2790360" cy="303120"/>
-          </a:xfrm>
-          <a:prstGeom prst="rect">
-            <a:avLst/>
-          </a:prstGeom>
-          <a:noFill/>
-          <a:ln w="0">
-            <a:noFill/>
-          </a:ln>
-        </p:spPr>
-        <p:style>
-          <a:lnRef idx="0">
-            <a:scrgbClr r="0" g="0" b="0"/>
-          </a:lnRef>
-          <a:fillRef idx="0">
-            <a:scrgbClr r="0" g="0" b="0"/>
-          </a:fillRef>
-          <a:effectRef idx="0">
-            <a:scrgbClr r="0" g="0" b="0"/>
-          </a:effectRef>
-          <a:fontRef idx="minor"/>
-        </p:style>
-        <p:txBody>
-          <a:bodyPr wrap="none" lIns="90000" tIns="45000" rIns="90000" bIns="45000" anchor="t">
-            <a:spAutoFit/>
-          </a:bodyPr>
-          <a:lstStyle/>
-          <a:p>
-            <a:pPr>
-              <a:lnSpc>
-                <a:spcPct val="100000"/>
-              </a:lnSpc>
-            </a:pPr>
-            <a:r>
-              <a:rPr lang="hr-HR" sz="1400" b="0" strike="noStrike" spc="-1">
-                <a:solidFill>
-                  <a:srgbClr val="0A323E"/>
-                </a:solidFill>
-                <a:latin typeface="Libre Franklin"/>
-                <a:ea typeface="Arial"/>
-              </a:rPr>
-              <a:t>Network function Virtualization</a:t>
-            </a:r>
-            <a:endParaRPr lang="en-GB" sz="1400" b="0" strike="noStrike" spc="-1">
-              <a:solidFill>
-                <a:srgbClr val="000000"/>
-              </a:solidFill>
-              <a:latin typeface="Arial"/>
-            </a:endParaRPr>
-          </a:p>
-        </p:txBody>
-      </p:sp>
-      <p:pic>
-        <p:nvPicPr>
-          <p:cNvPr id="195" name="Picture 18" descr="Diagram&#10;&#10;Description automatically generated"/>
-          <p:cNvPicPr/>
-          <p:nvPr/>
-        </p:nvPicPr>
-        <p:blipFill>
-          <a:blip r:embed="rId6"/>
-          <a:stretch/>
-        </p:blipFill>
-        <p:spPr>
-          <a:xfrm>
-            <a:off x="4732200" y="3429360"/>
-            <a:ext cx="1915560" cy="1447560"/>
-          </a:xfrm>
-          <a:prstGeom prst="rect">
-            <a:avLst/>
-          </a:prstGeom>
-          <a:ln w="0">
-            <a:noFill/>
-          </a:ln>
-        </p:spPr>
-      </p:pic>
-    </p:spTree>
-  </p:cSld>
-  <p:clrMapOvr>
-    <a:masterClrMapping/>
-  </p:clrMapOvr>
-</p:sld>
-</file>
-
-<file path=ppt/slides/slide7.xml><?xml version="1.0" encoding="utf-8"?>
 <p:sld xmlns:a="http://schemas.openxmlformats.org/drawingml/2006/main" xmlns:r="http://schemas.openxmlformats.org/officeDocument/2006/relationships" xmlns:p="http://schemas.openxmlformats.org/presentationml/2006/main">
   <p:cSld>
     <p:spTree>
@@ -32752,7 +32010,7 @@
 </p:sld>
 </file>
 
-<file path=ppt/slides/slide8.xml><?xml version="1.0" encoding="utf-8"?>
+<file path=ppt/slides/slide7.xml><?xml version="1.0" encoding="utf-8"?>
 <p:sld xmlns:a="http://schemas.openxmlformats.org/drawingml/2006/main" xmlns:r="http://schemas.openxmlformats.org/officeDocument/2006/relationships" xmlns:p="http://schemas.openxmlformats.org/presentationml/2006/main">
   <p:cSld>
     <p:spTree>
@@ -33072,7 +32330,7 @@
 </p:sld>
 </file>
 
-<file path=ppt/slides/slide9.xml><?xml version="1.0" encoding="utf-8"?>
+<file path=ppt/slides/slide8.xml><?xml version="1.0" encoding="utf-8"?>
 <p:sld xmlns:a="http://schemas.openxmlformats.org/drawingml/2006/main" xmlns:r="http://schemas.openxmlformats.org/officeDocument/2006/relationships" xmlns:p="http://schemas.openxmlformats.org/presentationml/2006/main">
   <p:cSld>
     <p:bg>
@@ -33156,6 +32414,585 @@
           </a:p>
         </p:txBody>
       </p:sp>
+    </p:spTree>
+  </p:cSld>
+  <p:clrMapOvr>
+    <a:masterClrMapping/>
+  </p:clrMapOvr>
+</p:sld>
+</file>
+
+<file path=ppt/slides/slide9.xml><?xml version="1.0" encoding="utf-8"?>
+<p:sld xmlns:a="http://schemas.openxmlformats.org/drawingml/2006/main" xmlns:r="http://schemas.openxmlformats.org/officeDocument/2006/relationships" xmlns:p="http://schemas.openxmlformats.org/presentationml/2006/main">
+  <p:cSld>
+    <p:spTree>
+      <p:nvGrpSpPr>
+        <p:cNvPr id="1" name=""/>
+        <p:cNvGrpSpPr/>
+        <p:nvPr/>
+      </p:nvGrpSpPr>
+      <p:grpSpPr>
+        <a:xfrm>
+          <a:off x="0" y="0"/>
+          <a:ext cx="0" cy="0"/>
+          <a:chOff x="0" y="0"/>
+          <a:chExt cx="0" cy="0"/>
+        </a:xfrm>
+      </p:grpSpPr>
+      <p:sp>
+        <p:nvSpPr>
+          <p:cNvPr id="201" name="Google Shape;155;p29"/>
+          <p:cNvSpPr/>
+          <p:nvPr/>
+        </p:nvSpPr>
+        <p:spPr>
+          <a:xfrm>
+            <a:off x="357120" y="384840"/>
+            <a:ext cx="3171240" cy="344520"/>
+          </a:xfrm>
+          <a:prstGeom prst="rect">
+            <a:avLst/>
+          </a:prstGeom>
+          <a:noFill/>
+          <a:ln w="0">
+            <a:noFill/>
+          </a:ln>
+        </p:spPr>
+        <p:style>
+          <a:lnRef idx="0">
+            <a:scrgbClr r="0" g="0" b="0"/>
+          </a:lnRef>
+          <a:fillRef idx="0">
+            <a:scrgbClr r="0" g="0" b="0"/>
+          </a:fillRef>
+          <a:effectRef idx="0">
+            <a:scrgbClr r="0" g="0" b="0"/>
+          </a:effectRef>
+          <a:fontRef idx="minor"/>
+        </p:style>
+        <p:txBody>
+          <a:bodyPr lIns="68400" tIns="34200" rIns="68400" bIns="34200" anchor="t">
+            <a:noAutofit/>
+          </a:bodyPr>
+          <a:lstStyle/>
+          <a:p>
+            <a:pPr>
+              <a:lnSpc>
+                <a:spcPct val="100000"/>
+              </a:lnSpc>
+              <a:tabLst>
+                <a:tab pos="0" algn="l"/>
+              </a:tabLst>
+            </a:pPr>
+            <a:endParaRPr lang="en-GB" sz="1500" b="1" strike="noStrike" spc="-1">
+              <a:solidFill>
+                <a:srgbClr val="40E0D0"/>
+              </a:solidFill>
+              <a:latin typeface="Libre Franklin"/>
+              <a:ea typeface="Libre Franklin"/>
+            </a:endParaRPr>
+          </a:p>
+        </p:txBody>
+      </p:sp>
+      <p:sp>
+        <p:nvSpPr>
+          <p:cNvPr id="202" name="Google Shape;156;p29"/>
+          <p:cNvSpPr/>
+          <p:nvPr/>
+        </p:nvSpPr>
+        <p:spPr>
+          <a:xfrm>
+            <a:off x="421200" y="4722840"/>
+            <a:ext cx="5330880" cy="154080"/>
+          </a:xfrm>
+          <a:prstGeom prst="rect">
+            <a:avLst/>
+          </a:prstGeom>
+          <a:noFill/>
+          <a:ln w="0">
+            <a:noFill/>
+          </a:ln>
+        </p:spPr>
+        <p:style>
+          <a:lnRef idx="0">
+            <a:scrgbClr r="0" g="0" b="0"/>
+          </a:lnRef>
+          <a:fillRef idx="0">
+            <a:scrgbClr r="0" g="0" b="0"/>
+          </a:fillRef>
+          <a:effectRef idx="0">
+            <a:scrgbClr r="0" g="0" b="0"/>
+          </a:effectRef>
+          <a:fontRef idx="minor"/>
+        </p:style>
+        <p:txBody>
+          <a:bodyPr lIns="51480" tIns="25560" rIns="51480" bIns="25560" anchor="t">
+            <a:noAutofit/>
+          </a:bodyPr>
+          <a:lstStyle/>
+          <a:p>
+            <a:pPr>
+              <a:lnSpc>
+                <a:spcPct val="100000"/>
+              </a:lnSpc>
+              <a:tabLst>
+                <a:tab pos="0" algn="l"/>
+              </a:tabLst>
+            </a:pPr>
+            <a:r>
+              <a:rPr lang="hr-HR" sz="800" b="1" strike="noStrike" spc="-1">
+                <a:solidFill>
+                  <a:srgbClr val="0A323E"/>
+                </a:solidFill>
+                <a:latin typeface="Libre Franklin"/>
+                <a:ea typeface="Libre Franklin"/>
+              </a:rPr>
+              <a:t>Containers</a:t>
+            </a:r>
+            <a:endParaRPr lang="en-GB" sz="800" b="0" strike="noStrike" spc="-1">
+              <a:solidFill>
+                <a:srgbClr val="000000"/>
+              </a:solidFill>
+              <a:latin typeface="Arial"/>
+            </a:endParaRPr>
+          </a:p>
+        </p:txBody>
+      </p:sp>
+      <p:sp>
+        <p:nvSpPr>
+          <p:cNvPr id="203" name="Google Shape;157;p29"/>
+          <p:cNvSpPr/>
+          <p:nvPr/>
+        </p:nvSpPr>
+        <p:spPr>
+          <a:xfrm>
+            <a:off x="362160" y="841680"/>
+            <a:ext cx="3328200" cy="713520"/>
+          </a:xfrm>
+          <a:prstGeom prst="rect">
+            <a:avLst/>
+          </a:prstGeom>
+          <a:noFill/>
+          <a:ln w="0">
+            <a:noFill/>
+          </a:ln>
+        </p:spPr>
+        <p:style>
+          <a:lnRef idx="0">
+            <a:scrgbClr r="0" g="0" b="0"/>
+          </a:lnRef>
+          <a:fillRef idx="0">
+            <a:scrgbClr r="0" g="0" b="0"/>
+          </a:fillRef>
+          <a:effectRef idx="0">
+            <a:scrgbClr r="0" g="0" b="0"/>
+          </a:effectRef>
+          <a:fontRef idx="minor"/>
+        </p:style>
+        <p:txBody>
+          <a:bodyPr lIns="68400" tIns="34200" rIns="68400" bIns="34200" anchor="t">
+            <a:noAutofit/>
+          </a:bodyPr>
+          <a:lstStyle/>
+          <a:p>
+            <a:pPr>
+              <a:lnSpc>
+                <a:spcPct val="150000"/>
+              </a:lnSpc>
+              <a:tabLst>
+                <a:tab pos="0" algn="l"/>
+              </a:tabLst>
+            </a:pPr>
+            <a:endParaRPr lang="pt-BR" sz="1000" b="0" strike="noStrike" spc="-1">
+              <a:solidFill>
+                <a:srgbClr val="0A323E"/>
+              </a:solidFill>
+              <a:latin typeface="Libre Franklin"/>
+              <a:ea typeface="Libre Franklin"/>
+            </a:endParaRPr>
+          </a:p>
+        </p:txBody>
+      </p:sp>
+      <p:sp>
+        <p:nvSpPr>
+          <p:cNvPr id="204" name="Google Shape;163;p30"/>
+          <p:cNvSpPr/>
+          <p:nvPr/>
+        </p:nvSpPr>
+        <p:spPr>
+          <a:xfrm>
+            <a:off x="509760" y="537120"/>
+            <a:ext cx="7536600" cy="344520"/>
+          </a:xfrm>
+          <a:prstGeom prst="rect">
+            <a:avLst/>
+          </a:prstGeom>
+          <a:noFill/>
+          <a:ln w="0">
+            <a:noFill/>
+          </a:ln>
+        </p:spPr>
+        <p:style>
+          <a:lnRef idx="0">
+            <a:scrgbClr r="0" g="0" b="0"/>
+          </a:lnRef>
+          <a:fillRef idx="0">
+            <a:scrgbClr r="0" g="0" b="0"/>
+          </a:fillRef>
+          <a:effectRef idx="0">
+            <a:scrgbClr r="0" g="0" b="0"/>
+          </a:effectRef>
+          <a:fontRef idx="minor"/>
+        </p:style>
+        <p:txBody>
+          <a:bodyPr lIns="68400" tIns="34200" rIns="68400" bIns="34200" anchor="t">
+            <a:noAutofit/>
+          </a:bodyPr>
+          <a:lstStyle/>
+          <a:p>
+            <a:pPr>
+              <a:lnSpc>
+                <a:spcPct val="100000"/>
+              </a:lnSpc>
+              <a:tabLst>
+                <a:tab pos="0" algn="l"/>
+              </a:tabLst>
+            </a:pPr>
+            <a:r>
+              <a:rPr lang="hr-HR" sz="1500" b="1" strike="noStrike" spc="-1">
+                <a:solidFill>
+                  <a:srgbClr val="C9211E"/>
+                </a:solidFill>
+                <a:latin typeface="Libre Franklin"/>
+                <a:ea typeface="Libre Franklin"/>
+              </a:rPr>
+              <a:t>Containers</a:t>
+            </a:r>
+            <a:endParaRPr lang="en-GB" sz="1500" b="0" strike="noStrike" spc="-1">
+              <a:solidFill>
+                <a:srgbClr val="000000"/>
+              </a:solidFill>
+              <a:latin typeface="Arial"/>
+            </a:endParaRPr>
+          </a:p>
+          <a:p>
+            <a:pPr>
+              <a:lnSpc>
+                <a:spcPct val="100000"/>
+              </a:lnSpc>
+              <a:tabLst>
+                <a:tab pos="0" algn="l"/>
+              </a:tabLst>
+            </a:pPr>
+            <a:endParaRPr lang="en-GB" sz="1500" b="0" strike="noStrike" spc="-1">
+              <a:solidFill>
+                <a:srgbClr val="000000"/>
+              </a:solidFill>
+              <a:latin typeface="Arial"/>
+            </a:endParaRPr>
+          </a:p>
+          <a:p>
+            <a:pPr>
+              <a:lnSpc>
+                <a:spcPct val="100000"/>
+              </a:lnSpc>
+              <a:tabLst>
+                <a:tab pos="0" algn="l"/>
+              </a:tabLst>
+            </a:pPr>
+            <a:r>
+              <a:rPr lang="en-GB" sz="1800" b="0" strike="noStrike" spc="-1">
+                <a:solidFill>
+                  <a:srgbClr val="0A0A23"/>
+                </a:solidFill>
+                <a:latin typeface="Libre Franklin"/>
+                <a:ea typeface="Arial"/>
+              </a:rPr>
+              <a:t>Operating-system-level virtualization by abstracting the “user space”</a:t>
+            </a:r>
+            <a:endParaRPr lang="en-GB" sz="1800" b="0" strike="noStrike" spc="-1">
+              <a:solidFill>
+                <a:srgbClr val="000000"/>
+              </a:solidFill>
+              <a:latin typeface="Arial"/>
+            </a:endParaRPr>
+          </a:p>
+        </p:txBody>
+      </p:sp>
+      <p:sp>
+        <p:nvSpPr>
+          <p:cNvPr id="205" name="TextBox 4"/>
+          <p:cNvSpPr/>
+          <p:nvPr/>
+        </p:nvSpPr>
+        <p:spPr>
+          <a:xfrm>
+            <a:off x="622440" y="1909440"/>
+            <a:ext cx="2877840" cy="2437920"/>
+          </a:xfrm>
+          <a:prstGeom prst="rect">
+            <a:avLst/>
+          </a:prstGeom>
+          <a:noFill/>
+          <a:ln w="0">
+            <a:noFill/>
+          </a:ln>
+        </p:spPr>
+        <p:style>
+          <a:lnRef idx="0">
+            <a:scrgbClr r="0" g="0" b="0"/>
+          </a:lnRef>
+          <a:fillRef idx="0">
+            <a:scrgbClr r="0" g="0" b="0"/>
+          </a:fillRef>
+          <a:effectRef idx="0">
+            <a:scrgbClr r="0" g="0" b="0"/>
+          </a:effectRef>
+          <a:fontRef idx="minor"/>
+        </p:style>
+        <p:txBody>
+          <a:bodyPr wrap="none" lIns="90000" tIns="45000" rIns="90000" bIns="45000" anchor="t">
+            <a:spAutoFit/>
+          </a:bodyPr>
+          <a:lstStyle/>
+          <a:p>
+            <a:pPr marL="285840" indent="-285840">
+              <a:lnSpc>
+                <a:spcPct val="100000"/>
+              </a:lnSpc>
+              <a:buClr>
+                <a:srgbClr val="000000"/>
+              </a:buClr>
+              <a:buFont typeface="Arial"/>
+              <a:buChar char="•"/>
+            </a:pPr>
+            <a:r>
+              <a:rPr lang="hr-HR" sz="1400" b="0" strike="noStrike" spc="-1">
+                <a:solidFill>
+                  <a:srgbClr val="000000"/>
+                </a:solidFill>
+                <a:latin typeface="Libre Franklin"/>
+                <a:ea typeface="Arial"/>
+              </a:rPr>
+              <a:t>Share the host OS kernel</a:t>
+            </a:r>
+            <a:endParaRPr lang="en-GB" sz="1400" b="0" strike="noStrike" spc="-1">
+              <a:solidFill>
+                <a:srgbClr val="000000"/>
+              </a:solidFill>
+              <a:latin typeface="Arial"/>
+            </a:endParaRPr>
+          </a:p>
+          <a:p>
+            <a:pPr marL="285840" indent="-285840">
+              <a:lnSpc>
+                <a:spcPct val="100000"/>
+              </a:lnSpc>
+              <a:buClr>
+                <a:srgbClr val="000000"/>
+              </a:buClr>
+              <a:buFont typeface="Arial"/>
+              <a:buChar char="•"/>
+            </a:pPr>
+            <a:r>
+              <a:rPr lang="hr-HR" sz="1400" b="0" strike="noStrike" spc="-1">
+                <a:solidFill>
+                  <a:srgbClr val="000000"/>
+                </a:solidFill>
+                <a:latin typeface="Libre Franklin"/>
+                <a:ea typeface="Arial"/>
+              </a:rPr>
+              <a:t>Isolate apps from each other</a:t>
+            </a:r>
+            <a:endParaRPr lang="en-GB" sz="1400" b="0" strike="noStrike" spc="-1">
+              <a:solidFill>
+                <a:srgbClr val="000000"/>
+              </a:solidFill>
+              <a:latin typeface="Arial"/>
+            </a:endParaRPr>
+          </a:p>
+          <a:p>
+            <a:pPr>
+              <a:lnSpc>
+                <a:spcPct val="100000"/>
+              </a:lnSpc>
+            </a:pPr>
+            <a:endParaRPr lang="en-GB" sz="1400" b="0" strike="noStrike" spc="-1">
+              <a:solidFill>
+                <a:srgbClr val="000000"/>
+              </a:solidFill>
+              <a:latin typeface="Arial"/>
+            </a:endParaRPr>
+          </a:p>
+          <a:p>
+            <a:pPr>
+              <a:lnSpc>
+                <a:spcPct val="100000"/>
+              </a:lnSpc>
+            </a:pPr>
+            <a:r>
+              <a:rPr lang="hr-HR" sz="1400" b="0" strike="noStrike" spc="-1">
+                <a:solidFill>
+                  <a:srgbClr val="000000"/>
+                </a:solidFill>
+                <a:latin typeface="Libre Franklin"/>
+                <a:ea typeface="Arial"/>
+              </a:rPr>
+              <a:t>High level approach:</a:t>
+            </a:r>
+            <a:endParaRPr lang="en-GB" sz="1400" b="0" strike="noStrike" spc="-1">
+              <a:solidFill>
+                <a:srgbClr val="000000"/>
+              </a:solidFill>
+              <a:latin typeface="Arial"/>
+            </a:endParaRPr>
+          </a:p>
+          <a:p>
+            <a:pPr>
+              <a:lnSpc>
+                <a:spcPct val="100000"/>
+              </a:lnSpc>
+            </a:pPr>
+            <a:endParaRPr lang="en-GB" sz="1400" b="0" strike="noStrike" spc="-1">
+              <a:solidFill>
+                <a:srgbClr val="000000"/>
+              </a:solidFill>
+              <a:latin typeface="Arial"/>
+            </a:endParaRPr>
+          </a:p>
+          <a:p>
+            <a:pPr>
+              <a:lnSpc>
+                <a:spcPct val="100000"/>
+              </a:lnSpc>
+            </a:pPr>
+            <a:r>
+              <a:rPr lang="hr-HR" sz="1400" b="0" i="1" strike="noStrike" spc="-1">
+                <a:solidFill>
+                  <a:srgbClr val="000000"/>
+                </a:solidFill>
+                <a:latin typeface="Libre Franklin"/>
+                <a:ea typeface="Arial"/>
+              </a:rPr>
+              <a:t>It’s a lightweight VM</a:t>
+            </a:r>
+            <a:endParaRPr lang="en-GB" sz="1400" b="0" strike="noStrike" spc="-1">
+              <a:solidFill>
+                <a:srgbClr val="000000"/>
+              </a:solidFill>
+              <a:latin typeface="Arial"/>
+            </a:endParaRPr>
+          </a:p>
+          <a:p>
+            <a:pPr>
+              <a:lnSpc>
+                <a:spcPct val="100000"/>
+              </a:lnSpc>
+            </a:pPr>
+            <a:endParaRPr lang="en-GB" sz="1400" b="0" strike="noStrike" spc="-1">
+              <a:solidFill>
+                <a:srgbClr val="000000"/>
+              </a:solidFill>
+              <a:latin typeface="Arial"/>
+            </a:endParaRPr>
+          </a:p>
+          <a:p>
+            <a:pPr>
+              <a:lnSpc>
+                <a:spcPct val="100000"/>
+              </a:lnSpc>
+            </a:pPr>
+            <a:r>
+              <a:rPr lang="hr-HR" sz="1400" b="0" strike="noStrike" spc="-1">
+                <a:solidFill>
+                  <a:srgbClr val="000000"/>
+                </a:solidFill>
+                <a:latin typeface="Libre Franklin"/>
+                <a:ea typeface="Arial"/>
+              </a:rPr>
+              <a:t>Low level approach:</a:t>
+            </a:r>
+            <a:endParaRPr lang="en-GB" sz="1400" b="0" strike="noStrike" spc="-1">
+              <a:solidFill>
+                <a:srgbClr val="000000"/>
+              </a:solidFill>
+              <a:latin typeface="Arial"/>
+            </a:endParaRPr>
+          </a:p>
+          <a:p>
+            <a:pPr>
+              <a:lnSpc>
+                <a:spcPct val="100000"/>
+              </a:lnSpc>
+            </a:pPr>
+            <a:endParaRPr lang="en-GB" sz="1400" b="0" strike="noStrike" spc="-1">
+              <a:solidFill>
+                <a:srgbClr val="000000"/>
+              </a:solidFill>
+              <a:latin typeface="Arial"/>
+            </a:endParaRPr>
+          </a:p>
+          <a:p>
+            <a:pPr>
+              <a:lnSpc>
+                <a:spcPct val="100000"/>
+              </a:lnSpc>
+            </a:pPr>
+            <a:r>
+              <a:rPr lang="hr-HR" sz="1400" b="0" i="1" strike="noStrike" spc="-1">
+                <a:solidFill>
+                  <a:srgbClr val="000000"/>
+                </a:solidFill>
+                <a:latin typeface="Libre Franklin"/>
+                <a:ea typeface="Arial"/>
+              </a:rPr>
+              <a:t>It’s chroot on steroids</a:t>
+            </a:r>
+            <a:endParaRPr lang="en-GB" sz="1400" b="0" strike="noStrike" spc="-1">
+              <a:solidFill>
+                <a:srgbClr val="000000"/>
+              </a:solidFill>
+              <a:latin typeface="Arial"/>
+            </a:endParaRPr>
+          </a:p>
+          <a:p>
+            <a:pPr>
+              <a:lnSpc>
+                <a:spcPct val="100000"/>
+              </a:lnSpc>
+            </a:pPr>
+            <a:endParaRPr lang="en-GB" sz="1400" b="0" strike="noStrike" spc="-1">
+              <a:solidFill>
+                <a:srgbClr val="000000"/>
+              </a:solidFill>
+              <a:latin typeface="Arial"/>
+            </a:endParaRPr>
+          </a:p>
+        </p:txBody>
+      </p:sp>
+      <p:pic>
+        <p:nvPicPr>
+          <p:cNvPr id="206" name="Picture 205"/>
+          <p:cNvPicPr/>
+          <p:nvPr/>
+        </p:nvPicPr>
+        <p:blipFill>
+          <a:blip r:embed="rId2"/>
+          <a:stretch/>
+        </p:blipFill>
+        <p:spPr>
+          <a:xfrm>
+            <a:off x="4140000" y="1519560"/>
+            <a:ext cx="4241160" cy="3339360"/>
+          </a:xfrm>
+          <a:prstGeom prst="rect">
+            <a:avLst/>
+          </a:prstGeom>
+          <a:ln w="0">
+            <a:noFill/>
+          </a:ln>
+        </p:spPr>
+      </p:pic>
     </p:spTree>
   </p:cSld>
   <p:clrMapOvr>
